--- a/CS385 Final Project.pptx
+++ b/CS385 Final Project.pptx
@@ -7,9 +7,10 @@
   <p:sldIdLst>
     <p:sldId id="256" r:id="rId2"/>
     <p:sldId id="257" r:id="rId3"/>
-    <p:sldId id="258" r:id="rId4"/>
-    <p:sldId id="259" r:id="rId5"/>
-    <p:sldId id="260" r:id="rId6"/>
+    <p:sldId id="261" r:id="rId4"/>
+    <p:sldId id="258" r:id="rId5"/>
+    <p:sldId id="259" r:id="rId6"/>
+    <p:sldId id="260" r:id="rId7"/>
   </p:sldIdLst>
   <p:sldSz cx="12192000" cy="6858000"/>
   <p:notesSz cx="6858000" cy="9144000"/>
@@ -108,6 +109,11 @@
       </a:defRPr>
     </a:lvl9pPr>
   </p:defaultTextStyle>
+  <p:extLst>
+    <p:ext uri="{EFAFB233-063F-42B5-8137-9DF3F51BA10A}">
+      <p15:sldGuideLst xmlns:p15="http://schemas.microsoft.com/office/powerpoint/2012/main"/>
+    </p:ext>
+  </p:extLst>
 </p:presentation>
 </file>
 
@@ -5724,7 +5730,7 @@
       </p:sp>
       <p:graphicFrame>
         <p:nvGraphicFramePr>
-          <p:cNvPr id="4" name="Content Placeholder 3"/>
+          <p:cNvPr id="6" name="Content Placeholder 5"/>
           <p:cNvGraphicFramePr>
             <a:graphicFrameLocks noGrp="1"/>
           </p:cNvGraphicFramePr>
@@ -5732,14 +5738,14 @@
             <p:ph idx="1"/>
             <p:extLst>
               <p:ext uri="{D42A27DB-BD31-4B8C-83A1-F6EECF244321}">
-                <p14:modId xmlns:p14="http://schemas.microsoft.com/office/powerpoint/2010/main" val="1377309252"/>
+                <p14:modId xmlns:p14="http://schemas.microsoft.com/office/powerpoint/2010/main" val="3665241799"/>
               </p:ext>
             </p:extLst>
           </p:nvPr>
         </p:nvGraphicFramePr>
         <p:xfrm>
           <a:off x="914400" y="2095500"/>
-          <a:ext cx="10353676" cy="2595880"/>
+          <a:ext cx="10499052" cy="3297936"/>
         </p:xfrm>
         <a:graphic>
           <a:graphicData uri="http://schemas.openxmlformats.org/drawingml/2006/table">
@@ -5748,10 +5754,12 @@
                 <a:tableStyleId>{5C22544A-7EE6-4342-B048-85BDC9FD1C3A}</a:tableStyleId>
               </a:tblPr>
               <a:tblGrid>
-                <a:gridCol w="2588419"/>
-                <a:gridCol w="2588419"/>
-                <a:gridCol w="2588419"/>
-                <a:gridCol w="2588419"/>
+                <a:gridCol w="1920240"/>
+                <a:gridCol w="1725168"/>
+                <a:gridCol w="1725168"/>
+                <a:gridCol w="1150836"/>
+                <a:gridCol w="1133856"/>
+                <a:gridCol w="2843784"/>
               </a:tblGrid>
               <a:tr h="370840">
                 <a:tc>
@@ -5759,56 +5767,228 @@
                     <a:bodyPr/>
                     <a:lstStyle/>
                     <a:p>
-                      <a:r>
-                        <a:rPr lang="en-US" dirty="0" smtClean="0"/>
-                        <a:t>Instruction</a:t>
-                      </a:r>
-                      <a:endParaRPr lang="en-US" dirty="0"/>
+                      <a:pPr marL="0" marR="0" algn="ctr">
+                        <a:lnSpc>
+                          <a:spcPct val="110000"/>
+                        </a:lnSpc>
+                        <a:spcBef>
+                          <a:spcPts val="0"/>
+                        </a:spcBef>
+                        <a:spcAft>
+                          <a:spcPts val="0"/>
+                        </a:spcAft>
+                      </a:pPr>
+                      <a:r>
+                        <a:rPr lang="en-US" sz="2000" b="1" dirty="0">
+                          <a:solidFill>
+                            <a:srgbClr val="FFFFFF"/>
+                          </a:solidFill>
+                          <a:effectLst/>
+                          <a:latin typeface="Calibri" panose="020F0502020204030204" pitchFamily="34" charset="0"/>
+                          <a:ea typeface="Arial" panose="020B0604020202020204" pitchFamily="34" charset="0"/>
+                          <a:cs typeface="Arial" panose="020B0604020202020204" pitchFamily="34" charset="0"/>
+                        </a:rPr>
+                        <a:t>Name</a:t>
+                      </a:r>
+                      <a:endParaRPr lang="en-US" sz="2000" dirty="0">
+                        <a:effectLst/>
+                        <a:latin typeface="Calibri" panose="020F0502020204030204" pitchFamily="34" charset="0"/>
+                        <a:ea typeface="SimSun" panose="02010600030101010101" pitchFamily="2" charset="-122"/>
+                        <a:cs typeface="Arial" panose="020B0604020202020204" pitchFamily="34" charset="0"/>
+                      </a:endParaRPr>
                     </a:p>
                   </a:txBody>
-                  <a:tcPr/>
+                  <a:tcPr marL="68580" marR="68580" marT="0" marB="0"/>
                 </a:tc>
                 <a:tc>
                   <a:txBody>
                     <a:bodyPr/>
                     <a:lstStyle/>
                     <a:p>
-                      <a:r>
-                        <a:rPr lang="en-US" dirty="0" smtClean="0"/>
-                        <a:t>OP Code</a:t>
-                      </a:r>
-                      <a:endParaRPr lang="en-US" dirty="0"/>
+                      <a:pPr marL="0" marR="0" algn="ctr">
+                        <a:lnSpc>
+                          <a:spcPct val="110000"/>
+                        </a:lnSpc>
+                        <a:spcBef>
+                          <a:spcPts val="0"/>
+                        </a:spcBef>
+                        <a:spcAft>
+                          <a:spcPts val="0"/>
+                        </a:spcAft>
+                      </a:pPr>
+                      <a:r>
+                        <a:rPr lang="en-US" sz="2000" b="1" dirty="0">
+                          <a:solidFill>
+                            <a:srgbClr val="FFFFFF"/>
+                          </a:solidFill>
+                          <a:effectLst/>
+                          <a:latin typeface="Calibri" panose="020F0502020204030204" pitchFamily="34" charset="0"/>
+                          <a:ea typeface="Arial" panose="020B0604020202020204" pitchFamily="34" charset="0"/>
+                          <a:cs typeface="Arial" panose="020B0604020202020204" pitchFamily="34" charset="0"/>
+                        </a:rPr>
+                        <a:t>Syntax</a:t>
+                      </a:r>
+                      <a:endParaRPr lang="en-US" sz="2000" dirty="0">
+                        <a:effectLst/>
+                        <a:latin typeface="Calibri" panose="020F0502020204030204" pitchFamily="34" charset="0"/>
+                        <a:ea typeface="SimSun" panose="02010600030101010101" pitchFamily="2" charset="-122"/>
+                        <a:cs typeface="Arial" panose="020B0604020202020204" pitchFamily="34" charset="0"/>
+                      </a:endParaRPr>
                     </a:p>
                   </a:txBody>
-                  <a:tcPr/>
+                  <a:tcPr marL="68580" marR="68580" marT="0" marB="0"/>
                 </a:tc>
                 <a:tc>
                   <a:txBody>
                     <a:bodyPr/>
                     <a:lstStyle/>
                     <a:p>
-                      <a:r>
-                        <a:rPr lang="en-US" dirty="0" smtClean="0"/>
-                        <a:t>Instruction</a:t>
-                      </a:r>
-                      <a:endParaRPr lang="en-US" dirty="0"/>
+                      <a:pPr marL="0" marR="0" algn="ctr">
+                        <a:lnSpc>
+                          <a:spcPct val="110000"/>
+                        </a:lnSpc>
+                        <a:spcBef>
+                          <a:spcPts val="0"/>
+                        </a:spcBef>
+                        <a:spcAft>
+                          <a:spcPts val="0"/>
+                        </a:spcAft>
+                      </a:pPr>
+                      <a:r>
+                        <a:rPr lang="en-US" sz="2000" b="1" dirty="0">
+                          <a:solidFill>
+                            <a:srgbClr val="FFFFFF"/>
+                          </a:solidFill>
+                          <a:effectLst/>
+                          <a:latin typeface="Calibri" panose="020F0502020204030204" pitchFamily="34" charset="0"/>
+                          <a:ea typeface="Arial" panose="020B0604020202020204" pitchFamily="34" charset="0"/>
+                          <a:cs typeface="Arial" panose="020B0604020202020204" pitchFamily="34" charset="0"/>
+                        </a:rPr>
+                        <a:t>Meaning</a:t>
+                      </a:r>
+                      <a:endParaRPr lang="en-US" sz="2000" dirty="0">
+                        <a:effectLst/>
+                        <a:latin typeface="Calibri" panose="020F0502020204030204" pitchFamily="34" charset="0"/>
+                        <a:ea typeface="SimSun" panose="02010600030101010101" pitchFamily="2" charset="-122"/>
+                        <a:cs typeface="Arial" panose="020B0604020202020204" pitchFamily="34" charset="0"/>
+                      </a:endParaRPr>
                     </a:p>
                   </a:txBody>
-                  <a:tcPr/>
+                  <a:tcPr marL="68580" marR="68580" marT="0" marB="0"/>
                 </a:tc>
                 <a:tc>
                   <a:txBody>
                     <a:bodyPr/>
                     <a:lstStyle/>
                     <a:p>
-                      <a:r>
-                        <a:rPr lang="en-US" dirty="0" smtClean="0"/>
-                        <a:t>OP Code</a:t>
-                      </a:r>
-                      <a:endParaRPr lang="en-US" dirty="0"/>
+                      <a:pPr marL="0" marR="0" algn="ctr">
+                        <a:lnSpc>
+                          <a:spcPct val="110000"/>
+                        </a:lnSpc>
+                        <a:spcBef>
+                          <a:spcPts val="0"/>
+                        </a:spcBef>
+                        <a:spcAft>
+                          <a:spcPts val="0"/>
+                        </a:spcAft>
+                      </a:pPr>
+                      <a:r>
+                        <a:rPr lang="en-US" sz="2000" b="1" dirty="0">
+                          <a:solidFill>
+                            <a:srgbClr val="FFFFFF"/>
+                          </a:solidFill>
+                          <a:effectLst/>
+                          <a:latin typeface="Calibri" panose="020F0502020204030204" pitchFamily="34" charset="0"/>
+                          <a:ea typeface="Arial" panose="020B0604020202020204" pitchFamily="34" charset="0"/>
+                          <a:cs typeface="Arial" panose="020B0604020202020204" pitchFamily="34" charset="0"/>
+                        </a:rPr>
+                        <a:t>Format</a:t>
+                      </a:r>
+                      <a:endParaRPr lang="en-US" sz="2000" dirty="0">
+                        <a:effectLst/>
+                        <a:latin typeface="Calibri" panose="020F0502020204030204" pitchFamily="34" charset="0"/>
+                        <a:ea typeface="SimSun" panose="02010600030101010101" pitchFamily="2" charset="-122"/>
+                        <a:cs typeface="Arial" panose="020B0604020202020204" pitchFamily="34" charset="0"/>
+                      </a:endParaRPr>
                     </a:p>
                   </a:txBody>
-                  <a:tcPr/>
+                  <a:tcPr marL="68580" marR="68580" marT="0" marB="0"/>
+                </a:tc>
+                <a:tc>
+                  <a:txBody>
+                    <a:bodyPr/>
+                    <a:lstStyle/>
+                    <a:p>
+                      <a:pPr marL="0" marR="0" algn="ctr">
+                        <a:lnSpc>
+                          <a:spcPct val="110000"/>
+                        </a:lnSpc>
+                        <a:spcBef>
+                          <a:spcPts val="0"/>
+                        </a:spcBef>
+                        <a:spcAft>
+                          <a:spcPts val="0"/>
+                        </a:spcAft>
+                      </a:pPr>
+                      <a:r>
+                        <a:rPr lang="en-US" sz="2000" b="1" dirty="0" err="1">
+                          <a:solidFill>
+                            <a:srgbClr val="FFFFFF"/>
+                          </a:solidFill>
+                          <a:effectLst/>
+                          <a:latin typeface="Calibri" panose="020F0502020204030204" pitchFamily="34" charset="0"/>
+                          <a:ea typeface="Arial" panose="020B0604020202020204" pitchFamily="34" charset="0"/>
+                          <a:cs typeface="Arial" panose="020B0604020202020204" pitchFamily="34" charset="0"/>
+                        </a:rPr>
+                        <a:t>Opcode</a:t>
+                      </a:r>
+                      <a:endParaRPr lang="en-US" sz="2000" dirty="0">
+                        <a:effectLst/>
+                        <a:latin typeface="Calibri" panose="020F0502020204030204" pitchFamily="34" charset="0"/>
+                        <a:ea typeface="SimSun" panose="02010600030101010101" pitchFamily="2" charset="-122"/>
+                        <a:cs typeface="Arial" panose="020B0604020202020204" pitchFamily="34" charset="0"/>
+                      </a:endParaRPr>
+                    </a:p>
+                  </a:txBody>
+                  <a:tcPr marL="68580" marR="68580" marT="0" marB="0"/>
+                </a:tc>
+                <a:tc>
+                  <a:txBody>
+                    <a:bodyPr/>
+                    <a:lstStyle/>
+                    <a:p>
+                      <a:pPr marL="0" marR="0" algn="ctr">
+                        <a:lnSpc>
+                          <a:spcPct val="110000"/>
+                        </a:lnSpc>
+                        <a:spcBef>
+                          <a:spcPts val="0"/>
+                        </a:spcBef>
+                        <a:spcAft>
+                          <a:spcPts val="0"/>
+                        </a:spcAft>
+                      </a:pPr>
+                      <a:r>
+                        <a:rPr lang="en-US" sz="2000" b="1" dirty="0">
+                          <a:solidFill>
+                            <a:srgbClr val="FFFFFF"/>
+                          </a:solidFill>
+                          <a:effectLst/>
+                          <a:latin typeface="Calibri" panose="020F0502020204030204" pitchFamily="34" charset="0"/>
+                          <a:ea typeface="Arial" panose="020B0604020202020204" pitchFamily="34" charset="0"/>
+                          <a:cs typeface="Arial" panose="020B0604020202020204" pitchFamily="34" charset="0"/>
+                        </a:rPr>
+                        <a:t>Encoding</a:t>
+                      </a:r>
+                      <a:endParaRPr lang="en-US" sz="2000" dirty="0">
+                        <a:effectLst/>
+                        <a:latin typeface="Calibri" panose="020F0502020204030204" pitchFamily="34" charset="0"/>
+                        <a:ea typeface="SimSun" panose="02010600030101010101" pitchFamily="2" charset="-122"/>
+                        <a:cs typeface="Arial" panose="020B0604020202020204" pitchFamily="34" charset="0"/>
+                      </a:endParaRPr>
+                    </a:p>
+                  </a:txBody>
+                  <a:tcPr marL="68580" marR="68580" marT="0" marB="0"/>
                 </a:tc>
               </a:tr>
               <a:tr h="370840">
@@ -5817,56 +5997,229 @@
                     <a:bodyPr/>
                     <a:lstStyle/>
                     <a:p>
-                      <a:r>
-                        <a:rPr lang="en-US" dirty="0" smtClean="0"/>
-                        <a:t>add</a:t>
-                      </a:r>
-                      <a:endParaRPr lang="en-US" dirty="0"/>
+                      <a:pPr marL="0" marR="0">
+                        <a:lnSpc>
+                          <a:spcPct val="110000"/>
+                        </a:lnSpc>
+                        <a:spcBef>
+                          <a:spcPts val="0"/>
+                        </a:spcBef>
+                        <a:spcAft>
+                          <a:spcPts val="0"/>
+                        </a:spcAft>
+                      </a:pPr>
+                      <a:r>
+                        <a:rPr lang="en-US" sz="1600" b="1" dirty="0">
+                          <a:effectLst/>
+                          <a:latin typeface="Calibri" panose="020F0502020204030204" pitchFamily="34" charset="0"/>
+                          <a:ea typeface="Arial" panose="020B0604020202020204" pitchFamily="34" charset="0"/>
+                          <a:cs typeface="Arial" panose="020B0604020202020204" pitchFamily="34" charset="0"/>
+                        </a:rPr>
+                        <a:t>Add</a:t>
+                      </a:r>
+                      <a:endParaRPr lang="en-US" sz="1600" dirty="0">
+                        <a:effectLst/>
+                        <a:latin typeface="Calibri" panose="020F0502020204030204" pitchFamily="34" charset="0"/>
+                        <a:ea typeface="SimSun" panose="02010600030101010101" pitchFamily="2" charset="-122"/>
+                        <a:cs typeface="Arial" panose="020B0604020202020204" pitchFamily="34" charset="0"/>
+                      </a:endParaRPr>
                     </a:p>
                   </a:txBody>
-                  <a:tcPr/>
+                  <a:tcPr marL="68580" marR="68580" marT="0" marB="0" anchor="ctr"/>
                 </a:tc>
                 <a:tc>
                   <a:txBody>
                     <a:bodyPr/>
                     <a:lstStyle/>
                     <a:p>
-                      <a:r>
-                        <a:rPr lang="en-US" dirty="0" smtClean="0"/>
-                        <a:t>0000</a:t>
-                      </a:r>
-                      <a:endParaRPr lang="en-US" dirty="0"/>
+                      <a:pPr marL="0" marR="0">
+                        <a:lnSpc>
+                          <a:spcPct val="110000"/>
+                        </a:lnSpc>
+                        <a:spcBef>
+                          <a:spcPts val="0"/>
+                        </a:spcBef>
+                        <a:spcAft>
+                          <a:spcPts val="0"/>
+                        </a:spcAft>
+                      </a:pPr>
+                      <a:r>
+                        <a:rPr lang="en-US" sz="1600">
+                          <a:effectLst/>
+                          <a:latin typeface="Calibri" panose="020F0502020204030204" pitchFamily="34" charset="0"/>
+                          <a:ea typeface="Arial" panose="020B0604020202020204" pitchFamily="34" charset="0"/>
+                          <a:cs typeface="Arial" panose="020B0604020202020204" pitchFamily="34" charset="0"/>
+                        </a:rPr>
+                        <a:t>add $d, $s, $t</a:t>
+                      </a:r>
+                      <a:endParaRPr lang="en-US" sz="1600">
+                        <a:effectLst/>
+                        <a:latin typeface="Calibri" panose="020F0502020204030204" pitchFamily="34" charset="0"/>
+                        <a:ea typeface="SimSun" panose="02010600030101010101" pitchFamily="2" charset="-122"/>
+                        <a:cs typeface="Arial" panose="020B0604020202020204" pitchFamily="34" charset="0"/>
+                      </a:endParaRPr>
                     </a:p>
                   </a:txBody>
-                  <a:tcPr/>
+                  <a:tcPr marL="68580" marR="68580" marT="0" marB="0" anchor="ctr"/>
                 </a:tc>
                 <a:tc>
                   <a:txBody>
                     <a:bodyPr/>
                     <a:lstStyle/>
                     <a:p>
-                      <a:r>
-                        <a:rPr lang="en-US" dirty="0" err="1" smtClean="0"/>
-                        <a:t>sw</a:t>
-                      </a:r>
-                      <a:endParaRPr lang="en-US" dirty="0"/>
+                      <a:pPr marL="0" marR="0">
+                        <a:lnSpc>
+                          <a:spcPct val="110000"/>
+                        </a:lnSpc>
+                        <a:spcBef>
+                          <a:spcPts val="0"/>
+                        </a:spcBef>
+                        <a:spcAft>
+                          <a:spcPts val="0"/>
+                        </a:spcAft>
+                      </a:pPr>
+                      <a:r>
+                        <a:rPr lang="en-US" sz="1600">
+                          <a:effectLst/>
+                          <a:latin typeface="Calibri" panose="020F0502020204030204" pitchFamily="34" charset="0"/>
+                          <a:ea typeface="Arial" panose="020B0604020202020204" pitchFamily="34" charset="0"/>
+                          <a:cs typeface="Arial" panose="020B0604020202020204" pitchFamily="34" charset="0"/>
+                        </a:rPr>
+                        <a:t>$d </a:t>
+                      </a:r>
+                      <a:r>
+                        <a:rPr lang="en-US" sz="1600">
+                          <a:effectLst/>
+                          <a:latin typeface="Calibri" panose="020F0502020204030204" pitchFamily="34" charset="0"/>
+                          <a:ea typeface="Arial" panose="020B0604020202020204" pitchFamily="34" charset="0"/>
+                          <a:cs typeface="Arial" panose="020B0604020202020204" pitchFamily="34" charset="0"/>
+                          <a:sym typeface="Wingdings" panose="05000000000000000000" pitchFamily="2" charset="2"/>
+                        </a:rPr>
+                        <a:t></a:t>
+                      </a:r>
+                      <a:r>
+                        <a:rPr lang="en-US" sz="1600">
+                          <a:effectLst/>
+                          <a:latin typeface="Calibri" panose="020F0502020204030204" pitchFamily="34" charset="0"/>
+                          <a:ea typeface="Arial" panose="020B0604020202020204" pitchFamily="34" charset="0"/>
+                          <a:cs typeface="Arial" panose="020B0604020202020204" pitchFamily="34" charset="0"/>
+                        </a:rPr>
+                        <a:t> $s + $t</a:t>
+                      </a:r>
+                      <a:endParaRPr lang="en-US" sz="1600">
+                        <a:effectLst/>
+                        <a:latin typeface="Calibri" panose="020F0502020204030204" pitchFamily="34" charset="0"/>
+                        <a:ea typeface="SimSun" panose="02010600030101010101" pitchFamily="2" charset="-122"/>
+                        <a:cs typeface="Arial" panose="020B0604020202020204" pitchFamily="34" charset="0"/>
+                      </a:endParaRPr>
                     </a:p>
                   </a:txBody>
-                  <a:tcPr/>
+                  <a:tcPr marL="68580" marR="68580" marT="0" marB="0" anchor="ctr"/>
                 </a:tc>
                 <a:tc>
                   <a:txBody>
                     <a:bodyPr/>
                     <a:lstStyle/>
                     <a:p>
-                      <a:r>
-                        <a:rPr lang="en-US" dirty="0" smtClean="0"/>
-                        <a:t>0110</a:t>
-                      </a:r>
-                      <a:endParaRPr lang="en-US" dirty="0"/>
+                      <a:pPr marL="0" marR="0" algn="ctr">
+                        <a:lnSpc>
+                          <a:spcPct val="110000"/>
+                        </a:lnSpc>
+                        <a:spcBef>
+                          <a:spcPts val="0"/>
+                        </a:spcBef>
+                        <a:spcAft>
+                          <a:spcPts val="0"/>
+                        </a:spcAft>
+                      </a:pPr>
+                      <a:r>
+                        <a:rPr lang="en-US" sz="1600" dirty="0">
+                          <a:effectLst/>
+                          <a:latin typeface="Calibri" panose="020F0502020204030204" pitchFamily="34" charset="0"/>
+                          <a:ea typeface="Arial" panose="020B0604020202020204" pitchFamily="34" charset="0"/>
+                          <a:cs typeface="Arial" panose="020B0604020202020204" pitchFamily="34" charset="0"/>
+                        </a:rPr>
+                        <a:t>R</a:t>
+                      </a:r>
+                      <a:endParaRPr lang="en-US" sz="1600" dirty="0">
+                        <a:effectLst/>
+                        <a:latin typeface="Calibri" panose="020F0502020204030204" pitchFamily="34" charset="0"/>
+                        <a:ea typeface="SimSun" panose="02010600030101010101" pitchFamily="2" charset="-122"/>
+                        <a:cs typeface="Arial" panose="020B0604020202020204" pitchFamily="34" charset="0"/>
+                      </a:endParaRPr>
                     </a:p>
                   </a:txBody>
-                  <a:tcPr/>
+                  <a:tcPr marL="68580" marR="68580" marT="0" marB="0" anchor="ctr"/>
+                </a:tc>
+                <a:tc>
+                  <a:txBody>
+                    <a:bodyPr/>
+                    <a:lstStyle/>
+                    <a:p>
+                      <a:pPr marL="0" marR="0" algn="ctr">
+                        <a:lnSpc>
+                          <a:spcPct val="110000"/>
+                        </a:lnSpc>
+                        <a:spcBef>
+                          <a:spcPts val="0"/>
+                        </a:spcBef>
+                        <a:spcAft>
+                          <a:spcPts val="0"/>
+                        </a:spcAft>
+                      </a:pPr>
+                      <a:r>
+                        <a:rPr lang="en-US" sz="1600">
+                          <a:effectLst/>
+                          <a:latin typeface="Calibri" panose="020F0502020204030204" pitchFamily="34" charset="0"/>
+                          <a:ea typeface="Arial" panose="020B0604020202020204" pitchFamily="34" charset="0"/>
+                          <a:cs typeface="Arial" panose="020B0604020202020204" pitchFamily="34" charset="0"/>
+                        </a:rPr>
+                        <a:t>0000</a:t>
+                      </a:r>
+                      <a:endParaRPr lang="en-US" sz="1600">
+                        <a:effectLst/>
+                        <a:latin typeface="Calibri" panose="020F0502020204030204" pitchFamily="34" charset="0"/>
+                        <a:ea typeface="SimSun" panose="02010600030101010101" pitchFamily="2" charset="-122"/>
+                        <a:cs typeface="Arial" panose="020B0604020202020204" pitchFamily="34" charset="0"/>
+                      </a:endParaRPr>
+                    </a:p>
+                  </a:txBody>
+                  <a:tcPr marL="68580" marR="68580" marT="0" marB="0" anchor="ctr"/>
+                </a:tc>
+                <a:tc>
+                  <a:txBody>
+                    <a:bodyPr/>
+                    <a:lstStyle/>
+                    <a:p>
+                      <a:pPr marL="0" marR="0">
+                        <a:lnSpc>
+                          <a:spcPct val="110000"/>
+                        </a:lnSpc>
+                        <a:spcBef>
+                          <a:spcPts val="0"/>
+                        </a:spcBef>
+                        <a:spcAft>
+                          <a:spcPts val="0"/>
+                        </a:spcAft>
+                      </a:pPr>
+                      <a:r>
+                        <a:rPr lang="en-US" sz="1600">
+                          <a:effectLst/>
+                          <a:latin typeface="Courier New" panose="02070309020205020404" pitchFamily="49" charset="0"/>
+                          <a:ea typeface="Arial" panose="020B0604020202020204" pitchFamily="34" charset="0"/>
+                          <a:cs typeface="Arial" panose="020B0604020202020204" pitchFamily="34" charset="0"/>
+                        </a:rPr>
+                        <a:t>0000 sstt dd-- ----</a:t>
+                      </a:r>
+                      <a:endParaRPr lang="en-US" sz="1600">
+                        <a:effectLst/>
+                        <a:latin typeface="Calibri" panose="020F0502020204030204" pitchFamily="34" charset="0"/>
+                        <a:ea typeface="SimSun" panose="02010600030101010101" pitchFamily="2" charset="-122"/>
+                        <a:cs typeface="Arial" panose="020B0604020202020204" pitchFamily="34" charset="0"/>
+                      </a:endParaRPr>
+                    </a:p>
+                  </a:txBody>
+                  <a:tcPr marL="68580" marR="68580" marT="0" marB="0" anchor="ctr"/>
                 </a:tc>
               </a:tr>
               <a:tr h="370840">
@@ -5875,56 +6228,229 @@
                     <a:bodyPr/>
                     <a:lstStyle/>
                     <a:p>
-                      <a:r>
-                        <a:rPr lang="en-US" dirty="0" smtClean="0"/>
-                        <a:t>sub</a:t>
-                      </a:r>
-                      <a:endParaRPr lang="en-US" dirty="0"/>
+                      <a:pPr marL="0" marR="0">
+                        <a:lnSpc>
+                          <a:spcPct val="110000"/>
+                        </a:lnSpc>
+                        <a:spcBef>
+                          <a:spcPts val="0"/>
+                        </a:spcBef>
+                        <a:spcAft>
+                          <a:spcPts val="0"/>
+                        </a:spcAft>
+                      </a:pPr>
+                      <a:r>
+                        <a:rPr lang="en-US" sz="1600" b="1">
+                          <a:effectLst/>
+                          <a:latin typeface="Calibri" panose="020F0502020204030204" pitchFamily="34" charset="0"/>
+                          <a:ea typeface="Arial" panose="020B0604020202020204" pitchFamily="34" charset="0"/>
+                          <a:cs typeface="Arial" panose="020B0604020202020204" pitchFamily="34" charset="0"/>
+                        </a:rPr>
+                        <a:t>Subtract</a:t>
+                      </a:r>
+                      <a:endParaRPr lang="en-US" sz="1600">
+                        <a:effectLst/>
+                        <a:latin typeface="Calibri" panose="020F0502020204030204" pitchFamily="34" charset="0"/>
+                        <a:ea typeface="SimSun" panose="02010600030101010101" pitchFamily="2" charset="-122"/>
+                        <a:cs typeface="Arial" panose="020B0604020202020204" pitchFamily="34" charset="0"/>
+                      </a:endParaRPr>
                     </a:p>
                   </a:txBody>
-                  <a:tcPr/>
+                  <a:tcPr marL="68580" marR="68580" marT="0" marB="0" anchor="ctr"/>
                 </a:tc>
                 <a:tc>
                   <a:txBody>
                     <a:bodyPr/>
                     <a:lstStyle/>
                     <a:p>
-                      <a:r>
-                        <a:rPr lang="en-US" dirty="0" smtClean="0"/>
-                        <a:t>0001</a:t>
-                      </a:r>
-                      <a:endParaRPr lang="en-US" dirty="0"/>
+                      <a:pPr marL="0" marR="0">
+                        <a:lnSpc>
+                          <a:spcPct val="110000"/>
+                        </a:lnSpc>
+                        <a:spcBef>
+                          <a:spcPts val="0"/>
+                        </a:spcBef>
+                        <a:spcAft>
+                          <a:spcPts val="0"/>
+                        </a:spcAft>
+                      </a:pPr>
+                      <a:r>
+                        <a:rPr lang="en-US" sz="1600">
+                          <a:effectLst/>
+                          <a:latin typeface="Calibri" panose="020F0502020204030204" pitchFamily="34" charset="0"/>
+                          <a:ea typeface="Arial" panose="020B0604020202020204" pitchFamily="34" charset="0"/>
+                          <a:cs typeface="Arial" panose="020B0604020202020204" pitchFamily="34" charset="0"/>
+                        </a:rPr>
+                        <a:t>sub $d, $s, $t</a:t>
+                      </a:r>
+                      <a:endParaRPr lang="en-US" sz="1600">
+                        <a:effectLst/>
+                        <a:latin typeface="Calibri" panose="020F0502020204030204" pitchFamily="34" charset="0"/>
+                        <a:ea typeface="SimSun" panose="02010600030101010101" pitchFamily="2" charset="-122"/>
+                        <a:cs typeface="Arial" panose="020B0604020202020204" pitchFamily="34" charset="0"/>
+                      </a:endParaRPr>
                     </a:p>
                   </a:txBody>
-                  <a:tcPr/>
+                  <a:tcPr marL="68580" marR="68580" marT="0" marB="0" anchor="ctr"/>
                 </a:tc>
                 <a:tc>
                   <a:txBody>
                     <a:bodyPr/>
                     <a:lstStyle/>
                     <a:p>
-                      <a:r>
-                        <a:rPr lang="en-US" dirty="0" err="1" smtClean="0"/>
-                        <a:t>slt</a:t>
-                      </a:r>
-                      <a:endParaRPr lang="en-US" dirty="0"/>
+                      <a:pPr marL="0" marR="0">
+                        <a:lnSpc>
+                          <a:spcPct val="110000"/>
+                        </a:lnSpc>
+                        <a:spcBef>
+                          <a:spcPts val="0"/>
+                        </a:spcBef>
+                        <a:spcAft>
+                          <a:spcPts val="0"/>
+                        </a:spcAft>
+                      </a:pPr>
+                      <a:r>
+                        <a:rPr lang="en-US" sz="1600">
+                          <a:effectLst/>
+                          <a:latin typeface="Calibri" panose="020F0502020204030204" pitchFamily="34" charset="0"/>
+                          <a:ea typeface="Arial" panose="020B0604020202020204" pitchFamily="34" charset="0"/>
+                          <a:cs typeface="Arial" panose="020B0604020202020204" pitchFamily="34" charset="0"/>
+                        </a:rPr>
+                        <a:t>$d </a:t>
+                      </a:r>
+                      <a:r>
+                        <a:rPr lang="en-US" sz="1600">
+                          <a:effectLst/>
+                          <a:latin typeface="Calibri" panose="020F0502020204030204" pitchFamily="34" charset="0"/>
+                          <a:ea typeface="Arial" panose="020B0604020202020204" pitchFamily="34" charset="0"/>
+                          <a:cs typeface="Arial" panose="020B0604020202020204" pitchFamily="34" charset="0"/>
+                          <a:sym typeface="Wingdings" panose="05000000000000000000" pitchFamily="2" charset="2"/>
+                        </a:rPr>
+                        <a:t></a:t>
+                      </a:r>
+                      <a:r>
+                        <a:rPr lang="en-US" sz="1600">
+                          <a:effectLst/>
+                          <a:latin typeface="Calibri" panose="020F0502020204030204" pitchFamily="34" charset="0"/>
+                          <a:ea typeface="Arial" panose="020B0604020202020204" pitchFamily="34" charset="0"/>
+                          <a:cs typeface="Arial" panose="020B0604020202020204" pitchFamily="34" charset="0"/>
+                        </a:rPr>
+                        <a:t> $s - $t</a:t>
+                      </a:r>
+                      <a:endParaRPr lang="en-US" sz="1600">
+                        <a:effectLst/>
+                        <a:latin typeface="Calibri" panose="020F0502020204030204" pitchFamily="34" charset="0"/>
+                        <a:ea typeface="SimSun" panose="02010600030101010101" pitchFamily="2" charset="-122"/>
+                        <a:cs typeface="Arial" panose="020B0604020202020204" pitchFamily="34" charset="0"/>
+                      </a:endParaRPr>
                     </a:p>
                   </a:txBody>
-                  <a:tcPr/>
+                  <a:tcPr marL="68580" marR="68580" marT="0" marB="0" anchor="ctr"/>
                 </a:tc>
                 <a:tc>
                   <a:txBody>
                     <a:bodyPr/>
                     <a:lstStyle/>
                     <a:p>
-                      <a:r>
-                        <a:rPr lang="en-US" dirty="0" smtClean="0"/>
-                        <a:t>0111</a:t>
-                      </a:r>
-                      <a:endParaRPr lang="en-US" dirty="0"/>
+                      <a:pPr marL="0" marR="0" algn="ctr">
+                        <a:lnSpc>
+                          <a:spcPct val="110000"/>
+                        </a:lnSpc>
+                        <a:spcBef>
+                          <a:spcPts val="0"/>
+                        </a:spcBef>
+                        <a:spcAft>
+                          <a:spcPts val="0"/>
+                        </a:spcAft>
+                      </a:pPr>
+                      <a:r>
+                        <a:rPr lang="en-US" sz="1600" dirty="0">
+                          <a:effectLst/>
+                          <a:latin typeface="Calibri" panose="020F0502020204030204" pitchFamily="34" charset="0"/>
+                          <a:ea typeface="Arial" panose="020B0604020202020204" pitchFamily="34" charset="0"/>
+                          <a:cs typeface="Arial" panose="020B0604020202020204" pitchFamily="34" charset="0"/>
+                        </a:rPr>
+                        <a:t>R</a:t>
+                      </a:r>
+                      <a:endParaRPr lang="en-US" sz="1600" dirty="0">
+                        <a:effectLst/>
+                        <a:latin typeface="Calibri" panose="020F0502020204030204" pitchFamily="34" charset="0"/>
+                        <a:ea typeface="SimSun" panose="02010600030101010101" pitchFamily="2" charset="-122"/>
+                        <a:cs typeface="Arial" panose="020B0604020202020204" pitchFamily="34" charset="0"/>
+                      </a:endParaRPr>
                     </a:p>
                   </a:txBody>
-                  <a:tcPr/>
+                  <a:tcPr marL="68580" marR="68580" marT="0" marB="0" anchor="ctr"/>
+                </a:tc>
+                <a:tc>
+                  <a:txBody>
+                    <a:bodyPr/>
+                    <a:lstStyle/>
+                    <a:p>
+                      <a:pPr marL="0" marR="0" algn="ctr">
+                        <a:lnSpc>
+                          <a:spcPct val="110000"/>
+                        </a:lnSpc>
+                        <a:spcBef>
+                          <a:spcPts val="0"/>
+                        </a:spcBef>
+                        <a:spcAft>
+                          <a:spcPts val="0"/>
+                        </a:spcAft>
+                      </a:pPr>
+                      <a:r>
+                        <a:rPr lang="en-US" sz="1600">
+                          <a:effectLst/>
+                          <a:latin typeface="Calibri" panose="020F0502020204030204" pitchFamily="34" charset="0"/>
+                          <a:ea typeface="Arial" panose="020B0604020202020204" pitchFamily="34" charset="0"/>
+                          <a:cs typeface="Arial" panose="020B0604020202020204" pitchFamily="34" charset="0"/>
+                        </a:rPr>
+                        <a:t>0001</a:t>
+                      </a:r>
+                      <a:endParaRPr lang="en-US" sz="1600">
+                        <a:effectLst/>
+                        <a:latin typeface="Calibri" panose="020F0502020204030204" pitchFamily="34" charset="0"/>
+                        <a:ea typeface="SimSun" panose="02010600030101010101" pitchFamily="2" charset="-122"/>
+                        <a:cs typeface="Arial" panose="020B0604020202020204" pitchFamily="34" charset="0"/>
+                      </a:endParaRPr>
+                    </a:p>
+                  </a:txBody>
+                  <a:tcPr marL="68580" marR="68580" marT="0" marB="0" anchor="ctr"/>
+                </a:tc>
+                <a:tc>
+                  <a:txBody>
+                    <a:bodyPr/>
+                    <a:lstStyle/>
+                    <a:p>
+                      <a:pPr marL="0" marR="0">
+                        <a:lnSpc>
+                          <a:spcPct val="110000"/>
+                        </a:lnSpc>
+                        <a:spcBef>
+                          <a:spcPts val="0"/>
+                        </a:spcBef>
+                        <a:spcAft>
+                          <a:spcPts val="0"/>
+                        </a:spcAft>
+                      </a:pPr>
+                      <a:r>
+                        <a:rPr lang="en-US" sz="1600">
+                          <a:effectLst/>
+                          <a:latin typeface="Courier New" panose="02070309020205020404" pitchFamily="49" charset="0"/>
+                          <a:ea typeface="Arial" panose="020B0604020202020204" pitchFamily="34" charset="0"/>
+                          <a:cs typeface="Arial" panose="020B0604020202020204" pitchFamily="34" charset="0"/>
+                        </a:rPr>
+                        <a:t>0001 sstt dd-- ----</a:t>
+                      </a:r>
+                      <a:endParaRPr lang="en-US" sz="1600">
+                        <a:effectLst/>
+                        <a:latin typeface="Calibri" panose="020F0502020204030204" pitchFamily="34" charset="0"/>
+                        <a:ea typeface="SimSun" panose="02010600030101010101" pitchFamily="2" charset="-122"/>
+                        <a:cs typeface="Arial" panose="020B0604020202020204" pitchFamily="34" charset="0"/>
+                      </a:endParaRPr>
+                    </a:p>
+                  </a:txBody>
+                  <a:tcPr marL="68580" marR="68580" marT="0" marB="0" anchor="ctr"/>
                 </a:tc>
               </a:tr>
               <a:tr h="370840">
@@ -5933,56 +6459,229 @@
                     <a:bodyPr/>
                     <a:lstStyle/>
                     <a:p>
-                      <a:r>
-                        <a:rPr lang="en-US" dirty="0" smtClean="0"/>
-                        <a:t>and</a:t>
-                      </a:r>
-                      <a:endParaRPr lang="en-US" dirty="0"/>
+                      <a:pPr marL="0" marR="0">
+                        <a:lnSpc>
+                          <a:spcPct val="110000"/>
+                        </a:lnSpc>
+                        <a:spcBef>
+                          <a:spcPts val="0"/>
+                        </a:spcBef>
+                        <a:spcAft>
+                          <a:spcPts val="0"/>
+                        </a:spcAft>
+                      </a:pPr>
+                      <a:r>
+                        <a:rPr lang="en-US" sz="1600" b="1">
+                          <a:effectLst/>
+                          <a:latin typeface="Calibri" panose="020F0502020204030204" pitchFamily="34" charset="0"/>
+                          <a:ea typeface="Arial" panose="020B0604020202020204" pitchFamily="34" charset="0"/>
+                          <a:cs typeface="Arial" panose="020B0604020202020204" pitchFamily="34" charset="0"/>
+                        </a:rPr>
+                        <a:t>And</a:t>
+                      </a:r>
+                      <a:endParaRPr lang="en-US" sz="1600">
+                        <a:effectLst/>
+                        <a:latin typeface="Calibri" panose="020F0502020204030204" pitchFamily="34" charset="0"/>
+                        <a:ea typeface="SimSun" panose="02010600030101010101" pitchFamily="2" charset="-122"/>
+                        <a:cs typeface="Arial" panose="020B0604020202020204" pitchFamily="34" charset="0"/>
+                      </a:endParaRPr>
                     </a:p>
                   </a:txBody>
-                  <a:tcPr/>
+                  <a:tcPr marL="68580" marR="68580" marT="0" marB="0" anchor="ctr"/>
                 </a:tc>
                 <a:tc>
                   <a:txBody>
                     <a:bodyPr/>
                     <a:lstStyle/>
                     <a:p>
-                      <a:r>
-                        <a:rPr lang="en-US" dirty="0" smtClean="0"/>
-                        <a:t>0010</a:t>
-                      </a:r>
-                      <a:endParaRPr lang="en-US" dirty="0"/>
+                      <a:pPr marL="0" marR="0">
+                        <a:lnSpc>
+                          <a:spcPct val="110000"/>
+                        </a:lnSpc>
+                        <a:spcBef>
+                          <a:spcPts val="0"/>
+                        </a:spcBef>
+                        <a:spcAft>
+                          <a:spcPts val="0"/>
+                        </a:spcAft>
+                      </a:pPr>
+                      <a:r>
+                        <a:rPr lang="en-US" sz="1600">
+                          <a:effectLst/>
+                          <a:latin typeface="Calibri" panose="020F0502020204030204" pitchFamily="34" charset="0"/>
+                          <a:ea typeface="Arial" panose="020B0604020202020204" pitchFamily="34" charset="0"/>
+                          <a:cs typeface="Arial" panose="020B0604020202020204" pitchFamily="34" charset="0"/>
+                        </a:rPr>
+                        <a:t>and $d, $s, $t</a:t>
+                      </a:r>
+                      <a:endParaRPr lang="en-US" sz="1600">
+                        <a:effectLst/>
+                        <a:latin typeface="Calibri" panose="020F0502020204030204" pitchFamily="34" charset="0"/>
+                        <a:ea typeface="SimSun" panose="02010600030101010101" pitchFamily="2" charset="-122"/>
+                        <a:cs typeface="Arial" panose="020B0604020202020204" pitchFamily="34" charset="0"/>
+                      </a:endParaRPr>
                     </a:p>
                   </a:txBody>
-                  <a:tcPr/>
+                  <a:tcPr marL="68580" marR="68580" marT="0" marB="0" anchor="ctr"/>
                 </a:tc>
                 <a:tc>
                   <a:txBody>
                     <a:bodyPr/>
                     <a:lstStyle/>
                     <a:p>
-                      <a:r>
-                        <a:rPr lang="en-US" dirty="0" err="1" smtClean="0"/>
-                        <a:t>beq</a:t>
-                      </a:r>
-                      <a:endParaRPr lang="en-US" dirty="0"/>
+                      <a:pPr marL="0" marR="0">
+                        <a:lnSpc>
+                          <a:spcPct val="110000"/>
+                        </a:lnSpc>
+                        <a:spcBef>
+                          <a:spcPts val="0"/>
+                        </a:spcBef>
+                        <a:spcAft>
+                          <a:spcPts val="0"/>
+                        </a:spcAft>
+                      </a:pPr>
+                      <a:r>
+                        <a:rPr lang="en-US" sz="1600">
+                          <a:effectLst/>
+                          <a:latin typeface="Calibri" panose="020F0502020204030204" pitchFamily="34" charset="0"/>
+                          <a:ea typeface="Arial" panose="020B0604020202020204" pitchFamily="34" charset="0"/>
+                          <a:cs typeface="Arial" panose="020B0604020202020204" pitchFamily="34" charset="0"/>
+                        </a:rPr>
+                        <a:t>$d </a:t>
+                      </a:r>
+                      <a:r>
+                        <a:rPr lang="en-US" sz="1600">
+                          <a:effectLst/>
+                          <a:latin typeface="Calibri" panose="020F0502020204030204" pitchFamily="34" charset="0"/>
+                          <a:ea typeface="Arial" panose="020B0604020202020204" pitchFamily="34" charset="0"/>
+                          <a:cs typeface="Arial" panose="020B0604020202020204" pitchFamily="34" charset="0"/>
+                          <a:sym typeface="Wingdings" panose="05000000000000000000" pitchFamily="2" charset="2"/>
+                        </a:rPr>
+                        <a:t></a:t>
+                      </a:r>
+                      <a:r>
+                        <a:rPr lang="en-US" sz="1600">
+                          <a:effectLst/>
+                          <a:latin typeface="Calibri" panose="020F0502020204030204" pitchFamily="34" charset="0"/>
+                          <a:ea typeface="Arial" panose="020B0604020202020204" pitchFamily="34" charset="0"/>
+                          <a:cs typeface="Arial" panose="020B0604020202020204" pitchFamily="34" charset="0"/>
+                        </a:rPr>
+                        <a:t> $s &amp; $t</a:t>
+                      </a:r>
+                      <a:endParaRPr lang="en-US" sz="1600">
+                        <a:effectLst/>
+                        <a:latin typeface="Calibri" panose="020F0502020204030204" pitchFamily="34" charset="0"/>
+                        <a:ea typeface="SimSun" panose="02010600030101010101" pitchFamily="2" charset="-122"/>
+                        <a:cs typeface="Arial" panose="020B0604020202020204" pitchFamily="34" charset="0"/>
+                      </a:endParaRPr>
                     </a:p>
                   </a:txBody>
-                  <a:tcPr/>
+                  <a:tcPr marL="68580" marR="68580" marT="0" marB="0" anchor="ctr"/>
                 </a:tc>
                 <a:tc>
                   <a:txBody>
                     <a:bodyPr/>
                     <a:lstStyle/>
                     <a:p>
-                      <a:r>
-                        <a:rPr lang="en-US" dirty="0" smtClean="0"/>
-                        <a:t>1000</a:t>
-                      </a:r>
-                      <a:endParaRPr lang="en-US" dirty="0"/>
+                      <a:pPr marL="0" marR="0" algn="ctr">
+                        <a:lnSpc>
+                          <a:spcPct val="110000"/>
+                        </a:lnSpc>
+                        <a:spcBef>
+                          <a:spcPts val="0"/>
+                        </a:spcBef>
+                        <a:spcAft>
+                          <a:spcPts val="0"/>
+                        </a:spcAft>
+                      </a:pPr>
+                      <a:r>
+                        <a:rPr lang="en-US" sz="1600">
+                          <a:effectLst/>
+                          <a:latin typeface="Calibri" panose="020F0502020204030204" pitchFamily="34" charset="0"/>
+                          <a:ea typeface="Arial" panose="020B0604020202020204" pitchFamily="34" charset="0"/>
+                          <a:cs typeface="Arial" panose="020B0604020202020204" pitchFamily="34" charset="0"/>
+                        </a:rPr>
+                        <a:t>R</a:t>
+                      </a:r>
+                      <a:endParaRPr lang="en-US" sz="1600">
+                        <a:effectLst/>
+                        <a:latin typeface="Calibri" panose="020F0502020204030204" pitchFamily="34" charset="0"/>
+                        <a:ea typeface="SimSun" panose="02010600030101010101" pitchFamily="2" charset="-122"/>
+                        <a:cs typeface="Arial" panose="020B0604020202020204" pitchFamily="34" charset="0"/>
+                      </a:endParaRPr>
                     </a:p>
                   </a:txBody>
-                  <a:tcPr/>
+                  <a:tcPr marL="68580" marR="68580" marT="0" marB="0" anchor="ctr"/>
+                </a:tc>
+                <a:tc>
+                  <a:txBody>
+                    <a:bodyPr/>
+                    <a:lstStyle/>
+                    <a:p>
+                      <a:pPr marL="0" marR="0" algn="ctr">
+                        <a:lnSpc>
+                          <a:spcPct val="110000"/>
+                        </a:lnSpc>
+                        <a:spcBef>
+                          <a:spcPts val="0"/>
+                        </a:spcBef>
+                        <a:spcAft>
+                          <a:spcPts val="0"/>
+                        </a:spcAft>
+                      </a:pPr>
+                      <a:r>
+                        <a:rPr lang="en-US" sz="1600" dirty="0">
+                          <a:effectLst/>
+                          <a:latin typeface="Calibri" panose="020F0502020204030204" pitchFamily="34" charset="0"/>
+                          <a:ea typeface="Arial" panose="020B0604020202020204" pitchFamily="34" charset="0"/>
+                          <a:cs typeface="Arial" panose="020B0604020202020204" pitchFamily="34" charset="0"/>
+                        </a:rPr>
+                        <a:t>0010</a:t>
+                      </a:r>
+                      <a:endParaRPr lang="en-US" sz="1600" dirty="0">
+                        <a:effectLst/>
+                        <a:latin typeface="Calibri" panose="020F0502020204030204" pitchFamily="34" charset="0"/>
+                        <a:ea typeface="SimSun" panose="02010600030101010101" pitchFamily="2" charset="-122"/>
+                        <a:cs typeface="Arial" panose="020B0604020202020204" pitchFamily="34" charset="0"/>
+                      </a:endParaRPr>
+                    </a:p>
+                  </a:txBody>
+                  <a:tcPr marL="68580" marR="68580" marT="0" marB="0" anchor="ctr"/>
+                </a:tc>
+                <a:tc>
+                  <a:txBody>
+                    <a:bodyPr/>
+                    <a:lstStyle/>
+                    <a:p>
+                      <a:pPr marL="0" marR="0">
+                        <a:lnSpc>
+                          <a:spcPct val="110000"/>
+                        </a:lnSpc>
+                        <a:spcBef>
+                          <a:spcPts val="0"/>
+                        </a:spcBef>
+                        <a:spcAft>
+                          <a:spcPts val="0"/>
+                        </a:spcAft>
+                      </a:pPr>
+                      <a:r>
+                        <a:rPr lang="en-US" sz="1600">
+                          <a:effectLst/>
+                          <a:latin typeface="Courier New" panose="02070309020205020404" pitchFamily="49" charset="0"/>
+                          <a:ea typeface="Arial" panose="020B0604020202020204" pitchFamily="34" charset="0"/>
+                          <a:cs typeface="Arial" panose="020B0604020202020204" pitchFamily="34" charset="0"/>
+                        </a:rPr>
+                        <a:t>0010 sstt dd-- ----</a:t>
+                      </a:r>
+                      <a:endParaRPr lang="en-US" sz="1600">
+                        <a:effectLst/>
+                        <a:latin typeface="Calibri" panose="020F0502020204030204" pitchFamily="34" charset="0"/>
+                        <a:ea typeface="SimSun" panose="02010600030101010101" pitchFamily="2" charset="-122"/>
+                        <a:cs typeface="Arial" panose="020B0604020202020204" pitchFamily="34" charset="0"/>
+                      </a:endParaRPr>
+                    </a:p>
+                  </a:txBody>
+                  <a:tcPr marL="68580" marR="68580" marT="0" marB="0" anchor="ctr"/>
                 </a:tc>
               </a:tr>
               <a:tr h="370840">
@@ -5991,56 +6690,229 @@
                     <a:bodyPr/>
                     <a:lstStyle/>
                     <a:p>
-                      <a:r>
-                        <a:rPr lang="en-US" dirty="0" smtClean="0"/>
-                        <a:t>or</a:t>
-                      </a:r>
-                      <a:endParaRPr lang="en-US" dirty="0"/>
+                      <a:pPr marL="0" marR="0">
+                        <a:lnSpc>
+                          <a:spcPct val="110000"/>
+                        </a:lnSpc>
+                        <a:spcBef>
+                          <a:spcPts val="0"/>
+                        </a:spcBef>
+                        <a:spcAft>
+                          <a:spcPts val="0"/>
+                        </a:spcAft>
+                      </a:pPr>
+                      <a:r>
+                        <a:rPr lang="en-US" sz="1600" b="1">
+                          <a:effectLst/>
+                          <a:latin typeface="Calibri" panose="020F0502020204030204" pitchFamily="34" charset="0"/>
+                          <a:ea typeface="Arial" panose="020B0604020202020204" pitchFamily="34" charset="0"/>
+                          <a:cs typeface="Arial" panose="020B0604020202020204" pitchFamily="34" charset="0"/>
+                        </a:rPr>
+                        <a:t>Or</a:t>
+                      </a:r>
+                      <a:endParaRPr lang="en-US" sz="1600">
+                        <a:effectLst/>
+                        <a:latin typeface="Calibri" panose="020F0502020204030204" pitchFamily="34" charset="0"/>
+                        <a:ea typeface="SimSun" panose="02010600030101010101" pitchFamily="2" charset="-122"/>
+                        <a:cs typeface="Arial" panose="020B0604020202020204" pitchFamily="34" charset="0"/>
+                      </a:endParaRPr>
                     </a:p>
                   </a:txBody>
-                  <a:tcPr/>
+                  <a:tcPr marL="68580" marR="68580" marT="0" marB="0" anchor="ctr"/>
                 </a:tc>
                 <a:tc>
                   <a:txBody>
                     <a:bodyPr/>
                     <a:lstStyle/>
                     <a:p>
-                      <a:r>
-                        <a:rPr lang="en-US" dirty="0" smtClean="0"/>
-                        <a:t>0011</a:t>
-                      </a:r>
-                      <a:endParaRPr lang="en-US" dirty="0"/>
+                      <a:pPr marL="0" marR="0">
+                        <a:lnSpc>
+                          <a:spcPct val="110000"/>
+                        </a:lnSpc>
+                        <a:spcBef>
+                          <a:spcPts val="0"/>
+                        </a:spcBef>
+                        <a:spcAft>
+                          <a:spcPts val="0"/>
+                        </a:spcAft>
+                      </a:pPr>
+                      <a:r>
+                        <a:rPr lang="en-US" sz="1600">
+                          <a:effectLst/>
+                          <a:latin typeface="Calibri" panose="020F0502020204030204" pitchFamily="34" charset="0"/>
+                          <a:ea typeface="Arial" panose="020B0604020202020204" pitchFamily="34" charset="0"/>
+                          <a:cs typeface="Arial" panose="020B0604020202020204" pitchFamily="34" charset="0"/>
+                        </a:rPr>
+                        <a:t>or $d, $s, $t</a:t>
+                      </a:r>
+                      <a:endParaRPr lang="en-US" sz="1600">
+                        <a:effectLst/>
+                        <a:latin typeface="Calibri" panose="020F0502020204030204" pitchFamily="34" charset="0"/>
+                        <a:ea typeface="SimSun" panose="02010600030101010101" pitchFamily="2" charset="-122"/>
+                        <a:cs typeface="Arial" panose="020B0604020202020204" pitchFamily="34" charset="0"/>
+                      </a:endParaRPr>
                     </a:p>
                   </a:txBody>
-                  <a:tcPr/>
+                  <a:tcPr marL="68580" marR="68580" marT="0" marB="0" anchor="ctr"/>
                 </a:tc>
                 <a:tc>
                   <a:txBody>
                     <a:bodyPr/>
                     <a:lstStyle/>
                     <a:p>
-                      <a:r>
-                        <a:rPr lang="en-US" dirty="0" err="1" smtClean="0"/>
-                        <a:t>bne</a:t>
-                      </a:r>
-                      <a:endParaRPr lang="en-US" dirty="0"/>
+                      <a:pPr marL="0" marR="0">
+                        <a:lnSpc>
+                          <a:spcPct val="110000"/>
+                        </a:lnSpc>
+                        <a:spcBef>
+                          <a:spcPts val="0"/>
+                        </a:spcBef>
+                        <a:spcAft>
+                          <a:spcPts val="0"/>
+                        </a:spcAft>
+                      </a:pPr>
+                      <a:r>
+                        <a:rPr lang="en-US" sz="1600">
+                          <a:effectLst/>
+                          <a:latin typeface="Calibri" panose="020F0502020204030204" pitchFamily="34" charset="0"/>
+                          <a:ea typeface="Arial" panose="020B0604020202020204" pitchFamily="34" charset="0"/>
+                          <a:cs typeface="Arial" panose="020B0604020202020204" pitchFamily="34" charset="0"/>
+                        </a:rPr>
+                        <a:t>$d </a:t>
+                      </a:r>
+                      <a:r>
+                        <a:rPr lang="en-US" sz="1600">
+                          <a:effectLst/>
+                          <a:latin typeface="Calibri" panose="020F0502020204030204" pitchFamily="34" charset="0"/>
+                          <a:ea typeface="Arial" panose="020B0604020202020204" pitchFamily="34" charset="0"/>
+                          <a:cs typeface="Arial" panose="020B0604020202020204" pitchFamily="34" charset="0"/>
+                          <a:sym typeface="Wingdings" panose="05000000000000000000" pitchFamily="2" charset="2"/>
+                        </a:rPr>
+                        <a:t></a:t>
+                      </a:r>
+                      <a:r>
+                        <a:rPr lang="en-US" sz="1600">
+                          <a:effectLst/>
+                          <a:latin typeface="Calibri" panose="020F0502020204030204" pitchFamily="34" charset="0"/>
+                          <a:ea typeface="Arial" panose="020B0604020202020204" pitchFamily="34" charset="0"/>
+                          <a:cs typeface="Arial" panose="020B0604020202020204" pitchFamily="34" charset="0"/>
+                        </a:rPr>
+                        <a:t> $s | $t</a:t>
+                      </a:r>
+                      <a:endParaRPr lang="en-US" sz="1600">
+                        <a:effectLst/>
+                        <a:latin typeface="Calibri" panose="020F0502020204030204" pitchFamily="34" charset="0"/>
+                        <a:ea typeface="SimSun" panose="02010600030101010101" pitchFamily="2" charset="-122"/>
+                        <a:cs typeface="Arial" panose="020B0604020202020204" pitchFamily="34" charset="0"/>
+                      </a:endParaRPr>
                     </a:p>
                   </a:txBody>
-                  <a:tcPr/>
+                  <a:tcPr marL="68580" marR="68580" marT="0" marB="0" anchor="ctr"/>
                 </a:tc>
                 <a:tc>
                   <a:txBody>
                     <a:bodyPr/>
                     <a:lstStyle/>
                     <a:p>
-                      <a:r>
-                        <a:rPr lang="en-US" dirty="0" smtClean="0"/>
-                        <a:t>1001</a:t>
-                      </a:r>
-                      <a:endParaRPr lang="en-US" dirty="0"/>
+                      <a:pPr marL="0" marR="0" algn="ctr">
+                        <a:lnSpc>
+                          <a:spcPct val="110000"/>
+                        </a:lnSpc>
+                        <a:spcBef>
+                          <a:spcPts val="0"/>
+                        </a:spcBef>
+                        <a:spcAft>
+                          <a:spcPts val="0"/>
+                        </a:spcAft>
+                      </a:pPr>
+                      <a:r>
+                        <a:rPr lang="en-US" sz="1600">
+                          <a:effectLst/>
+                          <a:latin typeface="Calibri" panose="020F0502020204030204" pitchFamily="34" charset="0"/>
+                          <a:ea typeface="Arial" panose="020B0604020202020204" pitchFamily="34" charset="0"/>
+                          <a:cs typeface="Arial" panose="020B0604020202020204" pitchFamily="34" charset="0"/>
+                        </a:rPr>
+                        <a:t>R</a:t>
+                      </a:r>
+                      <a:endParaRPr lang="en-US" sz="1600">
+                        <a:effectLst/>
+                        <a:latin typeface="Calibri" panose="020F0502020204030204" pitchFamily="34" charset="0"/>
+                        <a:ea typeface="SimSun" panose="02010600030101010101" pitchFamily="2" charset="-122"/>
+                        <a:cs typeface="Arial" panose="020B0604020202020204" pitchFamily="34" charset="0"/>
+                      </a:endParaRPr>
                     </a:p>
                   </a:txBody>
-                  <a:tcPr/>
+                  <a:tcPr marL="68580" marR="68580" marT="0" marB="0" anchor="ctr"/>
+                </a:tc>
+                <a:tc>
+                  <a:txBody>
+                    <a:bodyPr/>
+                    <a:lstStyle/>
+                    <a:p>
+                      <a:pPr marL="0" marR="0" algn="ctr">
+                        <a:lnSpc>
+                          <a:spcPct val="110000"/>
+                        </a:lnSpc>
+                        <a:spcBef>
+                          <a:spcPts val="0"/>
+                        </a:spcBef>
+                        <a:spcAft>
+                          <a:spcPts val="0"/>
+                        </a:spcAft>
+                      </a:pPr>
+                      <a:r>
+                        <a:rPr lang="en-US" sz="1600" dirty="0">
+                          <a:effectLst/>
+                          <a:latin typeface="Calibri" panose="020F0502020204030204" pitchFamily="34" charset="0"/>
+                          <a:ea typeface="Arial" panose="020B0604020202020204" pitchFamily="34" charset="0"/>
+                          <a:cs typeface="Arial" panose="020B0604020202020204" pitchFamily="34" charset="0"/>
+                        </a:rPr>
+                        <a:t>0011</a:t>
+                      </a:r>
+                      <a:endParaRPr lang="en-US" sz="1600" dirty="0">
+                        <a:effectLst/>
+                        <a:latin typeface="Calibri" panose="020F0502020204030204" pitchFamily="34" charset="0"/>
+                        <a:ea typeface="SimSun" panose="02010600030101010101" pitchFamily="2" charset="-122"/>
+                        <a:cs typeface="Arial" panose="020B0604020202020204" pitchFamily="34" charset="0"/>
+                      </a:endParaRPr>
+                    </a:p>
+                  </a:txBody>
+                  <a:tcPr marL="68580" marR="68580" marT="0" marB="0" anchor="ctr"/>
+                </a:tc>
+                <a:tc>
+                  <a:txBody>
+                    <a:bodyPr/>
+                    <a:lstStyle/>
+                    <a:p>
+                      <a:pPr marL="0" marR="0">
+                        <a:lnSpc>
+                          <a:spcPct val="110000"/>
+                        </a:lnSpc>
+                        <a:spcBef>
+                          <a:spcPts val="0"/>
+                        </a:spcBef>
+                        <a:spcAft>
+                          <a:spcPts val="0"/>
+                        </a:spcAft>
+                      </a:pPr>
+                      <a:r>
+                        <a:rPr lang="en-US" sz="1600">
+                          <a:effectLst/>
+                          <a:latin typeface="Courier New" panose="02070309020205020404" pitchFamily="49" charset="0"/>
+                          <a:ea typeface="Arial" panose="020B0604020202020204" pitchFamily="34" charset="0"/>
+                          <a:cs typeface="Arial" panose="020B0604020202020204" pitchFamily="34" charset="0"/>
+                        </a:rPr>
+                        <a:t>0011 sstt dd-- ----</a:t>
+                      </a:r>
+                      <a:endParaRPr lang="en-US" sz="1600">
+                        <a:effectLst/>
+                        <a:latin typeface="Calibri" panose="020F0502020204030204" pitchFamily="34" charset="0"/>
+                        <a:ea typeface="SimSun" panose="02010600030101010101" pitchFamily="2" charset="-122"/>
+                        <a:cs typeface="Arial" panose="020B0604020202020204" pitchFamily="34" charset="0"/>
+                      </a:endParaRPr>
+                    </a:p>
+                  </a:txBody>
+                  <a:tcPr marL="68580" marR="68580" marT="0" marB="0" anchor="ctr"/>
                 </a:tc>
               </a:tr>
               <a:tr h="370840">
@@ -6049,56 +6921,229 @@
                     <a:bodyPr/>
                     <a:lstStyle/>
                     <a:p>
-                      <a:r>
-                        <a:rPr lang="en-US" dirty="0" err="1" smtClean="0"/>
-                        <a:t>addi</a:t>
-                      </a:r>
-                      <a:endParaRPr lang="en-US" dirty="0"/>
+                      <a:pPr marL="0" marR="0">
+                        <a:lnSpc>
+                          <a:spcPct val="110000"/>
+                        </a:lnSpc>
+                        <a:spcBef>
+                          <a:spcPts val="0"/>
+                        </a:spcBef>
+                        <a:spcAft>
+                          <a:spcPts val="0"/>
+                        </a:spcAft>
+                      </a:pPr>
+                      <a:r>
+                        <a:rPr lang="en-US" sz="1600" b="1">
+                          <a:effectLst/>
+                          <a:latin typeface="Calibri" panose="020F0502020204030204" pitchFamily="34" charset="0"/>
+                          <a:ea typeface="Arial" panose="020B0604020202020204" pitchFamily="34" charset="0"/>
+                          <a:cs typeface="Arial" panose="020B0604020202020204" pitchFamily="34" charset="0"/>
+                        </a:rPr>
+                        <a:t>Add Immediate</a:t>
+                      </a:r>
+                      <a:endParaRPr lang="en-US" sz="1600">
+                        <a:effectLst/>
+                        <a:latin typeface="Calibri" panose="020F0502020204030204" pitchFamily="34" charset="0"/>
+                        <a:ea typeface="SimSun" panose="02010600030101010101" pitchFamily="2" charset="-122"/>
+                        <a:cs typeface="Arial" panose="020B0604020202020204" pitchFamily="34" charset="0"/>
+                      </a:endParaRPr>
                     </a:p>
                   </a:txBody>
-                  <a:tcPr/>
+                  <a:tcPr marL="68580" marR="68580" marT="0" marB="0" anchor="ctr"/>
                 </a:tc>
                 <a:tc>
                   <a:txBody>
                     <a:bodyPr/>
                     <a:lstStyle/>
                     <a:p>
-                      <a:r>
-                        <a:rPr lang="en-US" dirty="0" smtClean="0"/>
-                        <a:t>0100</a:t>
-                      </a:r>
-                      <a:endParaRPr lang="en-US" dirty="0"/>
+                      <a:pPr marL="0" marR="0">
+                        <a:lnSpc>
+                          <a:spcPct val="110000"/>
+                        </a:lnSpc>
+                        <a:spcBef>
+                          <a:spcPts val="0"/>
+                        </a:spcBef>
+                        <a:spcAft>
+                          <a:spcPts val="0"/>
+                        </a:spcAft>
+                      </a:pPr>
+                      <a:r>
+                        <a:rPr lang="en-US" sz="1600">
+                          <a:effectLst/>
+                          <a:latin typeface="Calibri" panose="020F0502020204030204" pitchFamily="34" charset="0"/>
+                          <a:ea typeface="Arial" panose="020B0604020202020204" pitchFamily="34" charset="0"/>
+                          <a:cs typeface="Arial" panose="020B0604020202020204" pitchFamily="34" charset="0"/>
+                        </a:rPr>
+                        <a:t>addi $t, $s, C</a:t>
+                      </a:r>
+                      <a:endParaRPr lang="en-US" sz="1600">
+                        <a:effectLst/>
+                        <a:latin typeface="Calibri" panose="020F0502020204030204" pitchFamily="34" charset="0"/>
+                        <a:ea typeface="SimSun" panose="02010600030101010101" pitchFamily="2" charset="-122"/>
+                        <a:cs typeface="Arial" panose="020B0604020202020204" pitchFamily="34" charset="0"/>
+                      </a:endParaRPr>
                     </a:p>
                   </a:txBody>
-                  <a:tcPr/>
+                  <a:tcPr marL="68580" marR="68580" marT="0" marB="0" anchor="ctr"/>
                 </a:tc>
                 <a:tc>
                   <a:txBody>
                     <a:bodyPr/>
                     <a:lstStyle/>
                     <a:p>
-                      <a:r>
-                        <a:rPr lang="en-US" dirty="0" err="1" smtClean="0"/>
-                        <a:t>sll</a:t>
-                      </a:r>
-                      <a:endParaRPr lang="en-US" dirty="0"/>
+                      <a:pPr marL="0" marR="0">
+                        <a:lnSpc>
+                          <a:spcPct val="110000"/>
+                        </a:lnSpc>
+                        <a:spcBef>
+                          <a:spcPts val="0"/>
+                        </a:spcBef>
+                        <a:spcAft>
+                          <a:spcPts val="0"/>
+                        </a:spcAft>
+                      </a:pPr>
+                      <a:r>
+                        <a:rPr lang="en-US" sz="1600">
+                          <a:effectLst/>
+                          <a:latin typeface="Calibri" panose="020F0502020204030204" pitchFamily="34" charset="0"/>
+                          <a:ea typeface="Arial" panose="020B0604020202020204" pitchFamily="34" charset="0"/>
+                          <a:cs typeface="Arial" panose="020B0604020202020204" pitchFamily="34" charset="0"/>
+                        </a:rPr>
+                        <a:t>$t </a:t>
+                      </a:r>
+                      <a:r>
+                        <a:rPr lang="en-US" sz="1600">
+                          <a:effectLst/>
+                          <a:latin typeface="Calibri" panose="020F0502020204030204" pitchFamily="34" charset="0"/>
+                          <a:ea typeface="Arial" panose="020B0604020202020204" pitchFamily="34" charset="0"/>
+                          <a:cs typeface="Arial" panose="020B0604020202020204" pitchFamily="34" charset="0"/>
+                          <a:sym typeface="Wingdings" panose="05000000000000000000" pitchFamily="2" charset="2"/>
+                        </a:rPr>
+                        <a:t></a:t>
+                      </a:r>
+                      <a:r>
+                        <a:rPr lang="en-US" sz="1600">
+                          <a:effectLst/>
+                          <a:latin typeface="Calibri" panose="020F0502020204030204" pitchFamily="34" charset="0"/>
+                          <a:ea typeface="Arial" panose="020B0604020202020204" pitchFamily="34" charset="0"/>
+                          <a:cs typeface="Arial" panose="020B0604020202020204" pitchFamily="34" charset="0"/>
+                        </a:rPr>
+                        <a:t> $s + C</a:t>
+                      </a:r>
+                      <a:endParaRPr lang="en-US" sz="1600">
+                        <a:effectLst/>
+                        <a:latin typeface="Calibri" panose="020F0502020204030204" pitchFamily="34" charset="0"/>
+                        <a:ea typeface="SimSun" panose="02010600030101010101" pitchFamily="2" charset="-122"/>
+                        <a:cs typeface="Arial" panose="020B0604020202020204" pitchFamily="34" charset="0"/>
+                      </a:endParaRPr>
                     </a:p>
                   </a:txBody>
-                  <a:tcPr/>
+                  <a:tcPr marL="68580" marR="68580" marT="0" marB="0" anchor="ctr"/>
                 </a:tc>
                 <a:tc>
                   <a:txBody>
                     <a:bodyPr/>
                     <a:lstStyle/>
                     <a:p>
-                      <a:r>
-                        <a:rPr lang="en-US" dirty="0" smtClean="0"/>
-                        <a:t>1010</a:t>
-                      </a:r>
-                      <a:endParaRPr lang="en-US" dirty="0"/>
+                      <a:pPr marL="0" marR="0" algn="ctr">
+                        <a:lnSpc>
+                          <a:spcPct val="110000"/>
+                        </a:lnSpc>
+                        <a:spcBef>
+                          <a:spcPts val="0"/>
+                        </a:spcBef>
+                        <a:spcAft>
+                          <a:spcPts val="0"/>
+                        </a:spcAft>
+                      </a:pPr>
+                      <a:r>
+                        <a:rPr lang="en-US" sz="1600">
+                          <a:effectLst/>
+                          <a:latin typeface="Calibri" panose="020F0502020204030204" pitchFamily="34" charset="0"/>
+                          <a:ea typeface="Arial" panose="020B0604020202020204" pitchFamily="34" charset="0"/>
+                          <a:cs typeface="Arial" panose="020B0604020202020204" pitchFamily="34" charset="0"/>
+                        </a:rPr>
+                        <a:t>I</a:t>
+                      </a:r>
+                      <a:endParaRPr lang="en-US" sz="1600">
+                        <a:effectLst/>
+                        <a:latin typeface="Calibri" panose="020F0502020204030204" pitchFamily="34" charset="0"/>
+                        <a:ea typeface="SimSun" panose="02010600030101010101" pitchFamily="2" charset="-122"/>
+                        <a:cs typeface="Arial" panose="020B0604020202020204" pitchFamily="34" charset="0"/>
+                      </a:endParaRPr>
                     </a:p>
                   </a:txBody>
-                  <a:tcPr/>
+                  <a:tcPr marL="68580" marR="68580" marT="0" marB="0" anchor="ctr"/>
+                </a:tc>
+                <a:tc>
+                  <a:txBody>
+                    <a:bodyPr/>
+                    <a:lstStyle/>
+                    <a:p>
+                      <a:pPr marL="0" marR="0" algn="ctr">
+                        <a:lnSpc>
+                          <a:spcPct val="110000"/>
+                        </a:lnSpc>
+                        <a:spcBef>
+                          <a:spcPts val="0"/>
+                        </a:spcBef>
+                        <a:spcAft>
+                          <a:spcPts val="0"/>
+                        </a:spcAft>
+                      </a:pPr>
+                      <a:r>
+                        <a:rPr lang="en-US" sz="1600" dirty="0">
+                          <a:effectLst/>
+                          <a:latin typeface="Calibri" panose="020F0502020204030204" pitchFamily="34" charset="0"/>
+                          <a:ea typeface="Arial" panose="020B0604020202020204" pitchFamily="34" charset="0"/>
+                          <a:cs typeface="Arial" panose="020B0604020202020204" pitchFamily="34" charset="0"/>
+                        </a:rPr>
+                        <a:t>0100</a:t>
+                      </a:r>
+                      <a:endParaRPr lang="en-US" sz="1600" dirty="0">
+                        <a:effectLst/>
+                        <a:latin typeface="Calibri" panose="020F0502020204030204" pitchFamily="34" charset="0"/>
+                        <a:ea typeface="SimSun" panose="02010600030101010101" pitchFamily="2" charset="-122"/>
+                        <a:cs typeface="Arial" panose="020B0604020202020204" pitchFamily="34" charset="0"/>
+                      </a:endParaRPr>
+                    </a:p>
+                  </a:txBody>
+                  <a:tcPr marL="68580" marR="68580" marT="0" marB="0" anchor="ctr"/>
+                </a:tc>
+                <a:tc>
+                  <a:txBody>
+                    <a:bodyPr/>
+                    <a:lstStyle/>
+                    <a:p>
+                      <a:pPr marL="0" marR="0">
+                        <a:lnSpc>
+                          <a:spcPct val="110000"/>
+                        </a:lnSpc>
+                        <a:spcBef>
+                          <a:spcPts val="0"/>
+                        </a:spcBef>
+                        <a:spcAft>
+                          <a:spcPts val="0"/>
+                        </a:spcAft>
+                      </a:pPr>
+                      <a:r>
+                        <a:rPr lang="en-US" sz="1600">
+                          <a:effectLst/>
+                          <a:latin typeface="Courier New" panose="02070309020205020404" pitchFamily="49" charset="0"/>
+                          <a:ea typeface="Arial" panose="020B0604020202020204" pitchFamily="34" charset="0"/>
+                          <a:cs typeface="Arial" panose="020B0604020202020204" pitchFamily="34" charset="0"/>
+                        </a:rPr>
+                        <a:t>0100 sstt CCCC CCCC</a:t>
+                      </a:r>
+                      <a:endParaRPr lang="en-US" sz="1600">
+                        <a:effectLst/>
+                        <a:latin typeface="Calibri" panose="020F0502020204030204" pitchFamily="34" charset="0"/>
+                        <a:ea typeface="SimSun" panose="02010600030101010101" pitchFamily="2" charset="-122"/>
+                        <a:cs typeface="Arial" panose="020B0604020202020204" pitchFamily="34" charset="0"/>
+                      </a:endParaRPr>
+                    </a:p>
+                  </a:txBody>
+                  <a:tcPr marL="68580" marR="68580" marT="0" marB="0" anchor="ctr"/>
                 </a:tc>
               </a:tr>
               <a:tr h="370840">
@@ -6107,56 +7152,487 @@
                     <a:bodyPr/>
                     <a:lstStyle/>
                     <a:p>
-                      <a:r>
-                        <a:rPr lang="en-US" dirty="0" err="1" smtClean="0"/>
-                        <a:t>lw</a:t>
-                      </a:r>
-                      <a:endParaRPr lang="en-US" dirty="0"/>
+                      <a:pPr marL="0" marR="0">
+                        <a:lnSpc>
+                          <a:spcPct val="110000"/>
+                        </a:lnSpc>
+                        <a:spcBef>
+                          <a:spcPts val="0"/>
+                        </a:spcBef>
+                        <a:spcAft>
+                          <a:spcPts val="0"/>
+                        </a:spcAft>
+                      </a:pPr>
+                      <a:r>
+                        <a:rPr lang="en-US" sz="1600" b="1">
+                          <a:effectLst/>
+                          <a:latin typeface="Calibri" panose="020F0502020204030204" pitchFamily="34" charset="0"/>
+                          <a:ea typeface="Arial" panose="020B0604020202020204" pitchFamily="34" charset="0"/>
+                          <a:cs typeface="Arial" panose="020B0604020202020204" pitchFamily="34" charset="0"/>
+                        </a:rPr>
+                        <a:t>Load word</a:t>
+                      </a:r>
+                      <a:endParaRPr lang="en-US" sz="1600">
+                        <a:effectLst/>
+                        <a:latin typeface="Calibri" panose="020F0502020204030204" pitchFamily="34" charset="0"/>
+                        <a:ea typeface="SimSun" panose="02010600030101010101" pitchFamily="2" charset="-122"/>
+                        <a:cs typeface="Arial" panose="020B0604020202020204" pitchFamily="34" charset="0"/>
+                      </a:endParaRPr>
                     </a:p>
                   </a:txBody>
-                  <a:tcPr/>
+                  <a:tcPr marL="68580" marR="68580" marT="0" marB="0" anchor="ctr"/>
                 </a:tc>
                 <a:tc>
                   <a:txBody>
                     <a:bodyPr/>
                     <a:lstStyle/>
                     <a:p>
-                      <a:r>
-                        <a:rPr lang="en-US" dirty="0" smtClean="0"/>
-                        <a:t>0101</a:t>
-                      </a:r>
-                      <a:endParaRPr lang="en-US" dirty="0"/>
+                      <a:pPr marL="0" marR="0">
+                        <a:lnSpc>
+                          <a:spcPct val="110000"/>
+                        </a:lnSpc>
+                        <a:spcBef>
+                          <a:spcPts val="0"/>
+                        </a:spcBef>
+                        <a:spcAft>
+                          <a:spcPts val="0"/>
+                        </a:spcAft>
+                      </a:pPr>
+                      <a:r>
+                        <a:rPr lang="en-US" sz="1600">
+                          <a:effectLst/>
+                          <a:latin typeface="Calibri" panose="020F0502020204030204" pitchFamily="34" charset="0"/>
+                          <a:ea typeface="Arial" panose="020B0604020202020204" pitchFamily="34" charset="0"/>
+                          <a:cs typeface="Arial" panose="020B0604020202020204" pitchFamily="34" charset="0"/>
+                        </a:rPr>
+                        <a:t>lw $t, C($s)</a:t>
+                      </a:r>
+                      <a:endParaRPr lang="en-US" sz="1600">
+                        <a:effectLst/>
+                        <a:latin typeface="Calibri" panose="020F0502020204030204" pitchFamily="34" charset="0"/>
+                        <a:ea typeface="SimSun" panose="02010600030101010101" pitchFamily="2" charset="-122"/>
+                        <a:cs typeface="Arial" panose="020B0604020202020204" pitchFamily="34" charset="0"/>
+                      </a:endParaRPr>
                     </a:p>
                   </a:txBody>
-                  <a:tcPr/>
+                  <a:tcPr marL="68580" marR="68580" marT="0" marB="0" anchor="ctr"/>
                 </a:tc>
                 <a:tc>
                   <a:txBody>
                     <a:bodyPr/>
                     <a:lstStyle/>
                     <a:p>
-                      <a:r>
-                        <a:rPr lang="en-US" dirty="0" err="1" smtClean="0"/>
-                        <a:t>srl</a:t>
-                      </a:r>
-                      <a:endParaRPr lang="en-US" dirty="0"/>
+                      <a:pPr marL="0" marR="0">
+                        <a:lnSpc>
+                          <a:spcPct val="110000"/>
+                        </a:lnSpc>
+                        <a:spcBef>
+                          <a:spcPts val="0"/>
+                        </a:spcBef>
+                        <a:spcAft>
+                          <a:spcPts val="0"/>
+                        </a:spcAft>
+                      </a:pPr>
+                      <a:r>
+                        <a:rPr lang="en-US" sz="1600">
+                          <a:effectLst/>
+                          <a:latin typeface="Calibri" panose="020F0502020204030204" pitchFamily="34" charset="0"/>
+                          <a:ea typeface="Arial" panose="020B0604020202020204" pitchFamily="34" charset="0"/>
+                          <a:cs typeface="Arial" panose="020B0604020202020204" pitchFamily="34" charset="0"/>
+                        </a:rPr>
+                        <a:t>$t </a:t>
+                      </a:r>
+                      <a:r>
+                        <a:rPr lang="en-US" sz="1600">
+                          <a:effectLst/>
+                          <a:latin typeface="Calibri" panose="020F0502020204030204" pitchFamily="34" charset="0"/>
+                          <a:ea typeface="Arial" panose="020B0604020202020204" pitchFamily="34" charset="0"/>
+                          <a:cs typeface="Arial" panose="020B0604020202020204" pitchFamily="34" charset="0"/>
+                          <a:sym typeface="Wingdings" panose="05000000000000000000" pitchFamily="2" charset="2"/>
+                        </a:rPr>
+                        <a:t></a:t>
+                      </a:r>
+                      <a:r>
+                        <a:rPr lang="en-US" sz="1600">
+                          <a:effectLst/>
+                          <a:latin typeface="Calibri" panose="020F0502020204030204" pitchFamily="34" charset="0"/>
+                          <a:ea typeface="Arial" panose="020B0604020202020204" pitchFamily="34" charset="0"/>
+                          <a:cs typeface="Arial" panose="020B0604020202020204" pitchFamily="34" charset="0"/>
+                        </a:rPr>
+                        <a:t> DataMem[$s+C]</a:t>
+                      </a:r>
+                      <a:endParaRPr lang="en-US" sz="1600">
+                        <a:effectLst/>
+                        <a:latin typeface="Calibri" panose="020F0502020204030204" pitchFamily="34" charset="0"/>
+                        <a:ea typeface="SimSun" panose="02010600030101010101" pitchFamily="2" charset="-122"/>
+                        <a:cs typeface="Arial" panose="020B0604020202020204" pitchFamily="34" charset="0"/>
+                      </a:endParaRPr>
                     </a:p>
                   </a:txBody>
-                  <a:tcPr/>
+                  <a:tcPr marL="68580" marR="68580" marT="0" marB="0" anchor="ctr"/>
                 </a:tc>
                 <a:tc>
                   <a:txBody>
                     <a:bodyPr/>
                     <a:lstStyle/>
                     <a:p>
-                      <a:r>
-                        <a:rPr lang="en-US" dirty="0" smtClean="0"/>
-                        <a:t>1011</a:t>
-                      </a:r>
-                      <a:endParaRPr lang="en-US" dirty="0"/>
+                      <a:pPr marL="0" marR="0" algn="ctr">
+                        <a:lnSpc>
+                          <a:spcPct val="110000"/>
+                        </a:lnSpc>
+                        <a:spcBef>
+                          <a:spcPts val="0"/>
+                        </a:spcBef>
+                        <a:spcAft>
+                          <a:spcPts val="0"/>
+                        </a:spcAft>
+                      </a:pPr>
+                      <a:r>
+                        <a:rPr lang="en-US" sz="1600">
+                          <a:effectLst/>
+                          <a:latin typeface="Calibri" panose="020F0502020204030204" pitchFamily="34" charset="0"/>
+                          <a:ea typeface="Arial" panose="020B0604020202020204" pitchFamily="34" charset="0"/>
+                          <a:cs typeface="Arial" panose="020B0604020202020204" pitchFamily="34" charset="0"/>
+                        </a:rPr>
+                        <a:t>I</a:t>
+                      </a:r>
+                      <a:endParaRPr lang="en-US" sz="1600">
+                        <a:effectLst/>
+                        <a:latin typeface="Calibri" panose="020F0502020204030204" pitchFamily="34" charset="0"/>
+                        <a:ea typeface="SimSun" panose="02010600030101010101" pitchFamily="2" charset="-122"/>
+                        <a:cs typeface="Arial" panose="020B0604020202020204" pitchFamily="34" charset="0"/>
+                      </a:endParaRPr>
                     </a:p>
                   </a:txBody>
-                  <a:tcPr/>
+                  <a:tcPr marL="68580" marR="68580" marT="0" marB="0" anchor="ctr"/>
+                </a:tc>
+                <a:tc>
+                  <a:txBody>
+                    <a:bodyPr/>
+                    <a:lstStyle/>
+                    <a:p>
+                      <a:pPr marL="0" marR="0" algn="ctr">
+                        <a:lnSpc>
+                          <a:spcPct val="110000"/>
+                        </a:lnSpc>
+                        <a:spcBef>
+                          <a:spcPts val="0"/>
+                        </a:spcBef>
+                        <a:spcAft>
+                          <a:spcPts val="0"/>
+                        </a:spcAft>
+                      </a:pPr>
+                      <a:r>
+                        <a:rPr lang="en-US" sz="1600">
+                          <a:effectLst/>
+                          <a:latin typeface="Calibri" panose="020F0502020204030204" pitchFamily="34" charset="0"/>
+                          <a:ea typeface="Arial" panose="020B0604020202020204" pitchFamily="34" charset="0"/>
+                          <a:cs typeface="Arial" panose="020B0604020202020204" pitchFamily="34" charset="0"/>
+                        </a:rPr>
+                        <a:t>0101</a:t>
+                      </a:r>
+                      <a:endParaRPr lang="en-US" sz="1600">
+                        <a:effectLst/>
+                        <a:latin typeface="Calibri" panose="020F0502020204030204" pitchFamily="34" charset="0"/>
+                        <a:ea typeface="SimSun" panose="02010600030101010101" pitchFamily="2" charset="-122"/>
+                        <a:cs typeface="Arial" panose="020B0604020202020204" pitchFamily="34" charset="0"/>
+                      </a:endParaRPr>
+                    </a:p>
+                  </a:txBody>
+                  <a:tcPr marL="68580" marR="68580" marT="0" marB="0" anchor="ctr"/>
+                </a:tc>
+                <a:tc>
+                  <a:txBody>
+                    <a:bodyPr/>
+                    <a:lstStyle/>
+                    <a:p>
+                      <a:pPr marL="0" marR="0">
+                        <a:lnSpc>
+                          <a:spcPct val="110000"/>
+                        </a:lnSpc>
+                        <a:spcBef>
+                          <a:spcPts val="0"/>
+                        </a:spcBef>
+                        <a:spcAft>
+                          <a:spcPts val="0"/>
+                        </a:spcAft>
+                      </a:pPr>
+                      <a:r>
+                        <a:rPr lang="en-US" sz="1600">
+                          <a:effectLst/>
+                          <a:latin typeface="Courier New" panose="02070309020205020404" pitchFamily="49" charset="0"/>
+                          <a:ea typeface="Arial" panose="020B0604020202020204" pitchFamily="34" charset="0"/>
+                          <a:cs typeface="Arial" panose="020B0604020202020204" pitchFamily="34" charset="0"/>
+                        </a:rPr>
+                        <a:t>0101 sstt CCCC CCCC</a:t>
+                      </a:r>
+                      <a:endParaRPr lang="en-US" sz="1600">
+                        <a:effectLst/>
+                        <a:latin typeface="Calibri" panose="020F0502020204030204" pitchFamily="34" charset="0"/>
+                        <a:ea typeface="SimSun" panose="02010600030101010101" pitchFamily="2" charset="-122"/>
+                        <a:cs typeface="Arial" panose="020B0604020202020204" pitchFamily="34" charset="0"/>
+                      </a:endParaRPr>
+                    </a:p>
+                  </a:txBody>
+                  <a:tcPr marL="68580" marR="68580" marT="0" marB="0" anchor="ctr"/>
+                </a:tc>
+              </a:tr>
+              <a:tr h="370840">
+                <a:tc>
+                  <a:txBody>
+                    <a:bodyPr/>
+                    <a:lstStyle/>
+                    <a:p>
+                      <a:pPr marL="0" marR="0">
+                        <a:lnSpc>
+                          <a:spcPct val="110000"/>
+                        </a:lnSpc>
+                        <a:spcBef>
+                          <a:spcPts val="0"/>
+                        </a:spcBef>
+                        <a:spcAft>
+                          <a:spcPts val="0"/>
+                        </a:spcAft>
+                      </a:pPr>
+                      <a:r>
+                        <a:rPr lang="en-US" sz="1600" b="1">
+                          <a:effectLst/>
+                          <a:latin typeface="Calibri" panose="020F0502020204030204" pitchFamily="34" charset="0"/>
+                          <a:ea typeface="Arial" panose="020B0604020202020204" pitchFamily="34" charset="0"/>
+                          <a:cs typeface="Arial" panose="020B0604020202020204" pitchFamily="34" charset="0"/>
+                        </a:rPr>
+                        <a:t>Store word</a:t>
+                      </a:r>
+                      <a:endParaRPr lang="en-US" sz="1600">
+                        <a:effectLst/>
+                        <a:latin typeface="Calibri" panose="020F0502020204030204" pitchFamily="34" charset="0"/>
+                        <a:ea typeface="SimSun" panose="02010600030101010101" pitchFamily="2" charset="-122"/>
+                        <a:cs typeface="Arial" panose="020B0604020202020204" pitchFamily="34" charset="0"/>
+                      </a:endParaRPr>
+                    </a:p>
+                  </a:txBody>
+                  <a:tcPr marL="68580" marR="68580" marT="0" marB="0" anchor="ctr"/>
+                </a:tc>
+                <a:tc>
+                  <a:txBody>
+                    <a:bodyPr/>
+                    <a:lstStyle/>
+                    <a:p>
+                      <a:pPr marL="0" marR="0">
+                        <a:lnSpc>
+                          <a:spcPct val="110000"/>
+                        </a:lnSpc>
+                        <a:spcBef>
+                          <a:spcPts val="0"/>
+                        </a:spcBef>
+                        <a:spcAft>
+                          <a:spcPts val="0"/>
+                        </a:spcAft>
+                      </a:pPr>
+                      <a:r>
+                        <a:rPr lang="en-US" sz="1600">
+                          <a:effectLst/>
+                          <a:latin typeface="Calibri" panose="020F0502020204030204" pitchFamily="34" charset="0"/>
+                          <a:ea typeface="Arial" panose="020B0604020202020204" pitchFamily="34" charset="0"/>
+                          <a:cs typeface="Arial" panose="020B0604020202020204" pitchFamily="34" charset="0"/>
+                        </a:rPr>
+                        <a:t>sw $t, C($s)</a:t>
+                      </a:r>
+                      <a:endParaRPr lang="en-US" sz="1600">
+                        <a:effectLst/>
+                        <a:latin typeface="Calibri" panose="020F0502020204030204" pitchFamily="34" charset="0"/>
+                        <a:ea typeface="SimSun" panose="02010600030101010101" pitchFamily="2" charset="-122"/>
+                        <a:cs typeface="Arial" panose="020B0604020202020204" pitchFamily="34" charset="0"/>
+                      </a:endParaRPr>
+                    </a:p>
+                  </a:txBody>
+                  <a:tcPr marL="68580" marR="68580" marT="0" marB="0" anchor="ctr"/>
+                </a:tc>
+                <a:tc>
+                  <a:txBody>
+                    <a:bodyPr/>
+                    <a:lstStyle/>
+                    <a:p>
+                      <a:pPr marL="0" marR="0">
+                        <a:lnSpc>
+                          <a:spcPct val="110000"/>
+                        </a:lnSpc>
+                        <a:spcBef>
+                          <a:spcPts val="0"/>
+                        </a:spcBef>
+                        <a:spcAft>
+                          <a:spcPts val="0"/>
+                        </a:spcAft>
+                      </a:pPr>
+                      <a:r>
+                        <a:rPr lang="en-US" sz="1600">
+                          <a:effectLst/>
+                          <a:latin typeface="Calibri" panose="020F0502020204030204" pitchFamily="34" charset="0"/>
+                          <a:ea typeface="Arial" panose="020B0604020202020204" pitchFamily="34" charset="0"/>
+                          <a:cs typeface="Arial" panose="020B0604020202020204" pitchFamily="34" charset="0"/>
+                        </a:rPr>
+                        <a:t>DataMem[$s+C] </a:t>
+                      </a:r>
+                      <a:r>
+                        <a:rPr lang="en-US" sz="1600">
+                          <a:effectLst/>
+                          <a:latin typeface="Calibri" panose="020F0502020204030204" pitchFamily="34" charset="0"/>
+                          <a:ea typeface="Arial" panose="020B0604020202020204" pitchFamily="34" charset="0"/>
+                          <a:cs typeface="Arial" panose="020B0604020202020204" pitchFamily="34" charset="0"/>
+                          <a:sym typeface="Wingdings" panose="05000000000000000000" pitchFamily="2" charset="2"/>
+                        </a:rPr>
+                        <a:t></a:t>
+                      </a:r>
+                      <a:r>
+                        <a:rPr lang="en-US" sz="1600">
+                          <a:effectLst/>
+                          <a:latin typeface="Calibri" panose="020F0502020204030204" pitchFamily="34" charset="0"/>
+                          <a:ea typeface="Arial" panose="020B0604020202020204" pitchFamily="34" charset="0"/>
+                          <a:cs typeface="Arial" panose="020B0604020202020204" pitchFamily="34" charset="0"/>
+                        </a:rPr>
+                        <a:t> $t</a:t>
+                      </a:r>
+                      <a:endParaRPr lang="en-US" sz="1600">
+                        <a:effectLst/>
+                        <a:latin typeface="Calibri" panose="020F0502020204030204" pitchFamily="34" charset="0"/>
+                        <a:ea typeface="SimSun" panose="02010600030101010101" pitchFamily="2" charset="-122"/>
+                        <a:cs typeface="Arial" panose="020B0604020202020204" pitchFamily="34" charset="0"/>
+                      </a:endParaRPr>
+                    </a:p>
+                  </a:txBody>
+                  <a:tcPr marL="68580" marR="68580" marT="0" marB="0" anchor="ctr"/>
+                </a:tc>
+                <a:tc>
+                  <a:txBody>
+                    <a:bodyPr/>
+                    <a:lstStyle/>
+                    <a:p>
+                      <a:pPr marL="0" marR="0" algn="ctr">
+                        <a:lnSpc>
+                          <a:spcPct val="110000"/>
+                        </a:lnSpc>
+                        <a:spcBef>
+                          <a:spcPts val="0"/>
+                        </a:spcBef>
+                        <a:spcAft>
+                          <a:spcPts val="0"/>
+                        </a:spcAft>
+                      </a:pPr>
+                      <a:r>
+                        <a:rPr lang="en-US" sz="1600" dirty="0">
+                          <a:effectLst/>
+                          <a:latin typeface="Calibri" panose="020F0502020204030204" pitchFamily="34" charset="0"/>
+                          <a:ea typeface="Arial" panose="020B0604020202020204" pitchFamily="34" charset="0"/>
+                          <a:cs typeface="Arial" panose="020B0604020202020204" pitchFamily="34" charset="0"/>
+                        </a:rPr>
+                        <a:t>I</a:t>
+                      </a:r>
+                      <a:endParaRPr lang="en-US" sz="1600" dirty="0">
+                        <a:effectLst/>
+                        <a:latin typeface="Calibri" panose="020F0502020204030204" pitchFamily="34" charset="0"/>
+                        <a:ea typeface="SimSun" panose="02010600030101010101" pitchFamily="2" charset="-122"/>
+                        <a:cs typeface="Arial" panose="020B0604020202020204" pitchFamily="34" charset="0"/>
+                      </a:endParaRPr>
+                    </a:p>
+                  </a:txBody>
+                  <a:tcPr marL="68580" marR="68580" marT="0" marB="0" anchor="ctr"/>
+                </a:tc>
+                <a:tc>
+                  <a:txBody>
+                    <a:bodyPr/>
+                    <a:lstStyle/>
+                    <a:p>
+                      <a:pPr marL="0" marR="0" algn="ctr">
+                        <a:lnSpc>
+                          <a:spcPct val="110000"/>
+                        </a:lnSpc>
+                        <a:spcBef>
+                          <a:spcPts val="0"/>
+                        </a:spcBef>
+                        <a:spcAft>
+                          <a:spcPts val="0"/>
+                        </a:spcAft>
+                      </a:pPr>
+                      <a:r>
+                        <a:rPr lang="en-US" sz="1600" dirty="0">
+                          <a:effectLst/>
+                          <a:latin typeface="Calibri" panose="020F0502020204030204" pitchFamily="34" charset="0"/>
+                          <a:ea typeface="Arial" panose="020B0604020202020204" pitchFamily="34" charset="0"/>
+                          <a:cs typeface="Arial" panose="020B0604020202020204" pitchFamily="34" charset="0"/>
+                        </a:rPr>
+                        <a:t>0110</a:t>
+                      </a:r>
+                      <a:endParaRPr lang="en-US" sz="1600" dirty="0">
+                        <a:effectLst/>
+                        <a:latin typeface="Calibri" panose="020F0502020204030204" pitchFamily="34" charset="0"/>
+                        <a:ea typeface="SimSun" panose="02010600030101010101" pitchFamily="2" charset="-122"/>
+                        <a:cs typeface="Arial" panose="020B0604020202020204" pitchFamily="34" charset="0"/>
+                      </a:endParaRPr>
+                    </a:p>
+                  </a:txBody>
+                  <a:tcPr marL="68580" marR="68580" marT="0" marB="0" anchor="ctr"/>
+                </a:tc>
+                <a:tc>
+                  <a:txBody>
+                    <a:bodyPr/>
+                    <a:lstStyle/>
+                    <a:p>
+                      <a:pPr marL="0" marR="0">
+                        <a:lnSpc>
+                          <a:spcPct val="110000"/>
+                        </a:lnSpc>
+                        <a:spcBef>
+                          <a:spcPts val="0"/>
+                        </a:spcBef>
+                        <a:spcAft>
+                          <a:spcPts val="0"/>
+                        </a:spcAft>
+                      </a:pPr>
+                      <a:r>
+                        <a:rPr lang="en-US" sz="1600" dirty="0">
+                          <a:effectLst/>
+                          <a:latin typeface="Courier New" panose="02070309020205020404" pitchFamily="49" charset="0"/>
+                          <a:ea typeface="Arial" panose="020B0604020202020204" pitchFamily="34" charset="0"/>
+                          <a:cs typeface="Arial" panose="020B0604020202020204" pitchFamily="34" charset="0"/>
+                        </a:rPr>
+                        <a:t>0110 </a:t>
+                      </a:r>
+                      <a:r>
+                        <a:rPr lang="en-US" sz="1600" dirty="0" err="1">
+                          <a:effectLst/>
+                          <a:latin typeface="Courier New" panose="02070309020205020404" pitchFamily="49" charset="0"/>
+                          <a:ea typeface="Arial" panose="020B0604020202020204" pitchFamily="34" charset="0"/>
+                          <a:cs typeface="Arial" panose="020B0604020202020204" pitchFamily="34" charset="0"/>
+                        </a:rPr>
+                        <a:t>sstt</a:t>
+                      </a:r>
+                      <a:r>
+                        <a:rPr lang="en-US" sz="1600" dirty="0">
+                          <a:effectLst/>
+                          <a:latin typeface="Courier New" panose="02070309020205020404" pitchFamily="49" charset="0"/>
+                          <a:ea typeface="Arial" panose="020B0604020202020204" pitchFamily="34" charset="0"/>
+                          <a:cs typeface="Arial" panose="020B0604020202020204" pitchFamily="34" charset="0"/>
+                        </a:rPr>
+                        <a:t> CCCC </a:t>
+                      </a:r>
+                      <a:r>
+                        <a:rPr lang="en-US" sz="1600" dirty="0" err="1">
+                          <a:effectLst/>
+                          <a:latin typeface="Courier New" panose="02070309020205020404" pitchFamily="49" charset="0"/>
+                          <a:ea typeface="Arial" panose="020B0604020202020204" pitchFamily="34" charset="0"/>
+                          <a:cs typeface="Arial" panose="020B0604020202020204" pitchFamily="34" charset="0"/>
+                        </a:rPr>
+                        <a:t>CCCC</a:t>
+                      </a:r>
+                      <a:endParaRPr lang="en-US" sz="1600" dirty="0">
+                        <a:effectLst/>
+                        <a:latin typeface="Calibri" panose="020F0502020204030204" pitchFamily="34" charset="0"/>
+                        <a:ea typeface="SimSun" panose="02010600030101010101" pitchFamily="2" charset="-122"/>
+                        <a:cs typeface="Arial" panose="020B0604020202020204" pitchFamily="34" charset="0"/>
+                      </a:endParaRPr>
+                    </a:p>
+                  </a:txBody>
+                  <a:tcPr marL="68580" marR="68580" marT="0" marB="0" anchor="ctr"/>
                 </a:tc>
               </a:tr>
             </a:tbl>
@@ -6209,133 +7685,1801 @@
           <a:lstStyle/>
           <a:p>
             <a:r>
-              <a:rPr lang="en-US" dirty="0">
-                <a:effectLst/>
-              </a:rPr>
-              <a:t>Major Component Descriptions</a:t>
-            </a:r>
-            <a:endParaRPr lang="en-US" dirty="0"/>
-          </a:p>
-        </p:txBody>
-      </p:sp>
-      <p:sp>
-        <p:nvSpPr>
-          <p:cNvPr id="3" name="Content Placeholder 2"/>
-          <p:cNvSpPr>
-            <a:spLocks noGrp="1"/>
-          </p:cNvSpPr>
+              <a:rPr lang="en-US" dirty="0"/>
+              <a:t>INSTRUCTION SET</a:t>
+            </a:r>
+          </a:p>
+        </p:txBody>
+      </p:sp>
+      <p:graphicFrame>
+        <p:nvGraphicFramePr>
+          <p:cNvPr id="4" name="Content Placeholder 3"/>
+          <p:cNvGraphicFramePr>
+            <a:graphicFrameLocks noGrp="1"/>
+          </p:cNvGraphicFramePr>
           <p:nvPr>
             <p:ph idx="1"/>
-          </p:nvPr>
-        </p:nvSpPr>
-        <p:spPr/>
-        <p:txBody>
-          <a:bodyPr>
-            <a:normAutofit/>
-          </a:bodyPr>
-          <a:lstStyle/>
-          <a:p>
-            <a:pPr lvl="0"/>
-            <a:r>
-              <a:rPr lang="en-US" b="1" dirty="0">
-                <a:effectLst/>
-              </a:rPr>
-              <a:t>Instruction Memory</a:t>
-            </a:r>
-          </a:p>
-          <a:p>
-            <a:pPr marL="457200" lvl="1" indent="0">
-              <a:buNone/>
-            </a:pPr>
-            <a:r>
-              <a:rPr lang="en-US" dirty="0">
-                <a:effectLst/>
-              </a:rPr>
-              <a:t>The instruction memory is represented by our </a:t>
-            </a:r>
-            <a:r>
-              <a:rPr lang="en-US" dirty="0" err="1">
-                <a:effectLst/>
-              </a:rPr>
-              <a:t>input.hex</a:t>
-            </a:r>
-            <a:r>
-              <a:rPr lang="en-US" dirty="0">
-                <a:effectLst/>
-              </a:rPr>
-              <a:t> file (see “</a:t>
-            </a:r>
-            <a:r>
-              <a:rPr lang="en-US" dirty="0" err="1">
-                <a:effectLst/>
-              </a:rPr>
-              <a:t>input.hex</a:t>
-            </a:r>
-            <a:r>
-              <a:rPr lang="en-US" dirty="0">
-                <a:effectLst/>
-              </a:rPr>
-              <a:t>” below)</a:t>
-            </a:r>
-          </a:p>
-          <a:p>
-            <a:pPr lvl="0"/>
-            <a:r>
-              <a:rPr lang="en-US" b="1" dirty="0">
-                <a:effectLst/>
-              </a:rPr>
-              <a:t>ALU</a:t>
-            </a:r>
-          </a:p>
-          <a:p>
-            <a:pPr marL="457200" lvl="1" indent="0">
-              <a:buNone/>
-            </a:pPr>
-            <a:r>
-              <a:rPr lang="en-US" dirty="0">
-                <a:effectLst/>
-              </a:rPr>
-              <a:t>The ALU is a 16-bit ALU comprised of four 4-bit ALUs. It is capable of detecting overflow and zero.</a:t>
-            </a:r>
-          </a:p>
-          <a:p>
-            <a:pPr lvl="0"/>
-            <a:r>
-              <a:rPr lang="en-US" b="1" dirty="0">
-                <a:effectLst/>
-              </a:rPr>
-              <a:t>Register </a:t>
-            </a:r>
-            <a:r>
-              <a:rPr lang="en-US" b="1" dirty="0" smtClean="0">
-                <a:effectLst/>
-              </a:rPr>
-              <a:t>File</a:t>
-            </a:r>
-          </a:p>
-          <a:p>
-            <a:pPr marL="457200" lvl="1" indent="0">
-              <a:buNone/>
-            </a:pPr>
-            <a:r>
-              <a:rPr lang="en-US" dirty="0" smtClean="0">
-                <a:effectLst/>
-              </a:rPr>
-              <a:t>Register </a:t>
-            </a:r>
-            <a:r>
-              <a:rPr lang="en-US" dirty="0">
-                <a:effectLst/>
-              </a:rPr>
-              <a:t>r0 is static 0 (it cannot change or be changed). The register file is 4-word by 16-bits-per-word. </a:t>
-            </a:r>
-          </a:p>
-        </p:txBody>
-      </p:sp>
+            <p:extLst>
+              <p:ext uri="{D42A27DB-BD31-4B8C-83A1-F6EECF244321}">
+                <p14:modId xmlns:p14="http://schemas.microsoft.com/office/powerpoint/2010/main" val="2840902397"/>
+              </p:ext>
+            </p:extLst>
+          </p:nvPr>
+        </p:nvGraphicFramePr>
+        <p:xfrm>
+          <a:off x="914400" y="2095500"/>
+          <a:ext cx="10500764" cy="2595880"/>
+        </p:xfrm>
+        <a:graphic>
+          <a:graphicData uri="http://schemas.openxmlformats.org/drawingml/2006/table">
+            <a:tbl>
+              <a:tblPr firstRow="1" bandRow="1">
+                <a:tableStyleId>{5C22544A-7EE6-4342-B048-85BDC9FD1C3A}</a:tableStyleId>
+              </a:tblPr>
+              <a:tblGrid>
+                <a:gridCol w="1920240"/>
+                <a:gridCol w="1725613"/>
+                <a:gridCol w="1725613"/>
+                <a:gridCol w="1152144"/>
+                <a:gridCol w="1132885"/>
+                <a:gridCol w="2844269"/>
+              </a:tblGrid>
+              <a:tr h="370840">
+                <a:tc>
+                  <a:txBody>
+                    <a:bodyPr/>
+                    <a:lstStyle/>
+                    <a:p>
+                      <a:pPr marL="0" marR="0" algn="ctr">
+                        <a:lnSpc>
+                          <a:spcPct val="110000"/>
+                        </a:lnSpc>
+                        <a:spcBef>
+                          <a:spcPts val="0"/>
+                        </a:spcBef>
+                        <a:spcAft>
+                          <a:spcPts val="0"/>
+                        </a:spcAft>
+                      </a:pPr>
+                      <a:r>
+                        <a:rPr lang="en-US" sz="2000" b="1" dirty="0">
+                          <a:solidFill>
+                            <a:srgbClr val="FFFFFF"/>
+                          </a:solidFill>
+                          <a:effectLst/>
+                          <a:latin typeface="Calibri" panose="020F0502020204030204" pitchFamily="34" charset="0"/>
+                          <a:ea typeface="Arial" panose="020B0604020202020204" pitchFamily="34" charset="0"/>
+                          <a:cs typeface="Arial" panose="020B0604020202020204" pitchFamily="34" charset="0"/>
+                        </a:rPr>
+                        <a:t>Name</a:t>
+                      </a:r>
+                      <a:endParaRPr lang="en-US" sz="2000" dirty="0">
+                        <a:effectLst/>
+                        <a:latin typeface="Calibri" panose="020F0502020204030204" pitchFamily="34" charset="0"/>
+                        <a:ea typeface="SimSun" panose="02010600030101010101" pitchFamily="2" charset="-122"/>
+                        <a:cs typeface="Arial" panose="020B0604020202020204" pitchFamily="34" charset="0"/>
+                      </a:endParaRPr>
+                    </a:p>
+                  </a:txBody>
+                  <a:tcPr marL="68580" marR="68580" marT="0" marB="0"/>
+                </a:tc>
+                <a:tc>
+                  <a:txBody>
+                    <a:bodyPr/>
+                    <a:lstStyle/>
+                    <a:p>
+                      <a:pPr marL="0" marR="0" algn="ctr">
+                        <a:lnSpc>
+                          <a:spcPct val="110000"/>
+                        </a:lnSpc>
+                        <a:spcBef>
+                          <a:spcPts val="0"/>
+                        </a:spcBef>
+                        <a:spcAft>
+                          <a:spcPts val="0"/>
+                        </a:spcAft>
+                      </a:pPr>
+                      <a:r>
+                        <a:rPr lang="en-US" sz="2000" b="1" dirty="0">
+                          <a:solidFill>
+                            <a:srgbClr val="FFFFFF"/>
+                          </a:solidFill>
+                          <a:effectLst/>
+                          <a:latin typeface="Calibri" panose="020F0502020204030204" pitchFamily="34" charset="0"/>
+                          <a:ea typeface="Arial" panose="020B0604020202020204" pitchFamily="34" charset="0"/>
+                          <a:cs typeface="Arial" panose="020B0604020202020204" pitchFamily="34" charset="0"/>
+                        </a:rPr>
+                        <a:t>Syntax</a:t>
+                      </a:r>
+                      <a:endParaRPr lang="en-US" sz="2000" dirty="0">
+                        <a:effectLst/>
+                        <a:latin typeface="Calibri" panose="020F0502020204030204" pitchFamily="34" charset="0"/>
+                        <a:ea typeface="SimSun" panose="02010600030101010101" pitchFamily="2" charset="-122"/>
+                        <a:cs typeface="Arial" panose="020B0604020202020204" pitchFamily="34" charset="0"/>
+                      </a:endParaRPr>
+                    </a:p>
+                  </a:txBody>
+                  <a:tcPr marL="68580" marR="68580" marT="0" marB="0"/>
+                </a:tc>
+                <a:tc>
+                  <a:txBody>
+                    <a:bodyPr/>
+                    <a:lstStyle/>
+                    <a:p>
+                      <a:pPr marL="0" marR="0" algn="ctr">
+                        <a:lnSpc>
+                          <a:spcPct val="110000"/>
+                        </a:lnSpc>
+                        <a:spcBef>
+                          <a:spcPts val="0"/>
+                        </a:spcBef>
+                        <a:spcAft>
+                          <a:spcPts val="0"/>
+                        </a:spcAft>
+                      </a:pPr>
+                      <a:r>
+                        <a:rPr lang="en-US" sz="2000" b="1" dirty="0">
+                          <a:solidFill>
+                            <a:srgbClr val="FFFFFF"/>
+                          </a:solidFill>
+                          <a:effectLst/>
+                          <a:latin typeface="Calibri" panose="020F0502020204030204" pitchFamily="34" charset="0"/>
+                          <a:ea typeface="Arial" panose="020B0604020202020204" pitchFamily="34" charset="0"/>
+                          <a:cs typeface="Arial" panose="020B0604020202020204" pitchFamily="34" charset="0"/>
+                        </a:rPr>
+                        <a:t>Meaning</a:t>
+                      </a:r>
+                      <a:endParaRPr lang="en-US" sz="2000" dirty="0">
+                        <a:effectLst/>
+                        <a:latin typeface="Calibri" panose="020F0502020204030204" pitchFamily="34" charset="0"/>
+                        <a:ea typeface="SimSun" panose="02010600030101010101" pitchFamily="2" charset="-122"/>
+                        <a:cs typeface="Arial" panose="020B0604020202020204" pitchFamily="34" charset="0"/>
+                      </a:endParaRPr>
+                    </a:p>
+                  </a:txBody>
+                  <a:tcPr marL="68580" marR="68580" marT="0" marB="0"/>
+                </a:tc>
+                <a:tc>
+                  <a:txBody>
+                    <a:bodyPr/>
+                    <a:lstStyle/>
+                    <a:p>
+                      <a:pPr marL="0" marR="0" algn="ctr">
+                        <a:lnSpc>
+                          <a:spcPct val="110000"/>
+                        </a:lnSpc>
+                        <a:spcBef>
+                          <a:spcPts val="0"/>
+                        </a:spcBef>
+                        <a:spcAft>
+                          <a:spcPts val="0"/>
+                        </a:spcAft>
+                      </a:pPr>
+                      <a:r>
+                        <a:rPr lang="en-US" sz="2000" b="1" dirty="0">
+                          <a:solidFill>
+                            <a:srgbClr val="FFFFFF"/>
+                          </a:solidFill>
+                          <a:effectLst/>
+                          <a:latin typeface="Calibri" panose="020F0502020204030204" pitchFamily="34" charset="0"/>
+                          <a:ea typeface="Arial" panose="020B0604020202020204" pitchFamily="34" charset="0"/>
+                          <a:cs typeface="Arial" panose="020B0604020202020204" pitchFamily="34" charset="0"/>
+                        </a:rPr>
+                        <a:t>Format</a:t>
+                      </a:r>
+                      <a:endParaRPr lang="en-US" sz="2000" dirty="0">
+                        <a:effectLst/>
+                        <a:latin typeface="Calibri" panose="020F0502020204030204" pitchFamily="34" charset="0"/>
+                        <a:ea typeface="SimSun" panose="02010600030101010101" pitchFamily="2" charset="-122"/>
+                        <a:cs typeface="Arial" panose="020B0604020202020204" pitchFamily="34" charset="0"/>
+                      </a:endParaRPr>
+                    </a:p>
+                  </a:txBody>
+                  <a:tcPr marL="68580" marR="68580" marT="0" marB="0"/>
+                </a:tc>
+                <a:tc>
+                  <a:txBody>
+                    <a:bodyPr/>
+                    <a:lstStyle/>
+                    <a:p>
+                      <a:pPr marL="0" marR="0" algn="ctr">
+                        <a:lnSpc>
+                          <a:spcPct val="110000"/>
+                        </a:lnSpc>
+                        <a:spcBef>
+                          <a:spcPts val="0"/>
+                        </a:spcBef>
+                        <a:spcAft>
+                          <a:spcPts val="0"/>
+                        </a:spcAft>
+                      </a:pPr>
+                      <a:r>
+                        <a:rPr lang="en-US" sz="2000" b="1" dirty="0" err="1">
+                          <a:solidFill>
+                            <a:srgbClr val="FFFFFF"/>
+                          </a:solidFill>
+                          <a:effectLst/>
+                          <a:latin typeface="Calibri" panose="020F0502020204030204" pitchFamily="34" charset="0"/>
+                          <a:ea typeface="Arial" panose="020B0604020202020204" pitchFamily="34" charset="0"/>
+                          <a:cs typeface="Arial" panose="020B0604020202020204" pitchFamily="34" charset="0"/>
+                        </a:rPr>
+                        <a:t>Opcode</a:t>
+                      </a:r>
+                      <a:endParaRPr lang="en-US" sz="2000" dirty="0">
+                        <a:effectLst/>
+                        <a:latin typeface="Calibri" panose="020F0502020204030204" pitchFamily="34" charset="0"/>
+                        <a:ea typeface="SimSun" panose="02010600030101010101" pitchFamily="2" charset="-122"/>
+                        <a:cs typeface="Arial" panose="020B0604020202020204" pitchFamily="34" charset="0"/>
+                      </a:endParaRPr>
+                    </a:p>
+                  </a:txBody>
+                  <a:tcPr marL="68580" marR="68580" marT="0" marB="0"/>
+                </a:tc>
+                <a:tc>
+                  <a:txBody>
+                    <a:bodyPr/>
+                    <a:lstStyle/>
+                    <a:p>
+                      <a:pPr marL="0" marR="0" algn="ctr">
+                        <a:lnSpc>
+                          <a:spcPct val="110000"/>
+                        </a:lnSpc>
+                        <a:spcBef>
+                          <a:spcPts val="0"/>
+                        </a:spcBef>
+                        <a:spcAft>
+                          <a:spcPts val="0"/>
+                        </a:spcAft>
+                      </a:pPr>
+                      <a:r>
+                        <a:rPr lang="en-US" sz="2000" b="1" dirty="0">
+                          <a:solidFill>
+                            <a:srgbClr val="FFFFFF"/>
+                          </a:solidFill>
+                          <a:effectLst/>
+                          <a:latin typeface="Calibri" panose="020F0502020204030204" pitchFamily="34" charset="0"/>
+                          <a:ea typeface="Arial" panose="020B0604020202020204" pitchFamily="34" charset="0"/>
+                          <a:cs typeface="Arial" panose="020B0604020202020204" pitchFamily="34" charset="0"/>
+                        </a:rPr>
+                        <a:t>Encoding</a:t>
+                      </a:r>
+                      <a:endParaRPr lang="en-US" sz="2000" dirty="0">
+                        <a:effectLst/>
+                        <a:latin typeface="Calibri" panose="020F0502020204030204" pitchFamily="34" charset="0"/>
+                        <a:ea typeface="SimSun" panose="02010600030101010101" pitchFamily="2" charset="-122"/>
+                        <a:cs typeface="Arial" panose="020B0604020202020204" pitchFamily="34" charset="0"/>
+                      </a:endParaRPr>
+                    </a:p>
+                  </a:txBody>
+                  <a:tcPr marL="68580" marR="68580" marT="0" marB="0"/>
+                </a:tc>
+              </a:tr>
+              <a:tr h="370840">
+                <a:tc>
+                  <a:txBody>
+                    <a:bodyPr/>
+                    <a:lstStyle/>
+                    <a:p>
+                      <a:pPr marL="0" marR="0">
+                        <a:lnSpc>
+                          <a:spcPct val="110000"/>
+                        </a:lnSpc>
+                        <a:spcBef>
+                          <a:spcPts val="0"/>
+                        </a:spcBef>
+                        <a:spcAft>
+                          <a:spcPts val="0"/>
+                        </a:spcAft>
+                      </a:pPr>
+                      <a:r>
+                        <a:rPr lang="en-US" sz="1600" b="1" dirty="0">
+                          <a:effectLst/>
+                          <a:latin typeface="Calibri" panose="020F0502020204030204" pitchFamily="34" charset="0"/>
+                          <a:ea typeface="Arial" panose="020B0604020202020204" pitchFamily="34" charset="0"/>
+                          <a:cs typeface="Arial" panose="020B0604020202020204" pitchFamily="34" charset="0"/>
+                        </a:rPr>
+                        <a:t>Set </a:t>
+                      </a:r>
+                      <a:r>
+                        <a:rPr lang="en-US" sz="1600" b="1" dirty="0" smtClean="0">
+                          <a:effectLst/>
+                          <a:latin typeface="Calibri" panose="020F0502020204030204" pitchFamily="34" charset="0"/>
+                          <a:ea typeface="Arial" panose="020B0604020202020204" pitchFamily="34" charset="0"/>
+                          <a:cs typeface="Arial" panose="020B0604020202020204" pitchFamily="34" charset="0"/>
+                        </a:rPr>
+                        <a:t>on less </a:t>
+                      </a:r>
+                      <a:r>
+                        <a:rPr lang="en-US" sz="1600" b="1" dirty="0">
+                          <a:effectLst/>
+                          <a:latin typeface="Calibri" panose="020F0502020204030204" pitchFamily="34" charset="0"/>
+                          <a:ea typeface="Arial" panose="020B0604020202020204" pitchFamily="34" charset="0"/>
+                          <a:cs typeface="Arial" panose="020B0604020202020204" pitchFamily="34" charset="0"/>
+                        </a:rPr>
+                        <a:t>than</a:t>
+                      </a:r>
+                      <a:endParaRPr lang="en-US" sz="1600" dirty="0">
+                        <a:effectLst/>
+                        <a:latin typeface="Calibri" panose="020F0502020204030204" pitchFamily="34" charset="0"/>
+                        <a:ea typeface="SimSun" panose="02010600030101010101" pitchFamily="2" charset="-122"/>
+                        <a:cs typeface="Arial" panose="020B0604020202020204" pitchFamily="34" charset="0"/>
+                      </a:endParaRPr>
+                    </a:p>
+                  </a:txBody>
+                  <a:tcPr marL="68580" marR="68580" marT="0" marB="0" anchor="ctr"/>
+                </a:tc>
+                <a:tc>
+                  <a:txBody>
+                    <a:bodyPr/>
+                    <a:lstStyle/>
+                    <a:p>
+                      <a:pPr marL="0" marR="0">
+                        <a:lnSpc>
+                          <a:spcPct val="110000"/>
+                        </a:lnSpc>
+                        <a:spcBef>
+                          <a:spcPts val="0"/>
+                        </a:spcBef>
+                        <a:spcAft>
+                          <a:spcPts val="0"/>
+                        </a:spcAft>
+                      </a:pPr>
+                      <a:r>
+                        <a:rPr lang="en-US" sz="1600">
+                          <a:effectLst/>
+                          <a:latin typeface="Calibri" panose="020F0502020204030204" pitchFamily="34" charset="0"/>
+                          <a:ea typeface="Arial" panose="020B0604020202020204" pitchFamily="34" charset="0"/>
+                          <a:cs typeface="Arial" panose="020B0604020202020204" pitchFamily="34" charset="0"/>
+                        </a:rPr>
+                        <a:t>slt $d, $s, $t</a:t>
+                      </a:r>
+                      <a:endParaRPr lang="en-US" sz="1600">
+                        <a:effectLst/>
+                        <a:latin typeface="Calibri" panose="020F0502020204030204" pitchFamily="34" charset="0"/>
+                        <a:ea typeface="SimSun" panose="02010600030101010101" pitchFamily="2" charset="-122"/>
+                        <a:cs typeface="Arial" panose="020B0604020202020204" pitchFamily="34" charset="0"/>
+                      </a:endParaRPr>
+                    </a:p>
+                  </a:txBody>
+                  <a:tcPr marL="68580" marR="68580" marT="0" marB="0" anchor="ctr"/>
+                </a:tc>
+                <a:tc>
+                  <a:txBody>
+                    <a:bodyPr/>
+                    <a:lstStyle/>
+                    <a:p>
+                      <a:pPr marL="0" marR="0">
+                        <a:lnSpc>
+                          <a:spcPct val="110000"/>
+                        </a:lnSpc>
+                        <a:spcBef>
+                          <a:spcPts val="0"/>
+                        </a:spcBef>
+                        <a:spcAft>
+                          <a:spcPts val="0"/>
+                        </a:spcAft>
+                      </a:pPr>
+                      <a:r>
+                        <a:rPr lang="en-US" sz="1600">
+                          <a:effectLst/>
+                          <a:latin typeface="Calibri" panose="020F0502020204030204" pitchFamily="34" charset="0"/>
+                          <a:ea typeface="Arial" panose="020B0604020202020204" pitchFamily="34" charset="0"/>
+                          <a:cs typeface="Arial" panose="020B0604020202020204" pitchFamily="34" charset="0"/>
+                        </a:rPr>
+                        <a:t>$d = ($s &lt; $t)</a:t>
+                      </a:r>
+                      <a:endParaRPr lang="en-US" sz="1600">
+                        <a:effectLst/>
+                        <a:latin typeface="Calibri" panose="020F0502020204030204" pitchFamily="34" charset="0"/>
+                        <a:ea typeface="SimSun" panose="02010600030101010101" pitchFamily="2" charset="-122"/>
+                        <a:cs typeface="Arial" panose="020B0604020202020204" pitchFamily="34" charset="0"/>
+                      </a:endParaRPr>
+                    </a:p>
+                  </a:txBody>
+                  <a:tcPr marL="68580" marR="68580" marT="0" marB="0" anchor="ctr"/>
+                </a:tc>
+                <a:tc>
+                  <a:txBody>
+                    <a:bodyPr/>
+                    <a:lstStyle/>
+                    <a:p>
+                      <a:pPr marL="0" marR="0" algn="ctr">
+                        <a:lnSpc>
+                          <a:spcPct val="110000"/>
+                        </a:lnSpc>
+                        <a:spcBef>
+                          <a:spcPts val="0"/>
+                        </a:spcBef>
+                        <a:spcAft>
+                          <a:spcPts val="0"/>
+                        </a:spcAft>
+                      </a:pPr>
+                      <a:r>
+                        <a:rPr lang="en-US" sz="1600">
+                          <a:effectLst/>
+                          <a:latin typeface="Calibri" panose="020F0502020204030204" pitchFamily="34" charset="0"/>
+                          <a:ea typeface="Arial" panose="020B0604020202020204" pitchFamily="34" charset="0"/>
+                          <a:cs typeface="Arial" panose="020B0604020202020204" pitchFamily="34" charset="0"/>
+                        </a:rPr>
+                        <a:t>R</a:t>
+                      </a:r>
+                      <a:endParaRPr lang="en-US" sz="1600">
+                        <a:effectLst/>
+                        <a:latin typeface="Calibri" panose="020F0502020204030204" pitchFamily="34" charset="0"/>
+                        <a:ea typeface="SimSun" panose="02010600030101010101" pitchFamily="2" charset="-122"/>
+                        <a:cs typeface="Arial" panose="020B0604020202020204" pitchFamily="34" charset="0"/>
+                      </a:endParaRPr>
+                    </a:p>
+                  </a:txBody>
+                  <a:tcPr marL="68580" marR="68580" marT="0" marB="0" anchor="ctr"/>
+                </a:tc>
+                <a:tc>
+                  <a:txBody>
+                    <a:bodyPr/>
+                    <a:lstStyle/>
+                    <a:p>
+                      <a:pPr marL="0" marR="0" algn="ctr">
+                        <a:lnSpc>
+                          <a:spcPct val="110000"/>
+                        </a:lnSpc>
+                        <a:spcBef>
+                          <a:spcPts val="0"/>
+                        </a:spcBef>
+                        <a:spcAft>
+                          <a:spcPts val="0"/>
+                        </a:spcAft>
+                      </a:pPr>
+                      <a:r>
+                        <a:rPr lang="en-US" sz="1600">
+                          <a:effectLst/>
+                          <a:latin typeface="Calibri" panose="020F0502020204030204" pitchFamily="34" charset="0"/>
+                          <a:ea typeface="Arial" panose="020B0604020202020204" pitchFamily="34" charset="0"/>
+                          <a:cs typeface="Arial" panose="020B0604020202020204" pitchFamily="34" charset="0"/>
+                        </a:rPr>
+                        <a:t>0111</a:t>
+                      </a:r>
+                      <a:endParaRPr lang="en-US" sz="1600">
+                        <a:effectLst/>
+                        <a:latin typeface="Calibri" panose="020F0502020204030204" pitchFamily="34" charset="0"/>
+                        <a:ea typeface="SimSun" panose="02010600030101010101" pitchFamily="2" charset="-122"/>
+                        <a:cs typeface="Arial" panose="020B0604020202020204" pitchFamily="34" charset="0"/>
+                      </a:endParaRPr>
+                    </a:p>
+                  </a:txBody>
+                  <a:tcPr marL="68580" marR="68580" marT="0" marB="0" anchor="ctr"/>
+                </a:tc>
+                <a:tc>
+                  <a:txBody>
+                    <a:bodyPr/>
+                    <a:lstStyle/>
+                    <a:p>
+                      <a:pPr marL="0" marR="0">
+                        <a:lnSpc>
+                          <a:spcPct val="110000"/>
+                        </a:lnSpc>
+                        <a:spcBef>
+                          <a:spcPts val="0"/>
+                        </a:spcBef>
+                        <a:spcAft>
+                          <a:spcPts val="0"/>
+                        </a:spcAft>
+                      </a:pPr>
+                      <a:r>
+                        <a:rPr lang="en-US" sz="1600">
+                          <a:effectLst/>
+                          <a:latin typeface="Courier New" panose="02070309020205020404" pitchFamily="49" charset="0"/>
+                          <a:ea typeface="Arial" panose="020B0604020202020204" pitchFamily="34" charset="0"/>
+                          <a:cs typeface="Arial" panose="020B0604020202020204" pitchFamily="34" charset="0"/>
+                        </a:rPr>
+                        <a:t>0111 sstt dd-- ----</a:t>
+                      </a:r>
+                      <a:endParaRPr lang="en-US" sz="1600">
+                        <a:effectLst/>
+                        <a:latin typeface="Calibri" panose="020F0502020204030204" pitchFamily="34" charset="0"/>
+                        <a:ea typeface="SimSun" panose="02010600030101010101" pitchFamily="2" charset="-122"/>
+                        <a:cs typeface="Arial" panose="020B0604020202020204" pitchFamily="34" charset="0"/>
+                      </a:endParaRPr>
+                    </a:p>
+                  </a:txBody>
+                  <a:tcPr marL="68580" marR="68580" marT="0" marB="0" anchor="ctr"/>
+                </a:tc>
+              </a:tr>
+              <a:tr h="370840">
+                <a:tc>
+                  <a:txBody>
+                    <a:bodyPr/>
+                    <a:lstStyle/>
+                    <a:p>
+                      <a:pPr marL="0" marR="0">
+                        <a:lnSpc>
+                          <a:spcPct val="110000"/>
+                        </a:lnSpc>
+                        <a:spcBef>
+                          <a:spcPts val="0"/>
+                        </a:spcBef>
+                        <a:spcAft>
+                          <a:spcPts val="0"/>
+                        </a:spcAft>
+                      </a:pPr>
+                      <a:r>
+                        <a:rPr lang="en-US" sz="1600" b="1" dirty="0">
+                          <a:effectLst/>
+                          <a:latin typeface="Calibri" panose="020F0502020204030204" pitchFamily="34" charset="0"/>
+                          <a:ea typeface="Arial" panose="020B0604020202020204" pitchFamily="34" charset="0"/>
+                          <a:cs typeface="Arial" panose="020B0604020202020204" pitchFamily="34" charset="0"/>
+                        </a:rPr>
+                        <a:t>Branch on equal</a:t>
+                      </a:r>
+                      <a:endParaRPr lang="en-US" sz="1600" dirty="0">
+                        <a:effectLst/>
+                        <a:latin typeface="Calibri" panose="020F0502020204030204" pitchFamily="34" charset="0"/>
+                        <a:ea typeface="SimSun" panose="02010600030101010101" pitchFamily="2" charset="-122"/>
+                        <a:cs typeface="Arial" panose="020B0604020202020204" pitchFamily="34" charset="0"/>
+                      </a:endParaRPr>
+                    </a:p>
+                  </a:txBody>
+                  <a:tcPr marL="68580" marR="68580" marT="0" marB="0" anchor="ctr"/>
+                </a:tc>
+                <a:tc>
+                  <a:txBody>
+                    <a:bodyPr/>
+                    <a:lstStyle/>
+                    <a:p>
+                      <a:pPr marL="0" marR="0">
+                        <a:lnSpc>
+                          <a:spcPct val="110000"/>
+                        </a:lnSpc>
+                        <a:spcBef>
+                          <a:spcPts val="0"/>
+                        </a:spcBef>
+                        <a:spcAft>
+                          <a:spcPts val="0"/>
+                        </a:spcAft>
+                      </a:pPr>
+                      <a:r>
+                        <a:rPr lang="en-US" sz="1600" dirty="0" err="1">
+                          <a:effectLst/>
+                          <a:latin typeface="Calibri" panose="020F0502020204030204" pitchFamily="34" charset="0"/>
+                          <a:ea typeface="Arial" panose="020B0604020202020204" pitchFamily="34" charset="0"/>
+                          <a:cs typeface="Arial" panose="020B0604020202020204" pitchFamily="34" charset="0"/>
+                        </a:rPr>
+                        <a:t>beq</a:t>
+                      </a:r>
+                      <a:r>
+                        <a:rPr lang="en-US" sz="1600" dirty="0">
+                          <a:effectLst/>
+                          <a:latin typeface="Calibri" panose="020F0502020204030204" pitchFamily="34" charset="0"/>
+                          <a:ea typeface="Arial" panose="020B0604020202020204" pitchFamily="34" charset="0"/>
+                          <a:cs typeface="Arial" panose="020B0604020202020204" pitchFamily="34" charset="0"/>
+                        </a:rPr>
+                        <a:t> $s, $t, C</a:t>
+                      </a:r>
+                      <a:endParaRPr lang="en-US" sz="1600" dirty="0">
+                        <a:effectLst/>
+                        <a:latin typeface="Calibri" panose="020F0502020204030204" pitchFamily="34" charset="0"/>
+                        <a:ea typeface="SimSun" panose="02010600030101010101" pitchFamily="2" charset="-122"/>
+                        <a:cs typeface="Arial" panose="020B0604020202020204" pitchFamily="34" charset="0"/>
+                      </a:endParaRPr>
+                    </a:p>
+                  </a:txBody>
+                  <a:tcPr marL="68580" marR="68580" marT="0" marB="0" anchor="ctr"/>
+                </a:tc>
+                <a:tc>
+                  <a:txBody>
+                    <a:bodyPr/>
+                    <a:lstStyle/>
+                    <a:p>
+                      <a:pPr marL="0" marR="0">
+                        <a:lnSpc>
+                          <a:spcPct val="110000"/>
+                        </a:lnSpc>
+                        <a:spcBef>
+                          <a:spcPts val="0"/>
+                        </a:spcBef>
+                        <a:spcAft>
+                          <a:spcPts val="0"/>
+                        </a:spcAft>
+                      </a:pPr>
+                      <a:r>
+                        <a:rPr lang="en-US" sz="1600" dirty="0">
+                          <a:effectLst/>
+                          <a:latin typeface="Calibri" panose="020F0502020204030204" pitchFamily="34" charset="0"/>
+                          <a:ea typeface="Arial" panose="020B0604020202020204" pitchFamily="34" charset="0"/>
+                          <a:cs typeface="Arial" panose="020B0604020202020204" pitchFamily="34" charset="0"/>
+                        </a:rPr>
+                        <a:t>if ($s == $t) </a:t>
+                      </a:r>
+                      <a:r>
+                        <a:rPr lang="en-US" sz="1600" dirty="0" err="1">
+                          <a:effectLst/>
+                          <a:latin typeface="Calibri" panose="020F0502020204030204" pitchFamily="34" charset="0"/>
+                          <a:ea typeface="Arial" panose="020B0604020202020204" pitchFamily="34" charset="0"/>
+                          <a:cs typeface="Arial" panose="020B0604020202020204" pitchFamily="34" charset="0"/>
+                        </a:rPr>
+                        <a:t>goto</a:t>
+                      </a:r>
+                      <a:r>
+                        <a:rPr lang="en-US" sz="1600" dirty="0">
+                          <a:effectLst/>
+                          <a:latin typeface="Calibri" panose="020F0502020204030204" pitchFamily="34" charset="0"/>
+                          <a:ea typeface="Arial" panose="020B0604020202020204" pitchFamily="34" charset="0"/>
+                          <a:cs typeface="Arial" panose="020B0604020202020204" pitchFamily="34" charset="0"/>
+                        </a:rPr>
+                        <a:t> C</a:t>
+                      </a:r>
+                      <a:endParaRPr lang="en-US" sz="1600" dirty="0">
+                        <a:effectLst/>
+                        <a:latin typeface="Calibri" panose="020F0502020204030204" pitchFamily="34" charset="0"/>
+                        <a:ea typeface="SimSun" panose="02010600030101010101" pitchFamily="2" charset="-122"/>
+                        <a:cs typeface="Arial" panose="020B0604020202020204" pitchFamily="34" charset="0"/>
+                      </a:endParaRPr>
+                    </a:p>
+                  </a:txBody>
+                  <a:tcPr marL="68580" marR="68580" marT="0" marB="0" anchor="ctr"/>
+                </a:tc>
+                <a:tc>
+                  <a:txBody>
+                    <a:bodyPr/>
+                    <a:lstStyle/>
+                    <a:p>
+                      <a:pPr marL="0" marR="0" algn="ctr">
+                        <a:lnSpc>
+                          <a:spcPct val="110000"/>
+                        </a:lnSpc>
+                        <a:spcBef>
+                          <a:spcPts val="0"/>
+                        </a:spcBef>
+                        <a:spcAft>
+                          <a:spcPts val="0"/>
+                        </a:spcAft>
+                      </a:pPr>
+                      <a:r>
+                        <a:rPr lang="en-US" sz="1600">
+                          <a:effectLst/>
+                          <a:latin typeface="Calibri" panose="020F0502020204030204" pitchFamily="34" charset="0"/>
+                          <a:ea typeface="Arial" panose="020B0604020202020204" pitchFamily="34" charset="0"/>
+                          <a:cs typeface="Arial" panose="020B0604020202020204" pitchFamily="34" charset="0"/>
+                        </a:rPr>
+                        <a:t>I</a:t>
+                      </a:r>
+                      <a:endParaRPr lang="en-US" sz="1600">
+                        <a:effectLst/>
+                        <a:latin typeface="Calibri" panose="020F0502020204030204" pitchFamily="34" charset="0"/>
+                        <a:ea typeface="SimSun" panose="02010600030101010101" pitchFamily="2" charset="-122"/>
+                        <a:cs typeface="Arial" panose="020B0604020202020204" pitchFamily="34" charset="0"/>
+                      </a:endParaRPr>
+                    </a:p>
+                  </a:txBody>
+                  <a:tcPr marL="68580" marR="68580" marT="0" marB="0" anchor="ctr"/>
+                </a:tc>
+                <a:tc>
+                  <a:txBody>
+                    <a:bodyPr/>
+                    <a:lstStyle/>
+                    <a:p>
+                      <a:pPr marL="0" marR="0" algn="ctr">
+                        <a:lnSpc>
+                          <a:spcPct val="110000"/>
+                        </a:lnSpc>
+                        <a:spcBef>
+                          <a:spcPts val="0"/>
+                        </a:spcBef>
+                        <a:spcAft>
+                          <a:spcPts val="0"/>
+                        </a:spcAft>
+                      </a:pPr>
+                      <a:r>
+                        <a:rPr lang="en-US" sz="1600">
+                          <a:effectLst/>
+                          <a:latin typeface="Calibri" panose="020F0502020204030204" pitchFamily="34" charset="0"/>
+                          <a:ea typeface="Arial" panose="020B0604020202020204" pitchFamily="34" charset="0"/>
+                          <a:cs typeface="Arial" panose="020B0604020202020204" pitchFamily="34" charset="0"/>
+                        </a:rPr>
+                        <a:t>1000</a:t>
+                      </a:r>
+                      <a:endParaRPr lang="en-US" sz="1600">
+                        <a:effectLst/>
+                        <a:latin typeface="Calibri" panose="020F0502020204030204" pitchFamily="34" charset="0"/>
+                        <a:ea typeface="SimSun" panose="02010600030101010101" pitchFamily="2" charset="-122"/>
+                        <a:cs typeface="Arial" panose="020B0604020202020204" pitchFamily="34" charset="0"/>
+                      </a:endParaRPr>
+                    </a:p>
+                  </a:txBody>
+                  <a:tcPr marL="68580" marR="68580" marT="0" marB="0" anchor="ctr"/>
+                </a:tc>
+                <a:tc>
+                  <a:txBody>
+                    <a:bodyPr/>
+                    <a:lstStyle/>
+                    <a:p>
+                      <a:pPr marL="0" marR="0">
+                        <a:lnSpc>
+                          <a:spcPct val="110000"/>
+                        </a:lnSpc>
+                        <a:spcBef>
+                          <a:spcPts val="0"/>
+                        </a:spcBef>
+                        <a:spcAft>
+                          <a:spcPts val="0"/>
+                        </a:spcAft>
+                      </a:pPr>
+                      <a:r>
+                        <a:rPr lang="en-US" sz="1600">
+                          <a:effectLst/>
+                          <a:latin typeface="Courier New" panose="02070309020205020404" pitchFamily="49" charset="0"/>
+                          <a:ea typeface="Arial" panose="020B0604020202020204" pitchFamily="34" charset="0"/>
+                          <a:cs typeface="Arial" panose="020B0604020202020204" pitchFamily="34" charset="0"/>
+                        </a:rPr>
+                        <a:t>1000 sstt CCCC CCCC</a:t>
+                      </a:r>
+                      <a:endParaRPr lang="en-US" sz="1600">
+                        <a:effectLst/>
+                        <a:latin typeface="Calibri" panose="020F0502020204030204" pitchFamily="34" charset="0"/>
+                        <a:ea typeface="SimSun" panose="02010600030101010101" pitchFamily="2" charset="-122"/>
+                        <a:cs typeface="Arial" panose="020B0604020202020204" pitchFamily="34" charset="0"/>
+                      </a:endParaRPr>
+                    </a:p>
+                  </a:txBody>
+                  <a:tcPr marL="68580" marR="68580" marT="0" marB="0" anchor="ctr"/>
+                </a:tc>
+              </a:tr>
+              <a:tr h="370840">
+                <a:tc>
+                  <a:txBody>
+                    <a:bodyPr/>
+                    <a:lstStyle/>
+                    <a:p>
+                      <a:pPr marL="0" marR="0">
+                        <a:lnSpc>
+                          <a:spcPct val="110000"/>
+                        </a:lnSpc>
+                        <a:spcBef>
+                          <a:spcPts val="0"/>
+                        </a:spcBef>
+                        <a:spcAft>
+                          <a:spcPts val="0"/>
+                        </a:spcAft>
+                      </a:pPr>
+                      <a:r>
+                        <a:rPr lang="en-US" sz="1600" b="1" dirty="0">
+                          <a:effectLst/>
+                          <a:latin typeface="Calibri" panose="020F0502020204030204" pitchFamily="34" charset="0"/>
+                          <a:ea typeface="Arial" panose="020B0604020202020204" pitchFamily="34" charset="0"/>
+                          <a:cs typeface="Arial" panose="020B0604020202020204" pitchFamily="34" charset="0"/>
+                        </a:rPr>
+                        <a:t>Branch on not equal</a:t>
+                      </a:r>
+                      <a:endParaRPr lang="en-US" sz="1600" dirty="0">
+                        <a:effectLst/>
+                        <a:latin typeface="Calibri" panose="020F0502020204030204" pitchFamily="34" charset="0"/>
+                        <a:ea typeface="SimSun" panose="02010600030101010101" pitchFamily="2" charset="-122"/>
+                        <a:cs typeface="Arial" panose="020B0604020202020204" pitchFamily="34" charset="0"/>
+                      </a:endParaRPr>
+                    </a:p>
+                  </a:txBody>
+                  <a:tcPr marL="68580" marR="68580" marT="0" marB="0" anchor="ctr"/>
+                </a:tc>
+                <a:tc>
+                  <a:txBody>
+                    <a:bodyPr/>
+                    <a:lstStyle/>
+                    <a:p>
+                      <a:pPr marL="0" marR="0">
+                        <a:lnSpc>
+                          <a:spcPct val="110000"/>
+                        </a:lnSpc>
+                        <a:spcBef>
+                          <a:spcPts val="0"/>
+                        </a:spcBef>
+                        <a:spcAft>
+                          <a:spcPts val="0"/>
+                        </a:spcAft>
+                      </a:pPr>
+                      <a:r>
+                        <a:rPr lang="en-US" sz="1600">
+                          <a:effectLst/>
+                          <a:latin typeface="Calibri" panose="020F0502020204030204" pitchFamily="34" charset="0"/>
+                          <a:ea typeface="Arial" panose="020B0604020202020204" pitchFamily="34" charset="0"/>
+                          <a:cs typeface="Arial" panose="020B0604020202020204" pitchFamily="34" charset="0"/>
+                        </a:rPr>
+                        <a:t>bne $s, $t, C</a:t>
+                      </a:r>
+                      <a:endParaRPr lang="en-US" sz="1600">
+                        <a:effectLst/>
+                        <a:latin typeface="Calibri" panose="020F0502020204030204" pitchFamily="34" charset="0"/>
+                        <a:ea typeface="SimSun" panose="02010600030101010101" pitchFamily="2" charset="-122"/>
+                        <a:cs typeface="Arial" panose="020B0604020202020204" pitchFamily="34" charset="0"/>
+                      </a:endParaRPr>
+                    </a:p>
+                  </a:txBody>
+                  <a:tcPr marL="68580" marR="68580" marT="0" marB="0" anchor="ctr"/>
+                </a:tc>
+                <a:tc>
+                  <a:txBody>
+                    <a:bodyPr/>
+                    <a:lstStyle/>
+                    <a:p>
+                      <a:pPr marL="0" marR="0">
+                        <a:lnSpc>
+                          <a:spcPct val="110000"/>
+                        </a:lnSpc>
+                        <a:spcBef>
+                          <a:spcPts val="0"/>
+                        </a:spcBef>
+                        <a:spcAft>
+                          <a:spcPts val="0"/>
+                        </a:spcAft>
+                      </a:pPr>
+                      <a:r>
+                        <a:rPr lang="en-US" sz="1600">
+                          <a:effectLst/>
+                          <a:latin typeface="Calibri" panose="020F0502020204030204" pitchFamily="34" charset="0"/>
+                          <a:ea typeface="Arial" panose="020B0604020202020204" pitchFamily="34" charset="0"/>
+                          <a:cs typeface="Arial" panose="020B0604020202020204" pitchFamily="34" charset="0"/>
+                        </a:rPr>
+                        <a:t>if ($s != $t) goto C</a:t>
+                      </a:r>
+                      <a:endParaRPr lang="en-US" sz="1600">
+                        <a:effectLst/>
+                        <a:latin typeface="Calibri" panose="020F0502020204030204" pitchFamily="34" charset="0"/>
+                        <a:ea typeface="SimSun" panose="02010600030101010101" pitchFamily="2" charset="-122"/>
+                        <a:cs typeface="Arial" panose="020B0604020202020204" pitchFamily="34" charset="0"/>
+                      </a:endParaRPr>
+                    </a:p>
+                  </a:txBody>
+                  <a:tcPr marL="68580" marR="68580" marT="0" marB="0" anchor="ctr"/>
+                </a:tc>
+                <a:tc>
+                  <a:txBody>
+                    <a:bodyPr/>
+                    <a:lstStyle/>
+                    <a:p>
+                      <a:pPr marL="0" marR="0" algn="ctr">
+                        <a:lnSpc>
+                          <a:spcPct val="110000"/>
+                        </a:lnSpc>
+                        <a:spcBef>
+                          <a:spcPts val="0"/>
+                        </a:spcBef>
+                        <a:spcAft>
+                          <a:spcPts val="0"/>
+                        </a:spcAft>
+                      </a:pPr>
+                      <a:r>
+                        <a:rPr lang="en-US" sz="1600">
+                          <a:effectLst/>
+                          <a:latin typeface="Calibri" panose="020F0502020204030204" pitchFamily="34" charset="0"/>
+                          <a:ea typeface="Arial" panose="020B0604020202020204" pitchFamily="34" charset="0"/>
+                          <a:cs typeface="Arial" panose="020B0604020202020204" pitchFamily="34" charset="0"/>
+                        </a:rPr>
+                        <a:t>I</a:t>
+                      </a:r>
+                      <a:endParaRPr lang="en-US" sz="1600">
+                        <a:effectLst/>
+                        <a:latin typeface="Calibri" panose="020F0502020204030204" pitchFamily="34" charset="0"/>
+                        <a:ea typeface="SimSun" panose="02010600030101010101" pitchFamily="2" charset="-122"/>
+                        <a:cs typeface="Arial" panose="020B0604020202020204" pitchFamily="34" charset="0"/>
+                      </a:endParaRPr>
+                    </a:p>
+                  </a:txBody>
+                  <a:tcPr marL="68580" marR="68580" marT="0" marB="0" anchor="ctr"/>
+                </a:tc>
+                <a:tc>
+                  <a:txBody>
+                    <a:bodyPr/>
+                    <a:lstStyle/>
+                    <a:p>
+                      <a:pPr marL="0" marR="0" algn="ctr">
+                        <a:lnSpc>
+                          <a:spcPct val="110000"/>
+                        </a:lnSpc>
+                        <a:spcBef>
+                          <a:spcPts val="0"/>
+                        </a:spcBef>
+                        <a:spcAft>
+                          <a:spcPts val="0"/>
+                        </a:spcAft>
+                      </a:pPr>
+                      <a:r>
+                        <a:rPr lang="en-US" sz="1600" dirty="0">
+                          <a:effectLst/>
+                          <a:latin typeface="Calibri" panose="020F0502020204030204" pitchFamily="34" charset="0"/>
+                          <a:ea typeface="Arial" panose="020B0604020202020204" pitchFamily="34" charset="0"/>
+                          <a:cs typeface="Arial" panose="020B0604020202020204" pitchFamily="34" charset="0"/>
+                        </a:rPr>
+                        <a:t>1001</a:t>
+                      </a:r>
+                      <a:endParaRPr lang="en-US" sz="1600" dirty="0">
+                        <a:effectLst/>
+                        <a:latin typeface="Calibri" panose="020F0502020204030204" pitchFamily="34" charset="0"/>
+                        <a:ea typeface="SimSun" panose="02010600030101010101" pitchFamily="2" charset="-122"/>
+                        <a:cs typeface="Arial" panose="020B0604020202020204" pitchFamily="34" charset="0"/>
+                      </a:endParaRPr>
+                    </a:p>
+                  </a:txBody>
+                  <a:tcPr marL="68580" marR="68580" marT="0" marB="0" anchor="ctr"/>
+                </a:tc>
+                <a:tc>
+                  <a:txBody>
+                    <a:bodyPr/>
+                    <a:lstStyle/>
+                    <a:p>
+                      <a:pPr marL="0" marR="0">
+                        <a:lnSpc>
+                          <a:spcPct val="110000"/>
+                        </a:lnSpc>
+                        <a:spcBef>
+                          <a:spcPts val="0"/>
+                        </a:spcBef>
+                        <a:spcAft>
+                          <a:spcPts val="0"/>
+                        </a:spcAft>
+                      </a:pPr>
+                      <a:r>
+                        <a:rPr lang="en-US" sz="1600" dirty="0">
+                          <a:effectLst/>
+                          <a:latin typeface="Courier New" panose="02070309020205020404" pitchFamily="49" charset="0"/>
+                          <a:ea typeface="Arial" panose="020B0604020202020204" pitchFamily="34" charset="0"/>
+                          <a:cs typeface="Arial" panose="020B0604020202020204" pitchFamily="34" charset="0"/>
+                        </a:rPr>
+                        <a:t>1001 </a:t>
+                      </a:r>
+                      <a:r>
+                        <a:rPr lang="en-US" sz="1600" dirty="0" err="1">
+                          <a:effectLst/>
+                          <a:latin typeface="Courier New" panose="02070309020205020404" pitchFamily="49" charset="0"/>
+                          <a:ea typeface="Arial" panose="020B0604020202020204" pitchFamily="34" charset="0"/>
+                          <a:cs typeface="Arial" panose="020B0604020202020204" pitchFamily="34" charset="0"/>
+                        </a:rPr>
+                        <a:t>sstt</a:t>
+                      </a:r>
+                      <a:r>
+                        <a:rPr lang="en-US" sz="1600" dirty="0">
+                          <a:effectLst/>
+                          <a:latin typeface="Courier New" panose="02070309020205020404" pitchFamily="49" charset="0"/>
+                          <a:ea typeface="Arial" panose="020B0604020202020204" pitchFamily="34" charset="0"/>
+                          <a:cs typeface="Arial" panose="020B0604020202020204" pitchFamily="34" charset="0"/>
+                        </a:rPr>
+                        <a:t> CCCC </a:t>
+                      </a:r>
+                      <a:r>
+                        <a:rPr lang="en-US" sz="1600" dirty="0" err="1">
+                          <a:effectLst/>
+                          <a:latin typeface="Courier New" panose="02070309020205020404" pitchFamily="49" charset="0"/>
+                          <a:ea typeface="Arial" panose="020B0604020202020204" pitchFamily="34" charset="0"/>
+                          <a:cs typeface="Arial" panose="020B0604020202020204" pitchFamily="34" charset="0"/>
+                        </a:rPr>
+                        <a:t>CCCC</a:t>
+                      </a:r>
+                      <a:endParaRPr lang="en-US" sz="1600" dirty="0">
+                        <a:effectLst/>
+                        <a:latin typeface="Calibri" panose="020F0502020204030204" pitchFamily="34" charset="0"/>
+                        <a:ea typeface="SimSun" panose="02010600030101010101" pitchFamily="2" charset="-122"/>
+                        <a:cs typeface="Arial" panose="020B0604020202020204" pitchFamily="34" charset="0"/>
+                      </a:endParaRPr>
+                    </a:p>
+                  </a:txBody>
+                  <a:tcPr marL="68580" marR="68580" marT="0" marB="0" anchor="ctr"/>
+                </a:tc>
+              </a:tr>
+              <a:tr h="370840">
+                <a:tc>
+                  <a:txBody>
+                    <a:bodyPr/>
+                    <a:lstStyle/>
+                    <a:p>
+                      <a:pPr marL="0" marR="0">
+                        <a:lnSpc>
+                          <a:spcPct val="110000"/>
+                        </a:lnSpc>
+                        <a:spcBef>
+                          <a:spcPts val="0"/>
+                        </a:spcBef>
+                        <a:spcAft>
+                          <a:spcPts val="0"/>
+                        </a:spcAft>
+                      </a:pPr>
+                      <a:r>
+                        <a:rPr lang="en-US" sz="1600" b="1">
+                          <a:effectLst/>
+                          <a:latin typeface="Calibri" panose="020F0502020204030204" pitchFamily="34" charset="0"/>
+                          <a:ea typeface="Arial" panose="020B0604020202020204" pitchFamily="34" charset="0"/>
+                          <a:cs typeface="Arial" panose="020B0604020202020204" pitchFamily="34" charset="0"/>
+                        </a:rPr>
+                        <a:t>Shift left logical</a:t>
+                      </a:r>
+                      <a:endParaRPr lang="en-US" sz="1600">
+                        <a:effectLst/>
+                        <a:latin typeface="Calibri" panose="020F0502020204030204" pitchFamily="34" charset="0"/>
+                        <a:ea typeface="SimSun" panose="02010600030101010101" pitchFamily="2" charset="-122"/>
+                        <a:cs typeface="Arial" panose="020B0604020202020204" pitchFamily="34" charset="0"/>
+                      </a:endParaRPr>
+                    </a:p>
+                  </a:txBody>
+                  <a:tcPr marL="68580" marR="68580" marT="0" marB="0" anchor="ctr"/>
+                </a:tc>
+                <a:tc>
+                  <a:txBody>
+                    <a:bodyPr/>
+                    <a:lstStyle/>
+                    <a:p>
+                      <a:pPr marL="0" marR="0">
+                        <a:lnSpc>
+                          <a:spcPct val="110000"/>
+                        </a:lnSpc>
+                        <a:spcBef>
+                          <a:spcPts val="0"/>
+                        </a:spcBef>
+                        <a:spcAft>
+                          <a:spcPts val="0"/>
+                        </a:spcAft>
+                      </a:pPr>
+                      <a:r>
+                        <a:rPr lang="en-US" sz="1600">
+                          <a:effectLst/>
+                          <a:latin typeface="Calibri" panose="020F0502020204030204" pitchFamily="34" charset="0"/>
+                          <a:ea typeface="Arial" panose="020B0604020202020204" pitchFamily="34" charset="0"/>
+                          <a:cs typeface="Arial" panose="020B0604020202020204" pitchFamily="34" charset="0"/>
+                        </a:rPr>
+                        <a:t>sll $d, $t, shamt</a:t>
+                      </a:r>
+                      <a:endParaRPr lang="en-US" sz="1600">
+                        <a:effectLst/>
+                        <a:latin typeface="Calibri" panose="020F0502020204030204" pitchFamily="34" charset="0"/>
+                        <a:ea typeface="SimSun" panose="02010600030101010101" pitchFamily="2" charset="-122"/>
+                        <a:cs typeface="Arial" panose="020B0604020202020204" pitchFamily="34" charset="0"/>
+                      </a:endParaRPr>
+                    </a:p>
+                  </a:txBody>
+                  <a:tcPr marL="68580" marR="68580" marT="0" marB="0" anchor="ctr"/>
+                </a:tc>
+                <a:tc>
+                  <a:txBody>
+                    <a:bodyPr/>
+                    <a:lstStyle/>
+                    <a:p>
+                      <a:pPr marL="0" marR="0">
+                        <a:lnSpc>
+                          <a:spcPct val="110000"/>
+                        </a:lnSpc>
+                        <a:spcBef>
+                          <a:spcPts val="0"/>
+                        </a:spcBef>
+                        <a:spcAft>
+                          <a:spcPts val="0"/>
+                        </a:spcAft>
+                      </a:pPr>
+                      <a:r>
+                        <a:rPr lang="en-US" sz="1600">
+                          <a:effectLst/>
+                          <a:latin typeface="Calibri" panose="020F0502020204030204" pitchFamily="34" charset="0"/>
+                          <a:ea typeface="Arial" panose="020B0604020202020204" pitchFamily="34" charset="0"/>
+                          <a:cs typeface="Arial" panose="020B0604020202020204" pitchFamily="34" charset="0"/>
+                        </a:rPr>
+                        <a:t>$d </a:t>
+                      </a:r>
+                      <a:r>
+                        <a:rPr lang="en-US" sz="1600">
+                          <a:effectLst/>
+                          <a:latin typeface="Calibri" panose="020F0502020204030204" pitchFamily="34" charset="0"/>
+                          <a:ea typeface="Arial" panose="020B0604020202020204" pitchFamily="34" charset="0"/>
+                          <a:cs typeface="Arial" panose="020B0604020202020204" pitchFamily="34" charset="0"/>
+                          <a:sym typeface="Wingdings" panose="05000000000000000000" pitchFamily="2" charset="2"/>
+                        </a:rPr>
+                        <a:t></a:t>
+                      </a:r>
+                      <a:r>
+                        <a:rPr lang="en-US" sz="1600">
+                          <a:effectLst/>
+                          <a:latin typeface="Calibri" panose="020F0502020204030204" pitchFamily="34" charset="0"/>
+                          <a:ea typeface="Arial" panose="020B0604020202020204" pitchFamily="34" charset="0"/>
+                          <a:cs typeface="Arial" panose="020B0604020202020204" pitchFamily="34" charset="0"/>
+                        </a:rPr>
+                        <a:t> $t &lt;&lt; shamt</a:t>
+                      </a:r>
+                      <a:endParaRPr lang="en-US" sz="1600">
+                        <a:effectLst/>
+                        <a:latin typeface="Calibri" panose="020F0502020204030204" pitchFamily="34" charset="0"/>
+                        <a:ea typeface="SimSun" panose="02010600030101010101" pitchFamily="2" charset="-122"/>
+                        <a:cs typeface="Arial" panose="020B0604020202020204" pitchFamily="34" charset="0"/>
+                      </a:endParaRPr>
+                    </a:p>
+                  </a:txBody>
+                  <a:tcPr marL="68580" marR="68580" marT="0" marB="0" anchor="ctr"/>
+                </a:tc>
+                <a:tc>
+                  <a:txBody>
+                    <a:bodyPr/>
+                    <a:lstStyle/>
+                    <a:p>
+                      <a:pPr marL="0" marR="0" algn="ctr">
+                        <a:lnSpc>
+                          <a:spcPct val="110000"/>
+                        </a:lnSpc>
+                        <a:spcBef>
+                          <a:spcPts val="0"/>
+                        </a:spcBef>
+                        <a:spcAft>
+                          <a:spcPts val="0"/>
+                        </a:spcAft>
+                      </a:pPr>
+                      <a:r>
+                        <a:rPr lang="en-US" sz="1600">
+                          <a:effectLst/>
+                          <a:latin typeface="Calibri" panose="020F0502020204030204" pitchFamily="34" charset="0"/>
+                          <a:ea typeface="Arial" panose="020B0604020202020204" pitchFamily="34" charset="0"/>
+                          <a:cs typeface="Arial" panose="020B0604020202020204" pitchFamily="34" charset="0"/>
+                        </a:rPr>
+                        <a:t>R</a:t>
+                      </a:r>
+                      <a:endParaRPr lang="en-US" sz="1600">
+                        <a:effectLst/>
+                        <a:latin typeface="Calibri" panose="020F0502020204030204" pitchFamily="34" charset="0"/>
+                        <a:ea typeface="SimSun" panose="02010600030101010101" pitchFamily="2" charset="-122"/>
+                        <a:cs typeface="Arial" panose="020B0604020202020204" pitchFamily="34" charset="0"/>
+                      </a:endParaRPr>
+                    </a:p>
+                  </a:txBody>
+                  <a:tcPr marL="68580" marR="68580" marT="0" marB="0" anchor="ctr"/>
+                </a:tc>
+                <a:tc>
+                  <a:txBody>
+                    <a:bodyPr/>
+                    <a:lstStyle/>
+                    <a:p>
+                      <a:pPr marL="0" marR="0" algn="ctr">
+                        <a:lnSpc>
+                          <a:spcPct val="110000"/>
+                        </a:lnSpc>
+                        <a:spcBef>
+                          <a:spcPts val="0"/>
+                        </a:spcBef>
+                        <a:spcAft>
+                          <a:spcPts val="0"/>
+                        </a:spcAft>
+                      </a:pPr>
+                      <a:r>
+                        <a:rPr lang="en-US" sz="1600">
+                          <a:effectLst/>
+                          <a:latin typeface="Calibri" panose="020F0502020204030204" pitchFamily="34" charset="0"/>
+                          <a:ea typeface="Arial" panose="020B0604020202020204" pitchFamily="34" charset="0"/>
+                          <a:cs typeface="Arial" panose="020B0604020202020204" pitchFamily="34" charset="0"/>
+                        </a:rPr>
+                        <a:t>1010</a:t>
+                      </a:r>
+                      <a:endParaRPr lang="en-US" sz="1600">
+                        <a:effectLst/>
+                        <a:latin typeface="Calibri" panose="020F0502020204030204" pitchFamily="34" charset="0"/>
+                        <a:ea typeface="SimSun" panose="02010600030101010101" pitchFamily="2" charset="-122"/>
+                        <a:cs typeface="Arial" panose="020B0604020202020204" pitchFamily="34" charset="0"/>
+                      </a:endParaRPr>
+                    </a:p>
+                  </a:txBody>
+                  <a:tcPr marL="68580" marR="68580" marT="0" marB="0" anchor="ctr"/>
+                </a:tc>
+                <a:tc>
+                  <a:txBody>
+                    <a:bodyPr/>
+                    <a:lstStyle/>
+                    <a:p>
+                      <a:pPr marL="0" marR="0">
+                        <a:lnSpc>
+                          <a:spcPct val="110000"/>
+                        </a:lnSpc>
+                        <a:spcBef>
+                          <a:spcPts val="0"/>
+                        </a:spcBef>
+                        <a:spcAft>
+                          <a:spcPts val="0"/>
+                        </a:spcAft>
+                      </a:pPr>
+                      <a:r>
+                        <a:rPr lang="en-US" sz="1600" dirty="0">
+                          <a:effectLst/>
+                          <a:latin typeface="Courier New" panose="02070309020205020404" pitchFamily="49" charset="0"/>
+                          <a:ea typeface="Arial" panose="020B0604020202020204" pitchFamily="34" charset="0"/>
+                          <a:cs typeface="Arial" panose="020B0604020202020204" pitchFamily="34" charset="0"/>
+                        </a:rPr>
+                        <a:t>1010 --</a:t>
+                      </a:r>
+                      <a:r>
+                        <a:rPr lang="en-US" sz="1600" dirty="0" err="1">
+                          <a:effectLst/>
+                          <a:latin typeface="Courier New" panose="02070309020205020404" pitchFamily="49" charset="0"/>
+                          <a:ea typeface="Arial" panose="020B0604020202020204" pitchFamily="34" charset="0"/>
+                          <a:cs typeface="Arial" panose="020B0604020202020204" pitchFamily="34" charset="0"/>
+                        </a:rPr>
+                        <a:t>tt</a:t>
+                      </a:r>
+                      <a:r>
+                        <a:rPr lang="en-US" sz="1600" dirty="0">
+                          <a:effectLst/>
+                          <a:latin typeface="Courier New" panose="02070309020205020404" pitchFamily="49" charset="0"/>
+                          <a:ea typeface="Arial" panose="020B0604020202020204" pitchFamily="34" charset="0"/>
+                          <a:cs typeface="Arial" panose="020B0604020202020204" pitchFamily="34" charset="0"/>
+                        </a:rPr>
+                        <a:t> </a:t>
+                      </a:r>
+                      <a:r>
+                        <a:rPr lang="en-US" sz="1600" dirty="0" err="1">
+                          <a:effectLst/>
+                          <a:latin typeface="Courier New" panose="02070309020205020404" pitchFamily="49" charset="0"/>
+                          <a:ea typeface="Arial" panose="020B0604020202020204" pitchFamily="34" charset="0"/>
+                          <a:cs typeface="Arial" panose="020B0604020202020204" pitchFamily="34" charset="0"/>
+                        </a:rPr>
+                        <a:t>ddaa</a:t>
+                      </a:r>
+                      <a:r>
+                        <a:rPr lang="en-US" sz="1600" dirty="0">
+                          <a:effectLst/>
+                          <a:latin typeface="Courier New" panose="02070309020205020404" pitchFamily="49" charset="0"/>
+                          <a:ea typeface="Arial" panose="020B0604020202020204" pitchFamily="34" charset="0"/>
+                          <a:cs typeface="Arial" panose="020B0604020202020204" pitchFamily="34" charset="0"/>
+                        </a:rPr>
+                        <a:t> </a:t>
+                      </a:r>
+                      <a:r>
+                        <a:rPr lang="en-US" sz="1600" dirty="0" err="1">
+                          <a:effectLst/>
+                          <a:latin typeface="Courier New" panose="02070309020205020404" pitchFamily="49" charset="0"/>
+                          <a:ea typeface="Arial" panose="020B0604020202020204" pitchFamily="34" charset="0"/>
+                          <a:cs typeface="Arial" panose="020B0604020202020204" pitchFamily="34" charset="0"/>
+                        </a:rPr>
+                        <a:t>aa</a:t>
+                      </a:r>
+                      <a:r>
+                        <a:rPr lang="en-US" sz="1600" dirty="0">
+                          <a:effectLst/>
+                          <a:latin typeface="Courier New" panose="02070309020205020404" pitchFamily="49" charset="0"/>
+                          <a:ea typeface="Arial" panose="020B0604020202020204" pitchFamily="34" charset="0"/>
+                          <a:cs typeface="Arial" panose="020B0604020202020204" pitchFamily="34" charset="0"/>
+                        </a:rPr>
+                        <a:t>--</a:t>
+                      </a:r>
+                      <a:endParaRPr lang="en-US" sz="1600" dirty="0">
+                        <a:effectLst/>
+                        <a:latin typeface="Calibri" panose="020F0502020204030204" pitchFamily="34" charset="0"/>
+                        <a:ea typeface="SimSun" panose="02010600030101010101" pitchFamily="2" charset="-122"/>
+                        <a:cs typeface="Arial" panose="020B0604020202020204" pitchFamily="34" charset="0"/>
+                      </a:endParaRPr>
+                    </a:p>
+                  </a:txBody>
+                  <a:tcPr marL="68580" marR="68580" marT="0" marB="0" anchor="ctr"/>
+                </a:tc>
+              </a:tr>
+              <a:tr h="370840">
+                <a:tc>
+                  <a:txBody>
+                    <a:bodyPr/>
+                    <a:lstStyle/>
+                    <a:p>
+                      <a:pPr marL="0" marR="0">
+                        <a:lnSpc>
+                          <a:spcPct val="110000"/>
+                        </a:lnSpc>
+                        <a:spcBef>
+                          <a:spcPts val="0"/>
+                        </a:spcBef>
+                        <a:spcAft>
+                          <a:spcPts val="0"/>
+                        </a:spcAft>
+                      </a:pPr>
+                      <a:r>
+                        <a:rPr lang="en-US" sz="1600" b="1">
+                          <a:effectLst/>
+                          <a:latin typeface="Calibri" panose="020F0502020204030204" pitchFamily="34" charset="0"/>
+                          <a:ea typeface="Arial" panose="020B0604020202020204" pitchFamily="34" charset="0"/>
+                          <a:cs typeface="Arial" panose="020B0604020202020204" pitchFamily="34" charset="0"/>
+                        </a:rPr>
+                        <a:t>Shift right logical</a:t>
+                      </a:r>
+                      <a:endParaRPr lang="en-US" sz="1600">
+                        <a:effectLst/>
+                        <a:latin typeface="Calibri" panose="020F0502020204030204" pitchFamily="34" charset="0"/>
+                        <a:ea typeface="SimSun" panose="02010600030101010101" pitchFamily="2" charset="-122"/>
+                        <a:cs typeface="Arial" panose="020B0604020202020204" pitchFamily="34" charset="0"/>
+                      </a:endParaRPr>
+                    </a:p>
+                  </a:txBody>
+                  <a:tcPr marL="68580" marR="68580" marT="0" marB="0" anchor="ctr"/>
+                </a:tc>
+                <a:tc>
+                  <a:txBody>
+                    <a:bodyPr/>
+                    <a:lstStyle/>
+                    <a:p>
+                      <a:pPr marL="0" marR="0">
+                        <a:lnSpc>
+                          <a:spcPct val="110000"/>
+                        </a:lnSpc>
+                        <a:spcBef>
+                          <a:spcPts val="0"/>
+                        </a:spcBef>
+                        <a:spcAft>
+                          <a:spcPts val="0"/>
+                        </a:spcAft>
+                      </a:pPr>
+                      <a:r>
+                        <a:rPr lang="en-US" sz="1600">
+                          <a:effectLst/>
+                          <a:latin typeface="Calibri" panose="020F0502020204030204" pitchFamily="34" charset="0"/>
+                          <a:ea typeface="Arial" panose="020B0604020202020204" pitchFamily="34" charset="0"/>
+                          <a:cs typeface="Arial" panose="020B0604020202020204" pitchFamily="34" charset="0"/>
+                        </a:rPr>
+                        <a:t>srl $d, $t, shamt</a:t>
+                      </a:r>
+                      <a:endParaRPr lang="en-US" sz="1600">
+                        <a:effectLst/>
+                        <a:latin typeface="Calibri" panose="020F0502020204030204" pitchFamily="34" charset="0"/>
+                        <a:ea typeface="SimSun" panose="02010600030101010101" pitchFamily="2" charset="-122"/>
+                        <a:cs typeface="Arial" panose="020B0604020202020204" pitchFamily="34" charset="0"/>
+                      </a:endParaRPr>
+                    </a:p>
+                  </a:txBody>
+                  <a:tcPr marL="68580" marR="68580" marT="0" marB="0" anchor="ctr"/>
+                </a:tc>
+                <a:tc>
+                  <a:txBody>
+                    <a:bodyPr/>
+                    <a:lstStyle/>
+                    <a:p>
+                      <a:pPr marL="0" marR="0">
+                        <a:lnSpc>
+                          <a:spcPct val="110000"/>
+                        </a:lnSpc>
+                        <a:spcBef>
+                          <a:spcPts val="0"/>
+                        </a:spcBef>
+                        <a:spcAft>
+                          <a:spcPts val="0"/>
+                        </a:spcAft>
+                      </a:pPr>
+                      <a:r>
+                        <a:rPr lang="en-US" sz="1600">
+                          <a:effectLst/>
+                          <a:latin typeface="Calibri" panose="020F0502020204030204" pitchFamily="34" charset="0"/>
+                          <a:ea typeface="Arial" panose="020B0604020202020204" pitchFamily="34" charset="0"/>
+                          <a:cs typeface="Arial" panose="020B0604020202020204" pitchFamily="34" charset="0"/>
+                        </a:rPr>
+                        <a:t>$d </a:t>
+                      </a:r>
+                      <a:r>
+                        <a:rPr lang="en-US" sz="1600">
+                          <a:effectLst/>
+                          <a:latin typeface="Calibri" panose="020F0502020204030204" pitchFamily="34" charset="0"/>
+                          <a:ea typeface="Arial" panose="020B0604020202020204" pitchFamily="34" charset="0"/>
+                          <a:cs typeface="Arial" panose="020B0604020202020204" pitchFamily="34" charset="0"/>
+                          <a:sym typeface="Wingdings" panose="05000000000000000000" pitchFamily="2" charset="2"/>
+                        </a:rPr>
+                        <a:t></a:t>
+                      </a:r>
+                      <a:r>
+                        <a:rPr lang="en-US" sz="1600">
+                          <a:effectLst/>
+                          <a:latin typeface="Calibri" panose="020F0502020204030204" pitchFamily="34" charset="0"/>
+                          <a:ea typeface="Arial" panose="020B0604020202020204" pitchFamily="34" charset="0"/>
+                          <a:cs typeface="Arial" panose="020B0604020202020204" pitchFamily="34" charset="0"/>
+                        </a:rPr>
+                        <a:t> $t &gt;&gt; shamt</a:t>
+                      </a:r>
+                      <a:endParaRPr lang="en-US" sz="1600">
+                        <a:effectLst/>
+                        <a:latin typeface="Calibri" panose="020F0502020204030204" pitchFamily="34" charset="0"/>
+                        <a:ea typeface="SimSun" panose="02010600030101010101" pitchFamily="2" charset="-122"/>
+                        <a:cs typeface="Arial" panose="020B0604020202020204" pitchFamily="34" charset="0"/>
+                      </a:endParaRPr>
+                    </a:p>
+                  </a:txBody>
+                  <a:tcPr marL="68580" marR="68580" marT="0" marB="0" anchor="ctr"/>
+                </a:tc>
+                <a:tc>
+                  <a:txBody>
+                    <a:bodyPr/>
+                    <a:lstStyle/>
+                    <a:p>
+                      <a:pPr marL="0" marR="0" algn="ctr">
+                        <a:lnSpc>
+                          <a:spcPct val="110000"/>
+                        </a:lnSpc>
+                        <a:spcBef>
+                          <a:spcPts val="0"/>
+                        </a:spcBef>
+                        <a:spcAft>
+                          <a:spcPts val="0"/>
+                        </a:spcAft>
+                      </a:pPr>
+                      <a:r>
+                        <a:rPr lang="en-US" sz="1600">
+                          <a:effectLst/>
+                          <a:latin typeface="Calibri" panose="020F0502020204030204" pitchFamily="34" charset="0"/>
+                          <a:ea typeface="Arial" panose="020B0604020202020204" pitchFamily="34" charset="0"/>
+                          <a:cs typeface="Arial" panose="020B0604020202020204" pitchFamily="34" charset="0"/>
+                        </a:rPr>
+                        <a:t>R</a:t>
+                      </a:r>
+                      <a:endParaRPr lang="en-US" sz="1600">
+                        <a:effectLst/>
+                        <a:latin typeface="Calibri" panose="020F0502020204030204" pitchFamily="34" charset="0"/>
+                        <a:ea typeface="SimSun" panose="02010600030101010101" pitchFamily="2" charset="-122"/>
+                        <a:cs typeface="Arial" panose="020B0604020202020204" pitchFamily="34" charset="0"/>
+                      </a:endParaRPr>
+                    </a:p>
+                  </a:txBody>
+                  <a:tcPr marL="68580" marR="68580" marT="0" marB="0" anchor="ctr"/>
+                </a:tc>
+                <a:tc>
+                  <a:txBody>
+                    <a:bodyPr/>
+                    <a:lstStyle/>
+                    <a:p>
+                      <a:pPr marL="0" marR="0" algn="ctr">
+                        <a:lnSpc>
+                          <a:spcPct val="110000"/>
+                        </a:lnSpc>
+                        <a:spcBef>
+                          <a:spcPts val="0"/>
+                        </a:spcBef>
+                        <a:spcAft>
+                          <a:spcPts val="0"/>
+                        </a:spcAft>
+                      </a:pPr>
+                      <a:r>
+                        <a:rPr lang="en-US" sz="1600">
+                          <a:effectLst/>
+                          <a:latin typeface="Calibri" panose="020F0502020204030204" pitchFamily="34" charset="0"/>
+                          <a:ea typeface="Arial" panose="020B0604020202020204" pitchFamily="34" charset="0"/>
+                          <a:cs typeface="Arial" panose="020B0604020202020204" pitchFamily="34" charset="0"/>
+                        </a:rPr>
+                        <a:t>1011</a:t>
+                      </a:r>
+                      <a:endParaRPr lang="en-US" sz="1600">
+                        <a:effectLst/>
+                        <a:latin typeface="Calibri" panose="020F0502020204030204" pitchFamily="34" charset="0"/>
+                        <a:ea typeface="SimSun" panose="02010600030101010101" pitchFamily="2" charset="-122"/>
+                        <a:cs typeface="Arial" panose="020B0604020202020204" pitchFamily="34" charset="0"/>
+                      </a:endParaRPr>
+                    </a:p>
+                  </a:txBody>
+                  <a:tcPr marL="68580" marR="68580" marT="0" marB="0" anchor="ctr"/>
+                </a:tc>
+                <a:tc>
+                  <a:txBody>
+                    <a:bodyPr/>
+                    <a:lstStyle/>
+                    <a:p>
+                      <a:pPr marL="0" marR="0">
+                        <a:lnSpc>
+                          <a:spcPct val="110000"/>
+                        </a:lnSpc>
+                        <a:spcBef>
+                          <a:spcPts val="0"/>
+                        </a:spcBef>
+                        <a:spcAft>
+                          <a:spcPts val="0"/>
+                        </a:spcAft>
+                      </a:pPr>
+                      <a:r>
+                        <a:rPr lang="en-US" sz="1600" dirty="0">
+                          <a:effectLst/>
+                          <a:latin typeface="Courier New" panose="02070309020205020404" pitchFamily="49" charset="0"/>
+                          <a:ea typeface="Arial" panose="020B0604020202020204" pitchFamily="34" charset="0"/>
+                          <a:cs typeface="Arial" panose="020B0604020202020204" pitchFamily="34" charset="0"/>
+                        </a:rPr>
+                        <a:t>1011 --</a:t>
+                      </a:r>
+                      <a:r>
+                        <a:rPr lang="en-US" sz="1600" dirty="0" err="1">
+                          <a:effectLst/>
+                          <a:latin typeface="Courier New" panose="02070309020205020404" pitchFamily="49" charset="0"/>
+                          <a:ea typeface="Arial" panose="020B0604020202020204" pitchFamily="34" charset="0"/>
+                          <a:cs typeface="Arial" panose="020B0604020202020204" pitchFamily="34" charset="0"/>
+                        </a:rPr>
+                        <a:t>tt</a:t>
+                      </a:r>
+                      <a:r>
+                        <a:rPr lang="en-US" sz="1600" dirty="0">
+                          <a:effectLst/>
+                          <a:latin typeface="Courier New" panose="02070309020205020404" pitchFamily="49" charset="0"/>
+                          <a:ea typeface="Arial" panose="020B0604020202020204" pitchFamily="34" charset="0"/>
+                          <a:cs typeface="Arial" panose="020B0604020202020204" pitchFamily="34" charset="0"/>
+                        </a:rPr>
+                        <a:t> </a:t>
+                      </a:r>
+                      <a:r>
+                        <a:rPr lang="en-US" sz="1600" dirty="0" err="1">
+                          <a:effectLst/>
+                          <a:latin typeface="Courier New" panose="02070309020205020404" pitchFamily="49" charset="0"/>
+                          <a:ea typeface="Arial" panose="020B0604020202020204" pitchFamily="34" charset="0"/>
+                          <a:cs typeface="Arial" panose="020B0604020202020204" pitchFamily="34" charset="0"/>
+                        </a:rPr>
+                        <a:t>ddaa</a:t>
+                      </a:r>
+                      <a:r>
+                        <a:rPr lang="en-US" sz="1600" dirty="0">
+                          <a:effectLst/>
+                          <a:latin typeface="Courier New" panose="02070309020205020404" pitchFamily="49" charset="0"/>
+                          <a:ea typeface="Arial" panose="020B0604020202020204" pitchFamily="34" charset="0"/>
+                          <a:cs typeface="Arial" panose="020B0604020202020204" pitchFamily="34" charset="0"/>
+                        </a:rPr>
+                        <a:t> </a:t>
+                      </a:r>
+                      <a:r>
+                        <a:rPr lang="en-US" sz="1600" dirty="0" err="1">
+                          <a:effectLst/>
+                          <a:latin typeface="Courier New" panose="02070309020205020404" pitchFamily="49" charset="0"/>
+                          <a:ea typeface="Arial" panose="020B0604020202020204" pitchFamily="34" charset="0"/>
+                          <a:cs typeface="Arial" panose="020B0604020202020204" pitchFamily="34" charset="0"/>
+                        </a:rPr>
+                        <a:t>aa</a:t>
+                      </a:r>
+                      <a:r>
+                        <a:rPr lang="en-US" sz="1600" dirty="0">
+                          <a:effectLst/>
+                          <a:latin typeface="Courier New" panose="02070309020205020404" pitchFamily="49" charset="0"/>
+                          <a:ea typeface="Arial" panose="020B0604020202020204" pitchFamily="34" charset="0"/>
+                          <a:cs typeface="Arial" panose="020B0604020202020204" pitchFamily="34" charset="0"/>
+                        </a:rPr>
+                        <a:t>--</a:t>
+                      </a:r>
+                      <a:endParaRPr lang="en-US" sz="1600" dirty="0">
+                        <a:effectLst/>
+                        <a:latin typeface="Calibri" panose="020F0502020204030204" pitchFamily="34" charset="0"/>
+                        <a:ea typeface="SimSun" panose="02010600030101010101" pitchFamily="2" charset="-122"/>
+                        <a:cs typeface="Arial" panose="020B0604020202020204" pitchFamily="34" charset="0"/>
+                      </a:endParaRPr>
+                    </a:p>
+                  </a:txBody>
+                  <a:tcPr marL="68580" marR="68580" marT="0" marB="0" anchor="ctr"/>
+                </a:tc>
+              </a:tr>
+              <a:tr h="370840">
+                <a:tc>
+                  <a:txBody>
+                    <a:bodyPr/>
+                    <a:lstStyle/>
+                    <a:p>
+                      <a:pPr marL="0" marR="0">
+                        <a:lnSpc>
+                          <a:spcPct val="110000"/>
+                        </a:lnSpc>
+                        <a:spcBef>
+                          <a:spcPts val="0"/>
+                        </a:spcBef>
+                        <a:spcAft>
+                          <a:spcPts val="0"/>
+                        </a:spcAft>
+                      </a:pPr>
+                      <a:r>
+                        <a:rPr lang="en-US" sz="1600" b="1">
+                          <a:effectLst/>
+                          <a:latin typeface="Calibri" panose="020F0502020204030204" pitchFamily="34" charset="0"/>
+                          <a:ea typeface="Arial" panose="020B0604020202020204" pitchFamily="34" charset="0"/>
+                          <a:cs typeface="Arial" panose="020B0604020202020204" pitchFamily="34" charset="0"/>
+                        </a:rPr>
+                        <a:t>Jump</a:t>
+                      </a:r>
+                      <a:endParaRPr lang="en-US" sz="1600">
+                        <a:effectLst/>
+                        <a:latin typeface="Calibri" panose="020F0502020204030204" pitchFamily="34" charset="0"/>
+                        <a:ea typeface="SimSun" panose="02010600030101010101" pitchFamily="2" charset="-122"/>
+                        <a:cs typeface="Arial" panose="020B0604020202020204" pitchFamily="34" charset="0"/>
+                      </a:endParaRPr>
+                    </a:p>
+                  </a:txBody>
+                  <a:tcPr marL="68580" marR="68580" marT="0" marB="0" anchor="ctr"/>
+                </a:tc>
+                <a:tc>
+                  <a:txBody>
+                    <a:bodyPr/>
+                    <a:lstStyle/>
+                    <a:p>
+                      <a:pPr marL="0" marR="0">
+                        <a:lnSpc>
+                          <a:spcPct val="110000"/>
+                        </a:lnSpc>
+                        <a:spcBef>
+                          <a:spcPts val="0"/>
+                        </a:spcBef>
+                        <a:spcAft>
+                          <a:spcPts val="0"/>
+                        </a:spcAft>
+                      </a:pPr>
+                      <a:r>
+                        <a:rPr lang="en-US" sz="1600">
+                          <a:effectLst/>
+                          <a:latin typeface="Calibri" panose="020F0502020204030204" pitchFamily="34" charset="0"/>
+                          <a:ea typeface="Arial" panose="020B0604020202020204" pitchFamily="34" charset="0"/>
+                          <a:cs typeface="Arial" panose="020B0604020202020204" pitchFamily="34" charset="0"/>
+                        </a:rPr>
+                        <a:t>j C</a:t>
+                      </a:r>
+                      <a:endParaRPr lang="en-US" sz="1600">
+                        <a:effectLst/>
+                        <a:latin typeface="Calibri" panose="020F0502020204030204" pitchFamily="34" charset="0"/>
+                        <a:ea typeface="SimSun" panose="02010600030101010101" pitchFamily="2" charset="-122"/>
+                        <a:cs typeface="Arial" panose="020B0604020202020204" pitchFamily="34" charset="0"/>
+                      </a:endParaRPr>
+                    </a:p>
+                  </a:txBody>
+                  <a:tcPr marL="68580" marR="68580" marT="0" marB="0" anchor="ctr"/>
+                </a:tc>
+                <a:tc>
+                  <a:txBody>
+                    <a:bodyPr/>
+                    <a:lstStyle/>
+                    <a:p>
+                      <a:pPr marL="0" marR="0">
+                        <a:lnSpc>
+                          <a:spcPct val="110000"/>
+                        </a:lnSpc>
+                        <a:spcBef>
+                          <a:spcPts val="0"/>
+                        </a:spcBef>
+                        <a:spcAft>
+                          <a:spcPts val="0"/>
+                        </a:spcAft>
+                      </a:pPr>
+                      <a:r>
+                        <a:rPr lang="en-US" sz="1600">
+                          <a:effectLst/>
+                          <a:latin typeface="Calibri" panose="020F0502020204030204" pitchFamily="34" charset="0"/>
+                          <a:ea typeface="Arial" panose="020B0604020202020204" pitchFamily="34" charset="0"/>
+                          <a:cs typeface="Arial" panose="020B0604020202020204" pitchFamily="34" charset="0"/>
+                        </a:rPr>
+                        <a:t>PC </a:t>
+                      </a:r>
+                      <a:r>
+                        <a:rPr lang="en-US" sz="1600">
+                          <a:effectLst/>
+                          <a:latin typeface="Calibri" panose="020F0502020204030204" pitchFamily="34" charset="0"/>
+                          <a:ea typeface="Arial" panose="020B0604020202020204" pitchFamily="34" charset="0"/>
+                          <a:cs typeface="Arial" panose="020B0604020202020204" pitchFamily="34" charset="0"/>
+                          <a:sym typeface="Wingdings" panose="05000000000000000000" pitchFamily="2" charset="2"/>
+                        </a:rPr>
+                        <a:t></a:t>
+                      </a:r>
+                      <a:r>
+                        <a:rPr lang="en-US" sz="1600">
+                          <a:effectLst/>
+                          <a:latin typeface="Calibri" panose="020F0502020204030204" pitchFamily="34" charset="0"/>
+                          <a:ea typeface="Arial" panose="020B0604020202020204" pitchFamily="34" charset="0"/>
+                          <a:cs typeface="Arial" panose="020B0604020202020204" pitchFamily="34" charset="0"/>
+                        </a:rPr>
+                        <a:t> C</a:t>
+                      </a:r>
+                      <a:endParaRPr lang="en-US" sz="1600">
+                        <a:effectLst/>
+                        <a:latin typeface="Calibri" panose="020F0502020204030204" pitchFamily="34" charset="0"/>
+                        <a:ea typeface="SimSun" panose="02010600030101010101" pitchFamily="2" charset="-122"/>
+                        <a:cs typeface="Arial" panose="020B0604020202020204" pitchFamily="34" charset="0"/>
+                      </a:endParaRPr>
+                    </a:p>
+                  </a:txBody>
+                  <a:tcPr marL="68580" marR="68580" marT="0" marB="0" anchor="ctr"/>
+                </a:tc>
+                <a:tc>
+                  <a:txBody>
+                    <a:bodyPr/>
+                    <a:lstStyle/>
+                    <a:p>
+                      <a:pPr marL="0" marR="0" algn="ctr">
+                        <a:lnSpc>
+                          <a:spcPct val="110000"/>
+                        </a:lnSpc>
+                        <a:spcBef>
+                          <a:spcPts val="0"/>
+                        </a:spcBef>
+                        <a:spcAft>
+                          <a:spcPts val="0"/>
+                        </a:spcAft>
+                      </a:pPr>
+                      <a:r>
+                        <a:rPr lang="en-US" sz="1600">
+                          <a:effectLst/>
+                          <a:latin typeface="Calibri" panose="020F0502020204030204" pitchFamily="34" charset="0"/>
+                          <a:ea typeface="Arial" panose="020B0604020202020204" pitchFamily="34" charset="0"/>
+                          <a:cs typeface="Arial" panose="020B0604020202020204" pitchFamily="34" charset="0"/>
+                        </a:rPr>
+                        <a:t>I</a:t>
+                      </a:r>
+                      <a:endParaRPr lang="en-US" sz="1600">
+                        <a:effectLst/>
+                        <a:latin typeface="Calibri" panose="020F0502020204030204" pitchFamily="34" charset="0"/>
+                        <a:ea typeface="SimSun" panose="02010600030101010101" pitchFamily="2" charset="-122"/>
+                        <a:cs typeface="Arial" panose="020B0604020202020204" pitchFamily="34" charset="0"/>
+                      </a:endParaRPr>
+                    </a:p>
+                  </a:txBody>
+                  <a:tcPr marL="68580" marR="68580" marT="0" marB="0" anchor="ctr"/>
+                </a:tc>
+                <a:tc>
+                  <a:txBody>
+                    <a:bodyPr/>
+                    <a:lstStyle/>
+                    <a:p>
+                      <a:pPr marL="0" marR="0" algn="ctr">
+                        <a:lnSpc>
+                          <a:spcPct val="110000"/>
+                        </a:lnSpc>
+                        <a:spcBef>
+                          <a:spcPts val="0"/>
+                        </a:spcBef>
+                        <a:spcAft>
+                          <a:spcPts val="0"/>
+                        </a:spcAft>
+                      </a:pPr>
+                      <a:r>
+                        <a:rPr lang="en-US" sz="1600" dirty="0">
+                          <a:effectLst/>
+                          <a:latin typeface="Calibri" panose="020F0502020204030204" pitchFamily="34" charset="0"/>
+                          <a:ea typeface="Arial" panose="020B0604020202020204" pitchFamily="34" charset="0"/>
+                          <a:cs typeface="Arial" panose="020B0604020202020204" pitchFamily="34" charset="0"/>
+                        </a:rPr>
+                        <a:t>1100</a:t>
+                      </a:r>
+                      <a:endParaRPr lang="en-US" sz="1600" dirty="0">
+                        <a:effectLst/>
+                        <a:latin typeface="Calibri" panose="020F0502020204030204" pitchFamily="34" charset="0"/>
+                        <a:ea typeface="SimSun" panose="02010600030101010101" pitchFamily="2" charset="-122"/>
+                        <a:cs typeface="Arial" panose="020B0604020202020204" pitchFamily="34" charset="0"/>
+                      </a:endParaRPr>
+                    </a:p>
+                  </a:txBody>
+                  <a:tcPr marL="68580" marR="68580" marT="0" marB="0" anchor="ctr"/>
+                </a:tc>
+                <a:tc>
+                  <a:txBody>
+                    <a:bodyPr/>
+                    <a:lstStyle/>
+                    <a:p>
+                      <a:pPr marL="0" marR="0">
+                        <a:lnSpc>
+                          <a:spcPct val="110000"/>
+                        </a:lnSpc>
+                        <a:spcBef>
+                          <a:spcPts val="0"/>
+                        </a:spcBef>
+                        <a:spcAft>
+                          <a:spcPts val="0"/>
+                        </a:spcAft>
+                      </a:pPr>
+                      <a:r>
+                        <a:rPr lang="en-US" sz="1600" dirty="0">
+                          <a:effectLst/>
+                          <a:latin typeface="Courier New" panose="02070309020205020404" pitchFamily="49" charset="0"/>
+                          <a:ea typeface="Arial" panose="020B0604020202020204" pitchFamily="34" charset="0"/>
+                          <a:cs typeface="Arial" panose="020B0604020202020204" pitchFamily="34" charset="0"/>
+                        </a:rPr>
+                        <a:t>1100 ---- CCCC </a:t>
+                      </a:r>
+                      <a:r>
+                        <a:rPr lang="en-US" sz="1600" dirty="0" err="1">
+                          <a:effectLst/>
+                          <a:latin typeface="Courier New" panose="02070309020205020404" pitchFamily="49" charset="0"/>
+                          <a:ea typeface="Arial" panose="020B0604020202020204" pitchFamily="34" charset="0"/>
+                          <a:cs typeface="Arial" panose="020B0604020202020204" pitchFamily="34" charset="0"/>
+                        </a:rPr>
+                        <a:t>CCCC</a:t>
+                      </a:r>
+                      <a:endParaRPr lang="en-US" sz="1600" dirty="0">
+                        <a:effectLst/>
+                        <a:latin typeface="Calibri" panose="020F0502020204030204" pitchFamily="34" charset="0"/>
+                        <a:ea typeface="SimSun" panose="02010600030101010101" pitchFamily="2" charset="-122"/>
+                        <a:cs typeface="Arial" panose="020B0604020202020204" pitchFamily="34" charset="0"/>
+                      </a:endParaRPr>
+                    </a:p>
+                  </a:txBody>
+                  <a:tcPr marL="68580" marR="68580" marT="0" marB="0" anchor="ctr"/>
+                </a:tc>
+              </a:tr>
+            </a:tbl>
+          </a:graphicData>
+        </a:graphic>
+      </p:graphicFrame>
     </p:spTree>
     <p:extLst>
       <p:ext uri="{BB962C8B-B14F-4D97-AF65-F5344CB8AC3E}">
-        <p14:creationId xmlns:p14="http://schemas.microsoft.com/office/powerpoint/2010/main" val="2522057105"/>
+        <p14:creationId xmlns:p14="http://schemas.microsoft.com/office/powerpoint/2010/main" val="4011564146"/>
       </p:ext>
     </p:extLst>
   </p:cSld>
@@ -6378,6 +9522,175 @@
           <a:lstStyle/>
           <a:p>
             <a:r>
+              <a:rPr lang="en-US" dirty="0">
+                <a:effectLst/>
+              </a:rPr>
+              <a:t>Major Component Descriptions</a:t>
+            </a:r>
+            <a:endParaRPr lang="en-US" dirty="0"/>
+          </a:p>
+        </p:txBody>
+      </p:sp>
+      <p:sp>
+        <p:nvSpPr>
+          <p:cNvPr id="3" name="Content Placeholder 2"/>
+          <p:cNvSpPr>
+            <a:spLocks noGrp="1"/>
+          </p:cNvSpPr>
+          <p:nvPr>
+            <p:ph idx="1"/>
+          </p:nvPr>
+        </p:nvSpPr>
+        <p:spPr/>
+        <p:txBody>
+          <a:bodyPr>
+            <a:normAutofit/>
+          </a:bodyPr>
+          <a:lstStyle/>
+          <a:p>
+            <a:pPr lvl="0"/>
+            <a:r>
+              <a:rPr lang="en-US" b="1" dirty="0">
+                <a:effectLst/>
+              </a:rPr>
+              <a:t>Instruction Memory</a:t>
+            </a:r>
+          </a:p>
+          <a:p>
+            <a:pPr marL="457200" lvl="1" indent="0">
+              <a:buNone/>
+            </a:pPr>
+            <a:r>
+              <a:rPr lang="en-US" dirty="0">
+                <a:effectLst/>
+              </a:rPr>
+              <a:t>The instruction memory is represented by our </a:t>
+            </a:r>
+            <a:r>
+              <a:rPr lang="en-US" dirty="0" err="1">
+                <a:effectLst/>
+              </a:rPr>
+              <a:t>input.hex</a:t>
+            </a:r>
+            <a:r>
+              <a:rPr lang="en-US" dirty="0">
+                <a:effectLst/>
+              </a:rPr>
+              <a:t> file (see “</a:t>
+            </a:r>
+            <a:r>
+              <a:rPr lang="en-US" dirty="0" err="1">
+                <a:effectLst/>
+              </a:rPr>
+              <a:t>input.hex</a:t>
+            </a:r>
+            <a:r>
+              <a:rPr lang="en-US" dirty="0">
+                <a:effectLst/>
+              </a:rPr>
+              <a:t>” below)</a:t>
+            </a:r>
+          </a:p>
+          <a:p>
+            <a:pPr lvl="0"/>
+            <a:r>
+              <a:rPr lang="en-US" b="1" dirty="0">
+                <a:effectLst/>
+              </a:rPr>
+              <a:t>ALU</a:t>
+            </a:r>
+          </a:p>
+          <a:p>
+            <a:pPr marL="457200" lvl="1" indent="0">
+              <a:buNone/>
+            </a:pPr>
+            <a:r>
+              <a:rPr lang="en-US" dirty="0">
+                <a:effectLst/>
+              </a:rPr>
+              <a:t>The ALU is a 16-bit ALU comprised of four 4-bit ALUs. It is capable of detecting overflow and zero.</a:t>
+            </a:r>
+          </a:p>
+          <a:p>
+            <a:pPr lvl="0"/>
+            <a:r>
+              <a:rPr lang="en-US" b="1" dirty="0">
+                <a:effectLst/>
+              </a:rPr>
+              <a:t>Register </a:t>
+            </a:r>
+            <a:r>
+              <a:rPr lang="en-US" b="1" dirty="0" smtClean="0">
+                <a:effectLst/>
+              </a:rPr>
+              <a:t>File</a:t>
+            </a:r>
+          </a:p>
+          <a:p>
+            <a:pPr marL="457200" lvl="1" indent="0">
+              <a:buNone/>
+            </a:pPr>
+            <a:r>
+              <a:rPr lang="en-US" dirty="0" smtClean="0">
+                <a:effectLst/>
+              </a:rPr>
+              <a:t>Register </a:t>
+            </a:r>
+            <a:r>
+              <a:rPr lang="en-US" dirty="0">
+                <a:effectLst/>
+              </a:rPr>
+              <a:t>r0 is static 0 (it cannot change or be changed). The register file is 4-word by 16-bits-per-word. </a:t>
+            </a:r>
+          </a:p>
+        </p:txBody>
+      </p:sp>
+    </p:spTree>
+    <p:extLst>
+      <p:ext uri="{BB962C8B-B14F-4D97-AF65-F5344CB8AC3E}">
+        <p14:creationId xmlns:p14="http://schemas.microsoft.com/office/powerpoint/2010/main" val="2522057105"/>
+      </p:ext>
+    </p:extLst>
+  </p:cSld>
+  <p:clrMapOvr>
+    <a:masterClrMapping/>
+  </p:clrMapOvr>
+</p:sld>
+</file>
+
+<file path=ppt/slides/slide5.xml><?xml version="1.0" encoding="utf-8"?>
+<p:sld xmlns:a="http://schemas.openxmlformats.org/drawingml/2006/main" xmlns:r="http://schemas.openxmlformats.org/officeDocument/2006/relationships" xmlns:p="http://schemas.openxmlformats.org/presentationml/2006/main">
+  <p:cSld>
+    <p:spTree>
+      <p:nvGrpSpPr>
+        <p:cNvPr id="1" name=""/>
+        <p:cNvGrpSpPr/>
+        <p:nvPr/>
+      </p:nvGrpSpPr>
+      <p:grpSpPr>
+        <a:xfrm>
+          <a:off x="0" y="0"/>
+          <a:ext cx="0" cy="0"/>
+          <a:chOff x="0" y="0"/>
+          <a:chExt cx="0" cy="0"/>
+        </a:xfrm>
+      </p:grpSpPr>
+      <p:sp>
+        <p:nvSpPr>
+          <p:cNvPr id="2" name="Title 1"/>
+          <p:cNvSpPr>
+            <a:spLocks noGrp="1"/>
+          </p:cNvSpPr>
+          <p:nvPr>
+            <p:ph type="title"/>
+          </p:nvPr>
+        </p:nvSpPr>
+        <p:spPr/>
+        <p:txBody>
+          <a:bodyPr/>
+          <a:lstStyle/>
+          <a:p>
+            <a:r>
               <a:rPr lang="en-US" dirty="0" smtClean="0"/>
               <a:t>MAJOR COMPONENT DESCRIPTIONS</a:t>
             </a:r>
@@ -6502,10 +9815,16 @@
               <a:rPr lang="en-US" dirty="0">
                 <a:effectLst/>
               </a:rPr>
-              <a:t>, SLL, SRL, and </a:t>
-            </a:r>
-            <a:r>
-              <a:rPr lang="en-US" dirty="0" err="1">
+              <a:t>, SLL, SRL, </a:t>
+            </a:r>
+            <a:r>
+              <a:rPr lang="en-US" dirty="0" smtClean="0">
+                <a:effectLst/>
+              </a:rPr>
+              <a:t>and </a:t>
+            </a:r>
+            <a:r>
+              <a:rPr lang="en-US" dirty="0" err="1" smtClean="0">
                 <a:effectLst/>
               </a:rPr>
               <a:t>ALUctl</a:t>
@@ -6577,7 +9896,7 @@
 </p:sld>
 </file>
 
-<file path=ppt/slides/slide5.xml><?xml version="1.0" encoding="utf-8"?>
+<file path=ppt/slides/slide6.xml><?xml version="1.0" encoding="utf-8"?>
 <p:sld xmlns:a="http://schemas.openxmlformats.org/drawingml/2006/main" xmlns:r="http://schemas.openxmlformats.org/officeDocument/2006/relationships" xmlns:p="http://schemas.openxmlformats.org/presentationml/2006/main">
   <p:cSld>
     <p:spTree>

--- a/CS385 Final Project.pptx
+++ b/CS385 Final Project.pptx
@@ -11,6 +11,9 @@
     <p:sldId id="258" r:id="rId5"/>
     <p:sldId id="259" r:id="rId6"/>
     <p:sldId id="260" r:id="rId7"/>
+    <p:sldId id="262" r:id="rId8"/>
+    <p:sldId id="263" r:id="rId9"/>
+    <p:sldId id="264" r:id="rId10"/>
   </p:sldIdLst>
   <p:sldSz cx="12192000" cy="6858000"/>
   <p:notesSz cx="6858000" cy="9144000"/>
@@ -250,7 +253,7 @@
           <a:p>
             <a:fld id="{48A87A34-81AB-432B-8DAE-1953F412C126}" type="datetimeFigureOut">
               <a:rPr lang="en-US" smtClean="0"/>
-              <a:t>5/4/2013</a:t>
+              <a:t>5/5/2013</a:t>
             </a:fld>
             <a:endParaRPr lang="en-US" dirty="0"/>
           </a:p>
@@ -537,7 +540,7 @@
           <a:p>
             <a:fld id="{48A87A34-81AB-432B-8DAE-1953F412C126}" type="datetimeFigureOut">
               <a:rPr lang="en-US" smtClean="0"/>
-              <a:t>5/4/2013</a:t>
+              <a:t>5/5/2013</a:t>
             </a:fld>
             <a:endParaRPr lang="en-US" dirty="0"/>
           </a:p>
@@ -729,7 +732,7 @@
           <a:p>
             <a:fld id="{48A87A34-81AB-432B-8DAE-1953F412C126}" type="datetimeFigureOut">
               <a:rPr lang="en-US" smtClean="0"/>
-              <a:t>5/4/2013</a:t>
+              <a:t>5/5/2013</a:t>
             </a:fld>
             <a:endParaRPr lang="en-US" dirty="0"/>
           </a:p>
@@ -990,7 +993,7 @@
           <a:p>
             <a:fld id="{48A87A34-81AB-432B-8DAE-1953F412C126}" type="datetimeFigureOut">
               <a:rPr lang="en-US" smtClean="0"/>
-              <a:t>5/4/2013</a:t>
+              <a:t>5/5/2013</a:t>
             </a:fld>
             <a:endParaRPr lang="en-US" dirty="0"/>
           </a:p>
@@ -1414,7 +1417,7 @@
           <a:p>
             <a:fld id="{48A87A34-81AB-432B-8DAE-1953F412C126}" type="datetimeFigureOut">
               <a:rPr lang="en-US" smtClean="0"/>
-              <a:t>5/4/2013</a:t>
+              <a:t>5/5/2013</a:t>
             </a:fld>
             <a:endParaRPr lang="en-US" dirty="0"/>
           </a:p>
@@ -1960,7 +1963,7 @@
           <a:p>
             <a:fld id="{48A87A34-81AB-432B-8DAE-1953F412C126}" type="datetimeFigureOut">
               <a:rPr lang="en-US" smtClean="0"/>
-              <a:t>5/4/2013</a:t>
+              <a:t>5/5/2013</a:t>
             </a:fld>
             <a:endParaRPr lang="en-US" dirty="0"/>
           </a:p>
@@ -2800,7 +2803,7 @@
           <a:p>
             <a:fld id="{48A87A34-81AB-432B-8DAE-1953F412C126}" type="datetimeFigureOut">
               <a:rPr lang="en-US" smtClean="0"/>
-              <a:t>5/4/2013</a:t>
+              <a:t>5/5/2013</a:t>
             </a:fld>
             <a:endParaRPr lang="en-US" dirty="0"/>
           </a:p>
@@ -2970,7 +2973,7 @@
           <a:p>
             <a:fld id="{48A87A34-81AB-432B-8DAE-1953F412C126}" type="datetimeFigureOut">
               <a:rPr lang="en-US" smtClean="0"/>
-              <a:t>5/4/2013</a:t>
+              <a:t>5/5/2013</a:t>
             </a:fld>
             <a:endParaRPr lang="en-US" dirty="0"/>
           </a:p>
@@ -3154,7 +3157,7 @@
           <a:p>
             <a:fld id="{48A87A34-81AB-432B-8DAE-1953F412C126}" type="datetimeFigureOut">
               <a:rPr lang="en-US" smtClean="0"/>
-              <a:t>5/4/2013</a:t>
+              <a:t>5/5/2013</a:t>
             </a:fld>
             <a:endParaRPr lang="en-US" dirty="0"/>
           </a:p>
@@ -3324,7 +3327,7 @@
           <a:p>
             <a:fld id="{48A87A34-81AB-432B-8DAE-1953F412C126}" type="datetimeFigureOut">
               <a:rPr lang="en-US" smtClean="0"/>
-              <a:t>5/4/2013</a:t>
+              <a:t>5/5/2013</a:t>
             </a:fld>
             <a:endParaRPr lang="en-US" dirty="0"/>
           </a:p>
@@ -3572,7 +3575,7 @@
           <a:p>
             <a:fld id="{48A87A34-81AB-432B-8DAE-1953F412C126}" type="datetimeFigureOut">
               <a:rPr lang="en-US" smtClean="0"/>
-              <a:t>5/4/2013</a:t>
+              <a:t>5/5/2013</a:t>
             </a:fld>
             <a:endParaRPr lang="en-US" dirty="0"/>
           </a:p>
@@ -3809,7 +3812,7 @@
           <a:p>
             <a:fld id="{48A87A34-81AB-432B-8DAE-1953F412C126}" type="datetimeFigureOut">
               <a:rPr lang="en-US" smtClean="0"/>
-              <a:t>5/4/2013</a:t>
+              <a:t>5/5/2013</a:t>
             </a:fld>
             <a:endParaRPr lang="en-US" dirty="0"/>
           </a:p>
@@ -4182,7 +4185,7 @@
           <a:p>
             <a:fld id="{48A87A34-81AB-432B-8DAE-1953F412C126}" type="datetimeFigureOut">
               <a:rPr lang="en-US" smtClean="0"/>
-              <a:t>5/4/2013</a:t>
+              <a:t>5/5/2013</a:t>
             </a:fld>
             <a:endParaRPr lang="en-US" dirty="0"/>
           </a:p>
@@ -4300,7 +4303,7 @@
           <a:p>
             <a:fld id="{48A87A34-81AB-432B-8DAE-1953F412C126}" type="datetimeFigureOut">
               <a:rPr lang="en-US" smtClean="0"/>
-              <a:t>5/4/2013</a:t>
+              <a:t>5/5/2013</a:t>
             </a:fld>
             <a:endParaRPr lang="en-US" dirty="0"/>
           </a:p>
@@ -4395,7 +4398,7 @@
           <a:p>
             <a:fld id="{48A87A34-81AB-432B-8DAE-1953F412C126}" type="datetimeFigureOut">
               <a:rPr lang="en-US" smtClean="0"/>
-              <a:t>5/4/2013</a:t>
+              <a:t>5/5/2013</a:t>
             </a:fld>
             <a:endParaRPr lang="en-US" dirty="0"/>
           </a:p>
@@ -4646,7 +4649,7 @@
           <a:p>
             <a:fld id="{48A87A34-81AB-432B-8DAE-1953F412C126}" type="datetimeFigureOut">
               <a:rPr lang="en-US" smtClean="0"/>
-              <a:t>5/4/2013</a:t>
+              <a:t>5/5/2013</a:t>
             </a:fld>
             <a:endParaRPr lang="en-US" dirty="0"/>
           </a:p>
@@ -4933,7 +4936,7 @@
           <a:p>
             <a:fld id="{48A87A34-81AB-432B-8DAE-1953F412C126}" type="datetimeFigureOut">
               <a:rPr lang="en-US" smtClean="0"/>
-              <a:t>5/4/2013</a:t>
+              <a:t>5/5/2013</a:t>
             </a:fld>
             <a:endParaRPr lang="en-US" dirty="0"/>
           </a:p>
@@ -5147,7 +5150,7 @@
             <a:fld id="{48A87A34-81AB-432B-8DAE-1953F412C126}" type="datetimeFigureOut">
               <a:rPr lang="en-US" smtClean="0"/>
               <a:pPr/>
-              <a:t>5/4/2013</a:t>
+              <a:t>5/5/2013</a:t>
             </a:fld>
             <a:endParaRPr lang="en-US" dirty="0"/>
           </a:p>
@@ -9966,6 +9969,785 @@
 </p:sld>
 </file>
 
+<file path=ppt/slides/slide7.xml><?xml version="1.0" encoding="utf-8"?>
+<p:sld xmlns:a="http://schemas.openxmlformats.org/drawingml/2006/main" xmlns:r="http://schemas.openxmlformats.org/officeDocument/2006/relationships" xmlns:p="http://schemas.openxmlformats.org/presentationml/2006/main">
+  <p:cSld>
+    <p:spTree>
+      <p:nvGrpSpPr>
+        <p:cNvPr id="1" name=""/>
+        <p:cNvGrpSpPr/>
+        <p:nvPr/>
+      </p:nvGrpSpPr>
+      <p:grpSpPr>
+        <a:xfrm>
+          <a:off x="0" y="0"/>
+          <a:ext cx="0" cy="0"/>
+          <a:chOff x="0" y="0"/>
+          <a:chExt cx="0" cy="0"/>
+        </a:xfrm>
+      </p:grpSpPr>
+      <p:sp>
+        <p:nvSpPr>
+          <p:cNvPr id="2" name="Title 1"/>
+          <p:cNvSpPr>
+            <a:spLocks noGrp="1"/>
+          </p:cNvSpPr>
+          <p:nvPr>
+            <p:ph type="title"/>
+          </p:nvPr>
+        </p:nvSpPr>
+        <p:spPr/>
+        <p:txBody>
+          <a:bodyPr/>
+          <a:lstStyle/>
+          <a:p>
+            <a:r>
+              <a:rPr lang="en-US" dirty="0" smtClean="0"/>
+              <a:t>Test Program</a:t>
+            </a:r>
+            <a:endParaRPr lang="en-US" dirty="0"/>
+          </a:p>
+        </p:txBody>
+      </p:sp>
+      <p:sp>
+        <p:nvSpPr>
+          <p:cNvPr id="3" name="Content Placeholder 2"/>
+          <p:cNvSpPr>
+            <a:spLocks noGrp="1"/>
+          </p:cNvSpPr>
+          <p:nvPr>
+            <p:ph idx="1"/>
+          </p:nvPr>
+        </p:nvSpPr>
+        <p:spPr/>
+        <p:txBody>
+          <a:bodyPr>
+            <a:normAutofit/>
+          </a:bodyPr>
+          <a:lstStyle/>
+          <a:p>
+            <a:pPr marL="0" indent="0">
+              <a:buNone/>
+            </a:pPr>
+            <a:r>
+              <a:rPr lang="en-US" dirty="0" err="1" smtClean="0"/>
+              <a:t>Input.hex</a:t>
+            </a:r>
+            <a:r>
+              <a:rPr lang="en-US" dirty="0" smtClean="0"/>
+              <a:t> – a 40 instruction peasant multiplication algorithm (including </a:t>
+            </a:r>
+            <a:r>
+              <a:rPr lang="en-US" dirty="0" err="1" smtClean="0"/>
+              <a:t>nops</a:t>
+            </a:r>
+            <a:r>
+              <a:rPr lang="en-US" dirty="0" smtClean="0"/>
+              <a:t>) that demonstrates the usability of our mini MIPS machine. It utilizes </a:t>
+            </a:r>
+            <a:r>
+              <a:rPr lang="en-US" dirty="0" err="1" smtClean="0"/>
+              <a:t>lw</a:t>
+            </a:r>
+            <a:r>
+              <a:rPr lang="en-US" dirty="0" smtClean="0"/>
+              <a:t>, </a:t>
+            </a:r>
+            <a:r>
+              <a:rPr lang="en-US" dirty="0" err="1" smtClean="0"/>
+              <a:t>sw</a:t>
+            </a:r>
+            <a:r>
+              <a:rPr lang="en-US" dirty="0" smtClean="0"/>
+              <a:t>, </a:t>
+            </a:r>
+            <a:r>
+              <a:rPr lang="en-US" dirty="0" err="1" smtClean="0"/>
+              <a:t>addi</a:t>
+            </a:r>
+            <a:r>
+              <a:rPr lang="en-US" dirty="0" smtClean="0"/>
+              <a:t>, </a:t>
+            </a:r>
+            <a:r>
+              <a:rPr lang="en-US" dirty="0" err="1" smtClean="0"/>
+              <a:t>beq</a:t>
+            </a:r>
+            <a:r>
+              <a:rPr lang="en-US" dirty="0" smtClean="0"/>
+              <a:t>, </a:t>
+            </a:r>
+            <a:r>
+              <a:rPr lang="en-US" dirty="0" err="1" smtClean="0"/>
+              <a:t>sq</a:t>
+            </a:r>
+            <a:r>
+              <a:rPr lang="en-US" dirty="0" smtClean="0"/>
+              <a:t>, </a:t>
+            </a:r>
+            <a:r>
+              <a:rPr lang="en-US" dirty="0" err="1" smtClean="0"/>
+              <a:t>addi</a:t>
+            </a:r>
+            <a:r>
+              <a:rPr lang="en-US" dirty="0" smtClean="0"/>
+              <a:t>, and, add, </a:t>
+            </a:r>
+            <a:r>
+              <a:rPr lang="en-US" dirty="0" err="1" smtClean="0"/>
+              <a:t>sll</a:t>
+            </a:r>
+            <a:r>
+              <a:rPr lang="en-US" dirty="0" smtClean="0"/>
+              <a:t>, </a:t>
+            </a:r>
+            <a:r>
+              <a:rPr lang="en-US" dirty="0" err="1" smtClean="0"/>
+              <a:t>srl</a:t>
+            </a:r>
+            <a:r>
+              <a:rPr lang="en-US" dirty="0" smtClean="0"/>
+              <a:t>, and j instructions.  The code snippet on the following slide does not contain </a:t>
+            </a:r>
+            <a:r>
+              <a:rPr lang="en-US" dirty="0" err="1" smtClean="0"/>
+              <a:t>nops</a:t>
+            </a:r>
+            <a:r>
+              <a:rPr lang="en-US" dirty="0" smtClean="0"/>
+              <a:t>, to demonstrate more of the actual logic. </a:t>
+            </a:r>
+            <a:endParaRPr lang="en-US" dirty="0">
+              <a:effectLst/>
+            </a:endParaRPr>
+          </a:p>
+          <a:p>
+            <a:pPr marL="457200" indent="-457200">
+              <a:buAutoNum type="arabicPlain" startAt="6302"/>
+            </a:pPr>
+            <a:endParaRPr lang="en-US" dirty="0">
+              <a:effectLst/>
+            </a:endParaRPr>
+          </a:p>
+          <a:p>
+            <a:pPr marL="0" indent="0">
+              <a:buNone/>
+            </a:pPr>
+            <a:endParaRPr lang="en-US" dirty="0"/>
+          </a:p>
+        </p:txBody>
+      </p:sp>
+    </p:spTree>
+    <p:extLst>
+      <p:ext uri="{BB962C8B-B14F-4D97-AF65-F5344CB8AC3E}">
+        <p14:creationId xmlns:p14="http://schemas.microsoft.com/office/powerpoint/2010/main" val="1065799466"/>
+      </p:ext>
+    </p:extLst>
+  </p:cSld>
+  <p:clrMapOvr>
+    <a:masterClrMapping/>
+  </p:clrMapOvr>
+</p:sld>
+</file>
+
+<file path=ppt/slides/slide8.xml><?xml version="1.0" encoding="utf-8"?>
+<p:sld xmlns:a="http://schemas.openxmlformats.org/drawingml/2006/main" xmlns:r="http://schemas.openxmlformats.org/officeDocument/2006/relationships" xmlns:p="http://schemas.openxmlformats.org/presentationml/2006/main">
+  <p:cSld>
+    <p:spTree>
+      <p:nvGrpSpPr>
+        <p:cNvPr id="1" name=""/>
+        <p:cNvGrpSpPr/>
+        <p:nvPr/>
+      </p:nvGrpSpPr>
+      <p:grpSpPr>
+        <a:xfrm>
+          <a:off x="0" y="0"/>
+          <a:ext cx="0" cy="0"/>
+          <a:chOff x="0" y="0"/>
+          <a:chExt cx="0" cy="0"/>
+        </a:xfrm>
+      </p:grpSpPr>
+      <p:sp>
+        <p:nvSpPr>
+          <p:cNvPr id="2" name="Title 1"/>
+          <p:cNvSpPr>
+            <a:spLocks noGrp="1"/>
+          </p:cNvSpPr>
+          <p:nvPr>
+            <p:ph type="title"/>
+          </p:nvPr>
+        </p:nvSpPr>
+        <p:spPr/>
+        <p:txBody>
+          <a:bodyPr/>
+          <a:lstStyle/>
+          <a:p>
+            <a:r>
+              <a:rPr lang="en-US" dirty="0" smtClean="0"/>
+              <a:t>Code snippet</a:t>
+            </a:r>
+            <a:endParaRPr lang="en-US" dirty="0"/>
+          </a:p>
+        </p:txBody>
+      </p:sp>
+      <p:sp>
+        <p:nvSpPr>
+          <p:cNvPr id="3" name="Content Placeholder 2"/>
+          <p:cNvSpPr>
+            <a:spLocks noGrp="1"/>
+          </p:cNvSpPr>
+          <p:nvPr>
+            <p:ph idx="1"/>
+          </p:nvPr>
+        </p:nvSpPr>
+        <p:spPr>
+          <a:xfrm>
+            <a:off x="913795" y="2096063"/>
+            <a:ext cx="10353762" cy="4571773"/>
+          </a:xfrm>
+        </p:spPr>
+        <p:txBody>
+          <a:bodyPr>
+            <a:normAutofit fontScale="70000" lnSpcReduction="20000"/>
+          </a:bodyPr>
+          <a:lstStyle/>
+          <a:p>
+            <a:r>
+              <a:rPr lang="en-US" dirty="0">
+                <a:effectLst/>
+                <a:latin typeface="Courier New" panose="02070309020205020404" pitchFamily="49" charset="0"/>
+                <a:cs typeface="Courier New" panose="02070309020205020404" pitchFamily="49" charset="0"/>
+              </a:rPr>
+              <a:t>5100    // </a:t>
+            </a:r>
+            <a:r>
+              <a:rPr lang="en-US" dirty="0" err="1">
+                <a:effectLst/>
+                <a:latin typeface="Courier New" panose="02070309020205020404" pitchFamily="49" charset="0"/>
+                <a:cs typeface="Courier New" panose="02070309020205020404" pitchFamily="49" charset="0"/>
+              </a:rPr>
+              <a:t>lw</a:t>
+            </a:r>
+            <a:r>
+              <a:rPr lang="en-US" dirty="0">
+                <a:effectLst/>
+                <a:latin typeface="Courier New" panose="02070309020205020404" pitchFamily="49" charset="0"/>
+                <a:cs typeface="Courier New" panose="02070309020205020404" pitchFamily="49" charset="0"/>
+              </a:rPr>
+              <a:t> $1, 0($0)   ==&gt; 0101 0001 0000 0000	</a:t>
+            </a:r>
+            <a:r>
+              <a:rPr lang="en-US" dirty="0" smtClean="0">
+                <a:effectLst/>
+                <a:latin typeface="Courier New" panose="02070309020205020404" pitchFamily="49" charset="0"/>
+                <a:cs typeface="Courier New" panose="02070309020205020404" pitchFamily="49" charset="0"/>
+              </a:rPr>
+              <a:t> // </a:t>
+            </a:r>
+            <a:r>
+              <a:rPr lang="en-US" dirty="0">
+                <a:effectLst/>
+                <a:latin typeface="Courier New" panose="02070309020205020404" pitchFamily="49" charset="0"/>
+                <a:cs typeface="Courier New" panose="02070309020205020404" pitchFamily="49" charset="0"/>
+              </a:rPr>
+              <a:t>$1 &lt;- x</a:t>
+            </a:r>
+          </a:p>
+          <a:p>
+            <a:r>
+              <a:rPr lang="en-US" dirty="0">
+                <a:effectLst/>
+                <a:latin typeface="Courier New" panose="02070309020205020404" pitchFamily="49" charset="0"/>
+                <a:cs typeface="Courier New" panose="02070309020205020404" pitchFamily="49" charset="0"/>
+              </a:rPr>
+              <a:t>5201    // </a:t>
+            </a:r>
+            <a:r>
+              <a:rPr lang="en-US" dirty="0" err="1">
+                <a:effectLst/>
+                <a:latin typeface="Courier New" panose="02070309020205020404" pitchFamily="49" charset="0"/>
+                <a:cs typeface="Courier New" panose="02070309020205020404" pitchFamily="49" charset="0"/>
+              </a:rPr>
+              <a:t>lw</a:t>
+            </a:r>
+            <a:r>
+              <a:rPr lang="en-US" dirty="0">
+                <a:effectLst/>
+                <a:latin typeface="Courier New" panose="02070309020205020404" pitchFamily="49" charset="0"/>
+                <a:cs typeface="Courier New" panose="02070309020205020404" pitchFamily="49" charset="0"/>
+              </a:rPr>
+              <a:t> $2, 1($0)   ==&gt; 0101 0010 0000 0001	</a:t>
+            </a:r>
+            <a:r>
+              <a:rPr lang="en-US" dirty="0" smtClean="0">
+                <a:effectLst/>
+                <a:latin typeface="Courier New" panose="02070309020205020404" pitchFamily="49" charset="0"/>
+                <a:cs typeface="Courier New" panose="02070309020205020404" pitchFamily="49" charset="0"/>
+              </a:rPr>
+              <a:t> // </a:t>
+            </a:r>
+            <a:r>
+              <a:rPr lang="en-US" dirty="0">
+                <a:effectLst/>
+                <a:latin typeface="Courier New" panose="02070309020205020404" pitchFamily="49" charset="0"/>
+                <a:cs typeface="Courier New" panose="02070309020205020404" pitchFamily="49" charset="0"/>
+              </a:rPr>
+              <a:t>$2 &lt;- y</a:t>
+            </a:r>
+          </a:p>
+          <a:p>
+            <a:r>
+              <a:rPr lang="en-US" dirty="0">
+                <a:effectLst/>
+                <a:latin typeface="Courier New" panose="02070309020205020404" pitchFamily="49" charset="0"/>
+                <a:cs typeface="Courier New" panose="02070309020205020404" pitchFamily="49" charset="0"/>
+              </a:rPr>
+              <a:t>4300    // </a:t>
+            </a:r>
+            <a:r>
+              <a:rPr lang="en-US" dirty="0" err="1">
+                <a:effectLst/>
+                <a:latin typeface="Courier New" panose="02070309020205020404" pitchFamily="49" charset="0"/>
+                <a:cs typeface="Courier New" panose="02070309020205020404" pitchFamily="49" charset="0"/>
+              </a:rPr>
+              <a:t>addi</a:t>
+            </a:r>
+            <a:r>
+              <a:rPr lang="en-US" dirty="0">
+                <a:effectLst/>
+                <a:latin typeface="Courier New" panose="02070309020205020404" pitchFamily="49" charset="0"/>
+                <a:cs typeface="Courier New" panose="02070309020205020404" pitchFamily="49" charset="0"/>
+              </a:rPr>
+              <a:t> $3, $0, 0 ==&gt; 0100 0011 0000 0000	</a:t>
+            </a:r>
+            <a:r>
+              <a:rPr lang="en-US" dirty="0">
+                <a:effectLst/>
+                <a:latin typeface="Courier New" panose="02070309020205020404" pitchFamily="49" charset="0"/>
+                <a:cs typeface="Courier New" panose="02070309020205020404" pitchFamily="49" charset="0"/>
+              </a:rPr>
+              <a:t> </a:t>
+            </a:r>
+            <a:r>
+              <a:rPr lang="en-US" dirty="0" smtClean="0">
+                <a:effectLst/>
+                <a:latin typeface="Courier New" panose="02070309020205020404" pitchFamily="49" charset="0"/>
+                <a:cs typeface="Courier New" panose="02070309020205020404" pitchFamily="49" charset="0"/>
+              </a:rPr>
+              <a:t>// </a:t>
+            </a:r>
+            <a:r>
+              <a:rPr lang="en-US" dirty="0">
+                <a:effectLst/>
+                <a:latin typeface="Courier New" panose="02070309020205020404" pitchFamily="49" charset="0"/>
+                <a:cs typeface="Courier New" panose="02070309020205020404" pitchFamily="49" charset="0"/>
+              </a:rPr>
+              <a:t>$3 &lt;- 0 </a:t>
+            </a:r>
+          </a:p>
+          <a:p>
+            <a:r>
+              <a:rPr lang="en-US" dirty="0" smtClean="0">
+                <a:effectLst/>
+                <a:latin typeface="Courier New" panose="02070309020205020404" pitchFamily="49" charset="0"/>
+                <a:cs typeface="Courier New" panose="02070309020205020404" pitchFamily="49" charset="0"/>
+              </a:rPr>
+              <a:t>8827    </a:t>
+            </a:r>
+            <a:r>
+              <a:rPr lang="en-US" dirty="0">
+                <a:effectLst/>
+                <a:latin typeface="Courier New" panose="02070309020205020404" pitchFamily="49" charset="0"/>
+                <a:cs typeface="Courier New" panose="02070309020205020404" pitchFamily="49" charset="0"/>
+              </a:rPr>
+              <a:t>// </a:t>
+            </a:r>
+            <a:r>
+              <a:rPr lang="en-US" dirty="0" err="1">
+                <a:effectLst/>
+                <a:latin typeface="Courier New" panose="02070309020205020404" pitchFamily="49" charset="0"/>
+                <a:cs typeface="Courier New" panose="02070309020205020404" pitchFamily="49" charset="0"/>
+              </a:rPr>
+              <a:t>beq</a:t>
+            </a:r>
+            <a:r>
+              <a:rPr lang="en-US" dirty="0">
+                <a:effectLst/>
+                <a:latin typeface="Courier New" panose="02070309020205020404" pitchFamily="49" charset="0"/>
+                <a:cs typeface="Courier New" panose="02070309020205020404" pitchFamily="49" charset="0"/>
+              </a:rPr>
+              <a:t> $2, $0, 39 ==&gt; 1000 1000 0010 0111  // if y == 0 </a:t>
+            </a:r>
+            <a:r>
+              <a:rPr lang="en-US" dirty="0" err="1">
+                <a:effectLst/>
+                <a:latin typeface="Courier New" panose="02070309020205020404" pitchFamily="49" charset="0"/>
+                <a:cs typeface="Courier New" panose="02070309020205020404" pitchFamily="49" charset="0"/>
+              </a:rPr>
+              <a:t>goto</a:t>
+            </a:r>
+            <a:r>
+              <a:rPr lang="en-US" dirty="0">
+                <a:effectLst/>
+                <a:latin typeface="Courier New" panose="02070309020205020404" pitchFamily="49" charset="0"/>
+                <a:cs typeface="Courier New" panose="02070309020205020404" pitchFamily="49" charset="0"/>
+              </a:rPr>
+              <a:t> 39</a:t>
+            </a:r>
+          </a:p>
+          <a:p>
+            <a:r>
+              <a:rPr lang="en-US" dirty="0" smtClean="0">
+                <a:effectLst/>
+                <a:latin typeface="Courier New" panose="02070309020205020404" pitchFamily="49" charset="0"/>
+                <a:cs typeface="Courier New" panose="02070309020205020404" pitchFamily="49" charset="0"/>
+              </a:rPr>
+              <a:t>6302    </a:t>
+            </a:r>
+            <a:r>
+              <a:rPr lang="en-US" dirty="0">
+                <a:effectLst/>
+                <a:latin typeface="Courier New" panose="02070309020205020404" pitchFamily="49" charset="0"/>
+                <a:cs typeface="Courier New" panose="02070309020205020404" pitchFamily="49" charset="0"/>
+              </a:rPr>
+              <a:t>// </a:t>
+            </a:r>
+            <a:r>
+              <a:rPr lang="en-US" dirty="0" err="1">
+                <a:effectLst/>
+                <a:latin typeface="Courier New" panose="02070309020205020404" pitchFamily="49" charset="0"/>
+                <a:cs typeface="Courier New" panose="02070309020205020404" pitchFamily="49" charset="0"/>
+              </a:rPr>
+              <a:t>sw</a:t>
+            </a:r>
+            <a:r>
+              <a:rPr lang="en-US" dirty="0">
+                <a:effectLst/>
+                <a:latin typeface="Courier New" panose="02070309020205020404" pitchFamily="49" charset="0"/>
+                <a:cs typeface="Courier New" panose="02070309020205020404" pitchFamily="49" charset="0"/>
+              </a:rPr>
+              <a:t> $3, 2($0)   ==&gt; 0110 0011 0000 0010  // a &lt;- $3</a:t>
+            </a:r>
+          </a:p>
+          <a:p>
+            <a:r>
+              <a:rPr lang="en-US" dirty="0" smtClean="0">
+                <a:effectLst/>
+                <a:latin typeface="Courier New" panose="02070309020205020404" pitchFamily="49" charset="0"/>
+                <a:cs typeface="Courier New" panose="02070309020205020404" pitchFamily="49" charset="0"/>
+              </a:rPr>
+              <a:t>4301    </a:t>
+            </a:r>
+            <a:r>
+              <a:rPr lang="en-US" dirty="0">
+                <a:effectLst/>
+                <a:latin typeface="Courier New" panose="02070309020205020404" pitchFamily="49" charset="0"/>
+                <a:cs typeface="Courier New" panose="02070309020205020404" pitchFamily="49" charset="0"/>
+              </a:rPr>
+              <a:t>// </a:t>
+            </a:r>
+            <a:r>
+              <a:rPr lang="en-US" dirty="0" err="1">
+                <a:effectLst/>
+                <a:latin typeface="Courier New" panose="02070309020205020404" pitchFamily="49" charset="0"/>
+                <a:cs typeface="Courier New" panose="02070309020205020404" pitchFamily="49" charset="0"/>
+              </a:rPr>
+              <a:t>addi</a:t>
+            </a:r>
+            <a:r>
+              <a:rPr lang="en-US" dirty="0">
+                <a:effectLst/>
+                <a:latin typeface="Courier New" panose="02070309020205020404" pitchFamily="49" charset="0"/>
+                <a:cs typeface="Courier New" panose="02070309020205020404" pitchFamily="49" charset="0"/>
+              </a:rPr>
+              <a:t> $3, $0, 1 ==&gt; 0100 0011 0000 0001  // $3 &lt;- 1</a:t>
+            </a:r>
+          </a:p>
+          <a:p>
+            <a:r>
+              <a:rPr lang="en-US" dirty="0" smtClean="0">
+                <a:effectLst/>
+                <a:latin typeface="Courier New" panose="02070309020205020404" pitchFamily="49" charset="0"/>
+                <a:cs typeface="Courier New" panose="02070309020205020404" pitchFamily="49" charset="0"/>
+              </a:rPr>
+              <a:t>2bc0    </a:t>
+            </a:r>
+            <a:r>
+              <a:rPr lang="en-US" dirty="0">
+                <a:effectLst/>
+                <a:latin typeface="Courier New" panose="02070309020205020404" pitchFamily="49" charset="0"/>
+                <a:cs typeface="Courier New" panose="02070309020205020404" pitchFamily="49" charset="0"/>
+              </a:rPr>
+              <a:t>// and $3, $2, $3 ==&gt; 0010 1011 1100 0000  // $3 &lt;- y &amp;&amp; 1</a:t>
+            </a:r>
+          </a:p>
+          <a:p>
+            <a:r>
+              <a:rPr lang="en-US" dirty="0" smtClean="0">
+                <a:effectLst/>
+                <a:latin typeface="Courier New" panose="02070309020205020404" pitchFamily="49" charset="0"/>
+                <a:cs typeface="Courier New" panose="02070309020205020404" pitchFamily="49" charset="0"/>
+              </a:rPr>
+              <a:t>8c1e    </a:t>
+            </a:r>
+            <a:r>
+              <a:rPr lang="en-US" dirty="0">
+                <a:effectLst/>
+                <a:latin typeface="Courier New" panose="02070309020205020404" pitchFamily="49" charset="0"/>
+                <a:cs typeface="Courier New" panose="02070309020205020404" pitchFamily="49" charset="0"/>
+              </a:rPr>
+              <a:t>// </a:t>
+            </a:r>
+            <a:r>
+              <a:rPr lang="en-US" dirty="0" err="1">
+                <a:effectLst/>
+                <a:latin typeface="Courier New" panose="02070309020205020404" pitchFamily="49" charset="0"/>
+                <a:cs typeface="Courier New" panose="02070309020205020404" pitchFamily="49" charset="0"/>
+              </a:rPr>
+              <a:t>beq</a:t>
+            </a:r>
+            <a:r>
+              <a:rPr lang="en-US" dirty="0">
+                <a:effectLst/>
+                <a:latin typeface="Courier New" panose="02070309020205020404" pitchFamily="49" charset="0"/>
+                <a:cs typeface="Courier New" panose="02070309020205020404" pitchFamily="49" charset="0"/>
+              </a:rPr>
+              <a:t> $3, $0, 30 ==&gt; 1000 1100 0001 1110  // if $3 == 0 </a:t>
+            </a:r>
+            <a:r>
+              <a:rPr lang="en-US" dirty="0" err="1">
+                <a:effectLst/>
+                <a:latin typeface="Courier New" panose="02070309020205020404" pitchFamily="49" charset="0"/>
+                <a:cs typeface="Courier New" panose="02070309020205020404" pitchFamily="49" charset="0"/>
+              </a:rPr>
+              <a:t>goto</a:t>
+            </a:r>
+            <a:r>
+              <a:rPr lang="en-US" dirty="0">
+                <a:effectLst/>
+                <a:latin typeface="Courier New" panose="02070309020205020404" pitchFamily="49" charset="0"/>
+                <a:cs typeface="Courier New" panose="02070309020205020404" pitchFamily="49" charset="0"/>
+              </a:rPr>
+              <a:t> 30</a:t>
+            </a:r>
+          </a:p>
+          <a:p>
+            <a:r>
+              <a:rPr lang="en-US" dirty="0" smtClean="0">
+                <a:effectLst/>
+                <a:latin typeface="Courier New" panose="02070309020205020404" pitchFamily="49" charset="0"/>
+                <a:cs typeface="Courier New" panose="02070309020205020404" pitchFamily="49" charset="0"/>
+              </a:rPr>
+              <a:t>5302    </a:t>
+            </a:r>
+            <a:r>
+              <a:rPr lang="en-US" dirty="0">
+                <a:effectLst/>
+                <a:latin typeface="Courier New" panose="02070309020205020404" pitchFamily="49" charset="0"/>
+                <a:cs typeface="Courier New" panose="02070309020205020404" pitchFamily="49" charset="0"/>
+              </a:rPr>
+              <a:t>// </a:t>
+            </a:r>
+            <a:r>
+              <a:rPr lang="en-US" dirty="0" err="1">
+                <a:effectLst/>
+                <a:latin typeface="Courier New" panose="02070309020205020404" pitchFamily="49" charset="0"/>
+                <a:cs typeface="Courier New" panose="02070309020205020404" pitchFamily="49" charset="0"/>
+              </a:rPr>
+              <a:t>lw</a:t>
+            </a:r>
+            <a:r>
+              <a:rPr lang="en-US" dirty="0">
+                <a:effectLst/>
+                <a:latin typeface="Courier New" panose="02070309020205020404" pitchFamily="49" charset="0"/>
+                <a:cs typeface="Courier New" panose="02070309020205020404" pitchFamily="49" charset="0"/>
+              </a:rPr>
+              <a:t> $3, 2($0)   ==&gt; 0101 0011 0000 0010  // $3 &lt;- a</a:t>
+            </a:r>
+          </a:p>
+          <a:p>
+            <a:r>
+              <a:rPr lang="en-US" dirty="0" smtClean="0">
+                <a:effectLst/>
+                <a:latin typeface="Courier New" panose="02070309020205020404" pitchFamily="49" charset="0"/>
+                <a:cs typeface="Courier New" panose="02070309020205020404" pitchFamily="49" charset="0"/>
+              </a:rPr>
+              <a:t>0dc0    </a:t>
+            </a:r>
+            <a:r>
+              <a:rPr lang="en-US" dirty="0">
+                <a:effectLst/>
+                <a:latin typeface="Courier New" panose="02070309020205020404" pitchFamily="49" charset="0"/>
+                <a:cs typeface="Courier New" panose="02070309020205020404" pitchFamily="49" charset="0"/>
+              </a:rPr>
+              <a:t>// add $3, $3, $1 ==&gt; 0000 1101 1100 0000  // $3 &lt;- a + x</a:t>
+            </a:r>
+          </a:p>
+          <a:p>
+            <a:r>
+              <a:rPr lang="en-US" dirty="0">
+                <a:effectLst/>
+                <a:latin typeface="Courier New" panose="02070309020205020404" pitchFamily="49" charset="0"/>
+                <a:cs typeface="Courier New" panose="02070309020205020404" pitchFamily="49" charset="0"/>
+              </a:rPr>
+              <a:t>a144    // </a:t>
+            </a:r>
+            <a:r>
+              <a:rPr lang="en-US" dirty="0" err="1">
+                <a:effectLst/>
+                <a:latin typeface="Courier New" panose="02070309020205020404" pitchFamily="49" charset="0"/>
+                <a:cs typeface="Courier New" panose="02070309020205020404" pitchFamily="49" charset="0"/>
+              </a:rPr>
+              <a:t>sll</a:t>
+            </a:r>
+            <a:r>
+              <a:rPr lang="en-US" dirty="0">
+                <a:effectLst/>
+                <a:latin typeface="Courier New" panose="02070309020205020404" pitchFamily="49" charset="0"/>
+                <a:cs typeface="Courier New" panose="02070309020205020404" pitchFamily="49" charset="0"/>
+              </a:rPr>
+              <a:t> $1, $1, 1  ==&gt; 1010 0001 0100 0100  // x *= 2</a:t>
+            </a:r>
+          </a:p>
+          <a:p>
+            <a:r>
+              <a:rPr lang="en-US" dirty="0">
+                <a:effectLst/>
+                <a:latin typeface="Courier New" panose="02070309020205020404" pitchFamily="49" charset="0"/>
+                <a:cs typeface="Courier New" panose="02070309020205020404" pitchFamily="49" charset="0"/>
+              </a:rPr>
+              <a:t>b286    // </a:t>
+            </a:r>
+            <a:r>
+              <a:rPr lang="en-US" dirty="0" err="1">
+                <a:effectLst/>
+                <a:latin typeface="Courier New" panose="02070309020205020404" pitchFamily="49" charset="0"/>
+                <a:cs typeface="Courier New" panose="02070309020205020404" pitchFamily="49" charset="0"/>
+              </a:rPr>
+              <a:t>srl</a:t>
+            </a:r>
+            <a:r>
+              <a:rPr lang="en-US" dirty="0">
+                <a:effectLst/>
+                <a:latin typeface="Courier New" panose="02070309020205020404" pitchFamily="49" charset="0"/>
+                <a:cs typeface="Courier New" panose="02070309020205020404" pitchFamily="49" charset="0"/>
+              </a:rPr>
+              <a:t> $2, $2, 1  ==&gt; 1011 0010 1000 0100  // y //= 2</a:t>
+            </a:r>
+          </a:p>
+          <a:p>
+            <a:r>
+              <a:rPr lang="en-US" dirty="0" smtClean="0">
+                <a:effectLst/>
+                <a:latin typeface="Courier New" panose="02070309020205020404" pitchFamily="49" charset="0"/>
+                <a:cs typeface="Courier New" panose="02070309020205020404" pitchFamily="49" charset="0"/>
+              </a:rPr>
+              <a:t>c005    </a:t>
+            </a:r>
+            <a:r>
+              <a:rPr lang="en-US" dirty="0">
+                <a:effectLst/>
+                <a:latin typeface="Courier New" panose="02070309020205020404" pitchFamily="49" charset="0"/>
+                <a:cs typeface="Courier New" panose="02070309020205020404" pitchFamily="49" charset="0"/>
+              </a:rPr>
+              <a:t>// j 5            ==&gt; 1100 0000 0000 0101  // </a:t>
+            </a:r>
+            <a:r>
+              <a:rPr lang="en-US" dirty="0" err="1">
+                <a:effectLst/>
+                <a:latin typeface="Courier New" panose="02070309020205020404" pitchFamily="49" charset="0"/>
+                <a:cs typeface="Courier New" panose="02070309020205020404" pitchFamily="49" charset="0"/>
+              </a:rPr>
+              <a:t>goto</a:t>
+            </a:r>
+            <a:r>
+              <a:rPr lang="en-US" dirty="0">
+                <a:effectLst/>
+                <a:latin typeface="Courier New" panose="02070309020205020404" pitchFamily="49" charset="0"/>
+                <a:cs typeface="Courier New" panose="02070309020205020404" pitchFamily="49" charset="0"/>
+              </a:rPr>
+              <a:t> 5</a:t>
+            </a:r>
+          </a:p>
+          <a:p>
+            <a:endParaRPr lang="en-US" dirty="0"/>
+          </a:p>
+        </p:txBody>
+      </p:sp>
+    </p:spTree>
+    <p:extLst>
+      <p:ext uri="{BB962C8B-B14F-4D97-AF65-F5344CB8AC3E}">
+        <p14:creationId xmlns:p14="http://schemas.microsoft.com/office/powerpoint/2010/main" val="1210100422"/>
+      </p:ext>
+    </p:extLst>
+  </p:cSld>
+  <p:clrMapOvr>
+    <a:masterClrMapping/>
+  </p:clrMapOvr>
+</p:sld>
+</file>
+
+<file path=ppt/slides/slide9.xml><?xml version="1.0" encoding="utf-8"?>
+<p:sld xmlns:a="http://schemas.openxmlformats.org/drawingml/2006/main" xmlns:r="http://schemas.openxmlformats.org/officeDocument/2006/relationships" xmlns:p="http://schemas.openxmlformats.org/presentationml/2006/main">
+  <p:cSld>
+    <p:spTree>
+      <p:nvGrpSpPr>
+        <p:cNvPr id="1" name=""/>
+        <p:cNvGrpSpPr/>
+        <p:nvPr/>
+      </p:nvGrpSpPr>
+      <p:grpSpPr>
+        <a:xfrm>
+          <a:off x="0" y="0"/>
+          <a:ext cx="0" cy="0"/>
+          <a:chOff x="0" y="0"/>
+          <a:chExt cx="0" cy="0"/>
+        </a:xfrm>
+      </p:grpSpPr>
+      <p:pic>
+        <p:nvPicPr>
+          <p:cNvPr id="4" name="Picture 3"/>
+          <p:cNvPicPr/>
+          <p:nvPr/>
+        </p:nvPicPr>
+        <p:blipFill rotWithShape="1">
+          <a:blip r:embed="rId2">
+            <a:extLst>
+              <a:ext uri="{28A0092B-C50C-407E-A947-70E740481C1C}">
+                <a14:useLocalDpi xmlns:a14="http://schemas.microsoft.com/office/drawing/2010/main" val="0"/>
+              </a:ext>
+            </a:extLst>
+          </a:blip>
+          <a:srcRect b="44801"/>
+          <a:stretch/>
+        </p:blipFill>
+        <p:spPr bwMode="auto">
+          <a:xfrm>
+            <a:off x="380325" y="1"/>
+            <a:ext cx="11502374" cy="6857999"/>
+          </a:xfrm>
+          <a:prstGeom prst="rect">
+            <a:avLst/>
+          </a:prstGeom>
+          <a:noFill/>
+          <a:ln>
+            <a:noFill/>
+          </a:ln>
+        </p:spPr>
+      </p:pic>
+    </p:spTree>
+    <p:extLst>
+      <p:ext uri="{BB962C8B-B14F-4D97-AF65-F5344CB8AC3E}">
+        <p14:creationId xmlns:p14="http://schemas.microsoft.com/office/powerpoint/2010/main" val="3026986053"/>
+      </p:ext>
+    </p:extLst>
+  </p:cSld>
+  <p:clrMapOvr>
+    <a:masterClrMapping/>
+  </p:clrMapOvr>
+</p:sld>
+</file>
+
 <file path=ppt/theme/theme1.xml><?xml version="1.0" encoding="utf-8"?>
 <a:theme xmlns:a="http://schemas.openxmlformats.org/drawingml/2006/main" name="Damask">
   <a:themeElements>

--- a/CS385 Final Project.pptx
+++ b/CS385 Final Project.pptx
@@ -11,9 +11,11 @@
     <p:sldId id="258" r:id="rId5"/>
     <p:sldId id="259" r:id="rId6"/>
     <p:sldId id="260" r:id="rId7"/>
-    <p:sldId id="262" r:id="rId8"/>
-    <p:sldId id="263" r:id="rId9"/>
-    <p:sldId id="264" r:id="rId10"/>
+    <p:sldId id="265" r:id="rId8"/>
+    <p:sldId id="266" r:id="rId9"/>
+    <p:sldId id="262" r:id="rId10"/>
+    <p:sldId id="263" r:id="rId11"/>
+    <p:sldId id="264" r:id="rId12"/>
   </p:sldIdLst>
   <p:sldSz cx="12192000" cy="6858000"/>
   <p:notesSz cx="6858000" cy="9144000"/>
@@ -253,7 +255,7 @@
           <a:p>
             <a:fld id="{48A87A34-81AB-432B-8DAE-1953F412C126}" type="datetimeFigureOut">
               <a:rPr lang="en-US" smtClean="0"/>
-              <a:t>5/5/2013</a:t>
+              <a:t>5/6/2013</a:t>
             </a:fld>
             <a:endParaRPr lang="en-US" dirty="0"/>
           </a:p>
@@ -540,7 +542,7 @@
           <a:p>
             <a:fld id="{48A87A34-81AB-432B-8DAE-1953F412C126}" type="datetimeFigureOut">
               <a:rPr lang="en-US" smtClean="0"/>
-              <a:t>5/5/2013</a:t>
+              <a:t>5/6/2013</a:t>
             </a:fld>
             <a:endParaRPr lang="en-US" dirty="0"/>
           </a:p>
@@ -732,7 +734,7 @@
           <a:p>
             <a:fld id="{48A87A34-81AB-432B-8DAE-1953F412C126}" type="datetimeFigureOut">
               <a:rPr lang="en-US" smtClean="0"/>
-              <a:t>5/5/2013</a:t>
+              <a:t>5/6/2013</a:t>
             </a:fld>
             <a:endParaRPr lang="en-US" dirty="0"/>
           </a:p>
@@ -993,7 +995,7 @@
           <a:p>
             <a:fld id="{48A87A34-81AB-432B-8DAE-1953F412C126}" type="datetimeFigureOut">
               <a:rPr lang="en-US" smtClean="0"/>
-              <a:t>5/5/2013</a:t>
+              <a:t>5/6/2013</a:t>
             </a:fld>
             <a:endParaRPr lang="en-US" dirty="0"/>
           </a:p>
@@ -1417,7 +1419,7 @@
           <a:p>
             <a:fld id="{48A87A34-81AB-432B-8DAE-1953F412C126}" type="datetimeFigureOut">
               <a:rPr lang="en-US" smtClean="0"/>
-              <a:t>5/5/2013</a:t>
+              <a:t>5/6/2013</a:t>
             </a:fld>
             <a:endParaRPr lang="en-US" dirty="0"/>
           </a:p>
@@ -1963,7 +1965,7 @@
           <a:p>
             <a:fld id="{48A87A34-81AB-432B-8DAE-1953F412C126}" type="datetimeFigureOut">
               <a:rPr lang="en-US" smtClean="0"/>
-              <a:t>5/5/2013</a:t>
+              <a:t>5/6/2013</a:t>
             </a:fld>
             <a:endParaRPr lang="en-US" dirty="0"/>
           </a:p>
@@ -2803,7 +2805,7 @@
           <a:p>
             <a:fld id="{48A87A34-81AB-432B-8DAE-1953F412C126}" type="datetimeFigureOut">
               <a:rPr lang="en-US" smtClean="0"/>
-              <a:t>5/5/2013</a:t>
+              <a:t>5/6/2013</a:t>
             </a:fld>
             <a:endParaRPr lang="en-US" dirty="0"/>
           </a:p>
@@ -2973,7 +2975,7 @@
           <a:p>
             <a:fld id="{48A87A34-81AB-432B-8DAE-1953F412C126}" type="datetimeFigureOut">
               <a:rPr lang="en-US" smtClean="0"/>
-              <a:t>5/5/2013</a:t>
+              <a:t>5/6/2013</a:t>
             </a:fld>
             <a:endParaRPr lang="en-US" dirty="0"/>
           </a:p>
@@ -3157,7 +3159,7 @@
           <a:p>
             <a:fld id="{48A87A34-81AB-432B-8DAE-1953F412C126}" type="datetimeFigureOut">
               <a:rPr lang="en-US" smtClean="0"/>
-              <a:t>5/5/2013</a:t>
+              <a:t>5/6/2013</a:t>
             </a:fld>
             <a:endParaRPr lang="en-US" dirty="0"/>
           </a:p>
@@ -3327,7 +3329,7 @@
           <a:p>
             <a:fld id="{48A87A34-81AB-432B-8DAE-1953F412C126}" type="datetimeFigureOut">
               <a:rPr lang="en-US" smtClean="0"/>
-              <a:t>5/5/2013</a:t>
+              <a:t>5/6/2013</a:t>
             </a:fld>
             <a:endParaRPr lang="en-US" dirty="0"/>
           </a:p>
@@ -3575,7 +3577,7 @@
           <a:p>
             <a:fld id="{48A87A34-81AB-432B-8DAE-1953F412C126}" type="datetimeFigureOut">
               <a:rPr lang="en-US" smtClean="0"/>
-              <a:t>5/5/2013</a:t>
+              <a:t>5/6/2013</a:t>
             </a:fld>
             <a:endParaRPr lang="en-US" dirty="0"/>
           </a:p>
@@ -3812,7 +3814,7 @@
           <a:p>
             <a:fld id="{48A87A34-81AB-432B-8DAE-1953F412C126}" type="datetimeFigureOut">
               <a:rPr lang="en-US" smtClean="0"/>
-              <a:t>5/5/2013</a:t>
+              <a:t>5/6/2013</a:t>
             </a:fld>
             <a:endParaRPr lang="en-US" dirty="0"/>
           </a:p>
@@ -4185,7 +4187,7 @@
           <a:p>
             <a:fld id="{48A87A34-81AB-432B-8DAE-1953F412C126}" type="datetimeFigureOut">
               <a:rPr lang="en-US" smtClean="0"/>
-              <a:t>5/5/2013</a:t>
+              <a:t>5/6/2013</a:t>
             </a:fld>
             <a:endParaRPr lang="en-US" dirty="0"/>
           </a:p>
@@ -4303,7 +4305,7 @@
           <a:p>
             <a:fld id="{48A87A34-81AB-432B-8DAE-1953F412C126}" type="datetimeFigureOut">
               <a:rPr lang="en-US" smtClean="0"/>
-              <a:t>5/5/2013</a:t>
+              <a:t>5/6/2013</a:t>
             </a:fld>
             <a:endParaRPr lang="en-US" dirty="0"/>
           </a:p>
@@ -4398,7 +4400,7 @@
           <a:p>
             <a:fld id="{48A87A34-81AB-432B-8DAE-1953F412C126}" type="datetimeFigureOut">
               <a:rPr lang="en-US" smtClean="0"/>
-              <a:t>5/5/2013</a:t>
+              <a:t>5/6/2013</a:t>
             </a:fld>
             <a:endParaRPr lang="en-US" dirty="0"/>
           </a:p>
@@ -4649,7 +4651,7 @@
           <a:p>
             <a:fld id="{48A87A34-81AB-432B-8DAE-1953F412C126}" type="datetimeFigureOut">
               <a:rPr lang="en-US" smtClean="0"/>
-              <a:t>5/5/2013</a:t>
+              <a:t>5/6/2013</a:t>
             </a:fld>
             <a:endParaRPr lang="en-US" dirty="0"/>
           </a:p>
@@ -4936,7 +4938,7 @@
           <a:p>
             <a:fld id="{48A87A34-81AB-432B-8DAE-1953F412C126}" type="datetimeFigureOut">
               <a:rPr lang="en-US" smtClean="0"/>
-              <a:t>5/5/2013</a:t>
+              <a:t>5/6/2013</a:t>
             </a:fld>
             <a:endParaRPr lang="en-US" dirty="0"/>
           </a:p>
@@ -5150,7 +5152,7 @@
             <a:fld id="{48A87A34-81AB-432B-8DAE-1953F412C126}" type="datetimeFigureOut">
               <a:rPr lang="en-US" smtClean="0"/>
               <a:pPr/>
-              <a:t>5/5/2013</a:t>
+              <a:t>5/6/2013</a:t>
             </a:fld>
             <a:endParaRPr lang="en-US" dirty="0"/>
           </a:p>
@@ -5691,6 +5693,596 @@
 </p:sld>
 </file>
 
+<file path=ppt/slides/slide10.xml><?xml version="1.0" encoding="utf-8"?>
+<p:sld xmlns:a="http://schemas.openxmlformats.org/drawingml/2006/main" xmlns:r="http://schemas.openxmlformats.org/officeDocument/2006/relationships" xmlns:p="http://schemas.openxmlformats.org/presentationml/2006/main">
+  <p:cSld>
+    <p:spTree>
+      <p:nvGrpSpPr>
+        <p:cNvPr id="1" name=""/>
+        <p:cNvGrpSpPr/>
+        <p:nvPr/>
+      </p:nvGrpSpPr>
+      <p:grpSpPr>
+        <a:xfrm>
+          <a:off x="0" y="0"/>
+          <a:ext cx="0" cy="0"/>
+          <a:chOff x="0" y="0"/>
+          <a:chExt cx="0" cy="0"/>
+        </a:xfrm>
+      </p:grpSpPr>
+      <p:sp>
+        <p:nvSpPr>
+          <p:cNvPr id="2" name="Title 1"/>
+          <p:cNvSpPr>
+            <a:spLocks noGrp="1"/>
+          </p:cNvSpPr>
+          <p:nvPr>
+            <p:ph type="title"/>
+          </p:nvPr>
+        </p:nvSpPr>
+        <p:spPr/>
+        <p:txBody>
+          <a:bodyPr/>
+          <a:lstStyle/>
+          <a:p>
+            <a:r>
+              <a:rPr lang="en-US" dirty="0" smtClean="0"/>
+              <a:t>Code snippet</a:t>
+            </a:r>
+            <a:endParaRPr lang="en-US" dirty="0"/>
+          </a:p>
+        </p:txBody>
+      </p:sp>
+      <p:sp>
+        <p:nvSpPr>
+          <p:cNvPr id="3" name="Content Placeholder 2"/>
+          <p:cNvSpPr>
+            <a:spLocks noGrp="1"/>
+          </p:cNvSpPr>
+          <p:nvPr>
+            <p:ph idx="1"/>
+          </p:nvPr>
+        </p:nvSpPr>
+        <p:spPr>
+          <a:xfrm>
+            <a:off x="913795" y="2096063"/>
+            <a:ext cx="10353762" cy="4571773"/>
+          </a:xfrm>
+        </p:spPr>
+        <p:txBody>
+          <a:bodyPr>
+            <a:normAutofit fontScale="70000" lnSpcReduction="20000"/>
+          </a:bodyPr>
+          <a:lstStyle/>
+          <a:p>
+            <a:r>
+              <a:rPr lang="en-US" dirty="0">
+                <a:effectLst/>
+                <a:latin typeface="Courier New" panose="02070309020205020404" pitchFamily="49" charset="0"/>
+                <a:cs typeface="Courier New" panose="02070309020205020404" pitchFamily="49" charset="0"/>
+              </a:rPr>
+              <a:t>5100    // </a:t>
+            </a:r>
+            <a:r>
+              <a:rPr lang="en-US" dirty="0" err="1">
+                <a:effectLst/>
+                <a:latin typeface="Courier New" panose="02070309020205020404" pitchFamily="49" charset="0"/>
+                <a:cs typeface="Courier New" panose="02070309020205020404" pitchFamily="49" charset="0"/>
+              </a:rPr>
+              <a:t>lw</a:t>
+            </a:r>
+            <a:r>
+              <a:rPr lang="en-US" dirty="0">
+                <a:effectLst/>
+                <a:latin typeface="Courier New" panose="02070309020205020404" pitchFamily="49" charset="0"/>
+                <a:cs typeface="Courier New" panose="02070309020205020404" pitchFamily="49" charset="0"/>
+              </a:rPr>
+              <a:t> $1, 0($0)   ==&gt; 0101 0001 0000 0000	</a:t>
+            </a:r>
+            <a:r>
+              <a:rPr lang="en-US" dirty="0" smtClean="0">
+                <a:effectLst/>
+                <a:latin typeface="Courier New" panose="02070309020205020404" pitchFamily="49" charset="0"/>
+                <a:cs typeface="Courier New" panose="02070309020205020404" pitchFamily="49" charset="0"/>
+              </a:rPr>
+              <a:t> // </a:t>
+            </a:r>
+            <a:r>
+              <a:rPr lang="en-US" dirty="0">
+                <a:effectLst/>
+                <a:latin typeface="Courier New" panose="02070309020205020404" pitchFamily="49" charset="0"/>
+                <a:cs typeface="Courier New" panose="02070309020205020404" pitchFamily="49" charset="0"/>
+              </a:rPr>
+              <a:t>$1 &lt;- x</a:t>
+            </a:r>
+          </a:p>
+          <a:p>
+            <a:r>
+              <a:rPr lang="en-US" dirty="0">
+                <a:effectLst/>
+                <a:latin typeface="Courier New" panose="02070309020205020404" pitchFamily="49" charset="0"/>
+                <a:cs typeface="Courier New" panose="02070309020205020404" pitchFamily="49" charset="0"/>
+              </a:rPr>
+              <a:t>5201    // </a:t>
+            </a:r>
+            <a:r>
+              <a:rPr lang="en-US" dirty="0" err="1">
+                <a:effectLst/>
+                <a:latin typeface="Courier New" panose="02070309020205020404" pitchFamily="49" charset="0"/>
+                <a:cs typeface="Courier New" panose="02070309020205020404" pitchFamily="49" charset="0"/>
+              </a:rPr>
+              <a:t>lw</a:t>
+            </a:r>
+            <a:r>
+              <a:rPr lang="en-US" dirty="0">
+                <a:effectLst/>
+                <a:latin typeface="Courier New" panose="02070309020205020404" pitchFamily="49" charset="0"/>
+                <a:cs typeface="Courier New" panose="02070309020205020404" pitchFamily="49" charset="0"/>
+              </a:rPr>
+              <a:t> $2, 1($0)   ==&gt; 0101 0010 0000 0001	</a:t>
+            </a:r>
+            <a:r>
+              <a:rPr lang="en-US" dirty="0" smtClean="0">
+                <a:effectLst/>
+                <a:latin typeface="Courier New" panose="02070309020205020404" pitchFamily="49" charset="0"/>
+                <a:cs typeface="Courier New" panose="02070309020205020404" pitchFamily="49" charset="0"/>
+              </a:rPr>
+              <a:t> // </a:t>
+            </a:r>
+            <a:r>
+              <a:rPr lang="en-US" dirty="0">
+                <a:effectLst/>
+                <a:latin typeface="Courier New" panose="02070309020205020404" pitchFamily="49" charset="0"/>
+                <a:cs typeface="Courier New" panose="02070309020205020404" pitchFamily="49" charset="0"/>
+              </a:rPr>
+              <a:t>$2 &lt;- y</a:t>
+            </a:r>
+          </a:p>
+          <a:p>
+            <a:r>
+              <a:rPr lang="en-US" dirty="0">
+                <a:effectLst/>
+                <a:latin typeface="Courier New" panose="02070309020205020404" pitchFamily="49" charset="0"/>
+                <a:cs typeface="Courier New" panose="02070309020205020404" pitchFamily="49" charset="0"/>
+              </a:rPr>
+              <a:t>4300    // </a:t>
+            </a:r>
+            <a:r>
+              <a:rPr lang="en-US" dirty="0" err="1">
+                <a:effectLst/>
+                <a:latin typeface="Courier New" panose="02070309020205020404" pitchFamily="49" charset="0"/>
+                <a:cs typeface="Courier New" panose="02070309020205020404" pitchFamily="49" charset="0"/>
+              </a:rPr>
+              <a:t>addi</a:t>
+            </a:r>
+            <a:r>
+              <a:rPr lang="en-US" dirty="0">
+                <a:effectLst/>
+                <a:latin typeface="Courier New" panose="02070309020205020404" pitchFamily="49" charset="0"/>
+                <a:cs typeface="Courier New" panose="02070309020205020404" pitchFamily="49" charset="0"/>
+              </a:rPr>
+              <a:t> $3, $0, 0 ==&gt; 0100 0011 0000 0000	 </a:t>
+            </a:r>
+            <a:r>
+              <a:rPr lang="en-US" dirty="0" smtClean="0">
+                <a:effectLst/>
+                <a:latin typeface="Courier New" panose="02070309020205020404" pitchFamily="49" charset="0"/>
+                <a:cs typeface="Courier New" panose="02070309020205020404" pitchFamily="49" charset="0"/>
+              </a:rPr>
+              <a:t>// </a:t>
+            </a:r>
+            <a:r>
+              <a:rPr lang="en-US" dirty="0">
+                <a:effectLst/>
+                <a:latin typeface="Courier New" panose="02070309020205020404" pitchFamily="49" charset="0"/>
+                <a:cs typeface="Courier New" panose="02070309020205020404" pitchFamily="49" charset="0"/>
+              </a:rPr>
+              <a:t>$3 &lt;- 0 </a:t>
+            </a:r>
+          </a:p>
+          <a:p>
+            <a:r>
+              <a:rPr lang="en-US" dirty="0" smtClean="0">
+                <a:effectLst/>
+                <a:latin typeface="Courier New" panose="02070309020205020404" pitchFamily="49" charset="0"/>
+                <a:cs typeface="Courier New" panose="02070309020205020404" pitchFamily="49" charset="0"/>
+              </a:rPr>
+              <a:t>8827    </a:t>
+            </a:r>
+            <a:r>
+              <a:rPr lang="en-US" dirty="0">
+                <a:effectLst/>
+                <a:latin typeface="Courier New" panose="02070309020205020404" pitchFamily="49" charset="0"/>
+                <a:cs typeface="Courier New" panose="02070309020205020404" pitchFamily="49" charset="0"/>
+              </a:rPr>
+              <a:t>// </a:t>
+            </a:r>
+            <a:r>
+              <a:rPr lang="en-US" dirty="0" err="1">
+                <a:effectLst/>
+                <a:latin typeface="Courier New" panose="02070309020205020404" pitchFamily="49" charset="0"/>
+                <a:cs typeface="Courier New" panose="02070309020205020404" pitchFamily="49" charset="0"/>
+              </a:rPr>
+              <a:t>beq</a:t>
+            </a:r>
+            <a:r>
+              <a:rPr lang="en-US" dirty="0">
+                <a:effectLst/>
+                <a:latin typeface="Courier New" panose="02070309020205020404" pitchFamily="49" charset="0"/>
+                <a:cs typeface="Courier New" panose="02070309020205020404" pitchFamily="49" charset="0"/>
+              </a:rPr>
+              <a:t> $2, $0, 39 ==&gt; 1000 1000 0010 0111  // if y == 0 </a:t>
+            </a:r>
+            <a:r>
+              <a:rPr lang="en-US" dirty="0" err="1">
+                <a:effectLst/>
+                <a:latin typeface="Courier New" panose="02070309020205020404" pitchFamily="49" charset="0"/>
+                <a:cs typeface="Courier New" panose="02070309020205020404" pitchFamily="49" charset="0"/>
+              </a:rPr>
+              <a:t>goto</a:t>
+            </a:r>
+            <a:r>
+              <a:rPr lang="en-US" dirty="0">
+                <a:effectLst/>
+                <a:latin typeface="Courier New" panose="02070309020205020404" pitchFamily="49" charset="0"/>
+                <a:cs typeface="Courier New" panose="02070309020205020404" pitchFamily="49" charset="0"/>
+              </a:rPr>
+              <a:t> 39</a:t>
+            </a:r>
+          </a:p>
+          <a:p>
+            <a:r>
+              <a:rPr lang="en-US" dirty="0" smtClean="0">
+                <a:effectLst/>
+                <a:latin typeface="Courier New" panose="02070309020205020404" pitchFamily="49" charset="0"/>
+                <a:cs typeface="Courier New" panose="02070309020205020404" pitchFamily="49" charset="0"/>
+              </a:rPr>
+              <a:t>6302    </a:t>
+            </a:r>
+            <a:r>
+              <a:rPr lang="en-US" dirty="0">
+                <a:effectLst/>
+                <a:latin typeface="Courier New" panose="02070309020205020404" pitchFamily="49" charset="0"/>
+                <a:cs typeface="Courier New" panose="02070309020205020404" pitchFamily="49" charset="0"/>
+              </a:rPr>
+              <a:t>// </a:t>
+            </a:r>
+            <a:r>
+              <a:rPr lang="en-US" dirty="0" err="1">
+                <a:effectLst/>
+                <a:latin typeface="Courier New" panose="02070309020205020404" pitchFamily="49" charset="0"/>
+                <a:cs typeface="Courier New" panose="02070309020205020404" pitchFamily="49" charset="0"/>
+              </a:rPr>
+              <a:t>sw</a:t>
+            </a:r>
+            <a:r>
+              <a:rPr lang="en-US" dirty="0">
+                <a:effectLst/>
+                <a:latin typeface="Courier New" panose="02070309020205020404" pitchFamily="49" charset="0"/>
+                <a:cs typeface="Courier New" panose="02070309020205020404" pitchFamily="49" charset="0"/>
+              </a:rPr>
+              <a:t> $3, 2($0)   ==&gt; 0110 0011 0000 0010  // a &lt;- $3</a:t>
+            </a:r>
+          </a:p>
+          <a:p>
+            <a:r>
+              <a:rPr lang="en-US" dirty="0" smtClean="0">
+                <a:effectLst/>
+                <a:latin typeface="Courier New" panose="02070309020205020404" pitchFamily="49" charset="0"/>
+                <a:cs typeface="Courier New" panose="02070309020205020404" pitchFamily="49" charset="0"/>
+              </a:rPr>
+              <a:t>4301    </a:t>
+            </a:r>
+            <a:r>
+              <a:rPr lang="en-US" dirty="0">
+                <a:effectLst/>
+                <a:latin typeface="Courier New" panose="02070309020205020404" pitchFamily="49" charset="0"/>
+                <a:cs typeface="Courier New" panose="02070309020205020404" pitchFamily="49" charset="0"/>
+              </a:rPr>
+              <a:t>// </a:t>
+            </a:r>
+            <a:r>
+              <a:rPr lang="en-US" dirty="0" err="1">
+                <a:effectLst/>
+                <a:latin typeface="Courier New" panose="02070309020205020404" pitchFamily="49" charset="0"/>
+                <a:cs typeface="Courier New" panose="02070309020205020404" pitchFamily="49" charset="0"/>
+              </a:rPr>
+              <a:t>addi</a:t>
+            </a:r>
+            <a:r>
+              <a:rPr lang="en-US" dirty="0">
+                <a:effectLst/>
+                <a:latin typeface="Courier New" panose="02070309020205020404" pitchFamily="49" charset="0"/>
+                <a:cs typeface="Courier New" panose="02070309020205020404" pitchFamily="49" charset="0"/>
+              </a:rPr>
+              <a:t> $3, $0, 1 ==&gt; 0100 0011 0000 0001  // $3 &lt;- 1</a:t>
+            </a:r>
+          </a:p>
+          <a:p>
+            <a:r>
+              <a:rPr lang="en-US" dirty="0" smtClean="0">
+                <a:effectLst/>
+                <a:latin typeface="Courier New" panose="02070309020205020404" pitchFamily="49" charset="0"/>
+                <a:cs typeface="Courier New" panose="02070309020205020404" pitchFamily="49" charset="0"/>
+              </a:rPr>
+              <a:t>2bc0    </a:t>
+            </a:r>
+            <a:r>
+              <a:rPr lang="en-US" dirty="0">
+                <a:effectLst/>
+                <a:latin typeface="Courier New" panose="02070309020205020404" pitchFamily="49" charset="0"/>
+                <a:cs typeface="Courier New" panose="02070309020205020404" pitchFamily="49" charset="0"/>
+              </a:rPr>
+              <a:t>// and $3, $2, $3 ==&gt; 0010 1011 1100 0000  // $3 &lt;- y &amp;&amp; 1</a:t>
+            </a:r>
+          </a:p>
+          <a:p>
+            <a:r>
+              <a:rPr lang="en-US" dirty="0" smtClean="0">
+                <a:effectLst/>
+                <a:latin typeface="Courier New" panose="02070309020205020404" pitchFamily="49" charset="0"/>
+                <a:cs typeface="Courier New" panose="02070309020205020404" pitchFamily="49" charset="0"/>
+              </a:rPr>
+              <a:t>8c1e    </a:t>
+            </a:r>
+            <a:r>
+              <a:rPr lang="en-US" dirty="0">
+                <a:effectLst/>
+                <a:latin typeface="Courier New" panose="02070309020205020404" pitchFamily="49" charset="0"/>
+                <a:cs typeface="Courier New" panose="02070309020205020404" pitchFamily="49" charset="0"/>
+              </a:rPr>
+              <a:t>// </a:t>
+            </a:r>
+            <a:r>
+              <a:rPr lang="en-US" dirty="0" err="1">
+                <a:effectLst/>
+                <a:latin typeface="Courier New" panose="02070309020205020404" pitchFamily="49" charset="0"/>
+                <a:cs typeface="Courier New" panose="02070309020205020404" pitchFamily="49" charset="0"/>
+              </a:rPr>
+              <a:t>beq</a:t>
+            </a:r>
+            <a:r>
+              <a:rPr lang="en-US" dirty="0">
+                <a:effectLst/>
+                <a:latin typeface="Courier New" panose="02070309020205020404" pitchFamily="49" charset="0"/>
+                <a:cs typeface="Courier New" panose="02070309020205020404" pitchFamily="49" charset="0"/>
+              </a:rPr>
+              <a:t> $3, $0, 30 ==&gt; 1000 1100 0001 1110  // if $3 == 0 </a:t>
+            </a:r>
+            <a:r>
+              <a:rPr lang="en-US" dirty="0" err="1">
+                <a:effectLst/>
+                <a:latin typeface="Courier New" panose="02070309020205020404" pitchFamily="49" charset="0"/>
+                <a:cs typeface="Courier New" panose="02070309020205020404" pitchFamily="49" charset="0"/>
+              </a:rPr>
+              <a:t>goto</a:t>
+            </a:r>
+            <a:r>
+              <a:rPr lang="en-US" dirty="0">
+                <a:effectLst/>
+                <a:latin typeface="Courier New" panose="02070309020205020404" pitchFamily="49" charset="0"/>
+                <a:cs typeface="Courier New" panose="02070309020205020404" pitchFamily="49" charset="0"/>
+              </a:rPr>
+              <a:t> 30</a:t>
+            </a:r>
+          </a:p>
+          <a:p>
+            <a:r>
+              <a:rPr lang="en-US" dirty="0" smtClean="0">
+                <a:effectLst/>
+                <a:latin typeface="Courier New" panose="02070309020205020404" pitchFamily="49" charset="0"/>
+                <a:cs typeface="Courier New" panose="02070309020205020404" pitchFamily="49" charset="0"/>
+              </a:rPr>
+              <a:t>5302    </a:t>
+            </a:r>
+            <a:r>
+              <a:rPr lang="en-US" dirty="0">
+                <a:effectLst/>
+                <a:latin typeface="Courier New" panose="02070309020205020404" pitchFamily="49" charset="0"/>
+                <a:cs typeface="Courier New" panose="02070309020205020404" pitchFamily="49" charset="0"/>
+              </a:rPr>
+              <a:t>// </a:t>
+            </a:r>
+            <a:r>
+              <a:rPr lang="en-US" dirty="0" err="1">
+                <a:effectLst/>
+                <a:latin typeface="Courier New" panose="02070309020205020404" pitchFamily="49" charset="0"/>
+                <a:cs typeface="Courier New" panose="02070309020205020404" pitchFamily="49" charset="0"/>
+              </a:rPr>
+              <a:t>lw</a:t>
+            </a:r>
+            <a:r>
+              <a:rPr lang="en-US" dirty="0">
+                <a:effectLst/>
+                <a:latin typeface="Courier New" panose="02070309020205020404" pitchFamily="49" charset="0"/>
+                <a:cs typeface="Courier New" panose="02070309020205020404" pitchFamily="49" charset="0"/>
+              </a:rPr>
+              <a:t> $3, 2($0)   ==&gt; 0101 0011 0000 0010  // $3 &lt;- a</a:t>
+            </a:r>
+          </a:p>
+          <a:p>
+            <a:r>
+              <a:rPr lang="en-US" dirty="0" smtClean="0">
+                <a:effectLst/>
+                <a:latin typeface="Courier New" panose="02070309020205020404" pitchFamily="49" charset="0"/>
+                <a:cs typeface="Courier New" panose="02070309020205020404" pitchFamily="49" charset="0"/>
+              </a:rPr>
+              <a:t>0dc0    </a:t>
+            </a:r>
+            <a:r>
+              <a:rPr lang="en-US" dirty="0">
+                <a:effectLst/>
+                <a:latin typeface="Courier New" panose="02070309020205020404" pitchFamily="49" charset="0"/>
+                <a:cs typeface="Courier New" panose="02070309020205020404" pitchFamily="49" charset="0"/>
+              </a:rPr>
+              <a:t>// add $3, $3, $1 ==&gt; 0000 1101 1100 0000  // $3 &lt;- a + x</a:t>
+            </a:r>
+          </a:p>
+          <a:p>
+            <a:r>
+              <a:rPr lang="en-US" dirty="0">
+                <a:effectLst/>
+                <a:latin typeface="Courier New" panose="02070309020205020404" pitchFamily="49" charset="0"/>
+                <a:cs typeface="Courier New" panose="02070309020205020404" pitchFamily="49" charset="0"/>
+              </a:rPr>
+              <a:t>a144    // </a:t>
+            </a:r>
+            <a:r>
+              <a:rPr lang="en-US" dirty="0" err="1">
+                <a:effectLst/>
+                <a:latin typeface="Courier New" panose="02070309020205020404" pitchFamily="49" charset="0"/>
+                <a:cs typeface="Courier New" panose="02070309020205020404" pitchFamily="49" charset="0"/>
+              </a:rPr>
+              <a:t>sll</a:t>
+            </a:r>
+            <a:r>
+              <a:rPr lang="en-US" dirty="0">
+                <a:effectLst/>
+                <a:latin typeface="Courier New" panose="02070309020205020404" pitchFamily="49" charset="0"/>
+                <a:cs typeface="Courier New" panose="02070309020205020404" pitchFamily="49" charset="0"/>
+              </a:rPr>
+              <a:t> $1, $1, 1  ==&gt; 1010 0001 0100 0100  // x *= 2</a:t>
+            </a:r>
+          </a:p>
+          <a:p>
+            <a:r>
+              <a:rPr lang="en-US" dirty="0">
+                <a:effectLst/>
+                <a:latin typeface="Courier New" panose="02070309020205020404" pitchFamily="49" charset="0"/>
+                <a:cs typeface="Courier New" panose="02070309020205020404" pitchFamily="49" charset="0"/>
+              </a:rPr>
+              <a:t>b286    // </a:t>
+            </a:r>
+            <a:r>
+              <a:rPr lang="en-US" dirty="0" err="1">
+                <a:effectLst/>
+                <a:latin typeface="Courier New" panose="02070309020205020404" pitchFamily="49" charset="0"/>
+                <a:cs typeface="Courier New" panose="02070309020205020404" pitchFamily="49" charset="0"/>
+              </a:rPr>
+              <a:t>srl</a:t>
+            </a:r>
+            <a:r>
+              <a:rPr lang="en-US" dirty="0">
+                <a:effectLst/>
+                <a:latin typeface="Courier New" panose="02070309020205020404" pitchFamily="49" charset="0"/>
+                <a:cs typeface="Courier New" panose="02070309020205020404" pitchFamily="49" charset="0"/>
+              </a:rPr>
+              <a:t> $2, $2, 1  ==&gt; 1011 0010 1000 0100  // y //= 2</a:t>
+            </a:r>
+          </a:p>
+          <a:p>
+            <a:r>
+              <a:rPr lang="en-US" dirty="0" smtClean="0">
+                <a:effectLst/>
+                <a:latin typeface="Courier New" panose="02070309020205020404" pitchFamily="49" charset="0"/>
+                <a:cs typeface="Courier New" panose="02070309020205020404" pitchFamily="49" charset="0"/>
+              </a:rPr>
+              <a:t>c005    </a:t>
+            </a:r>
+            <a:r>
+              <a:rPr lang="en-US" dirty="0">
+                <a:effectLst/>
+                <a:latin typeface="Courier New" panose="02070309020205020404" pitchFamily="49" charset="0"/>
+                <a:cs typeface="Courier New" panose="02070309020205020404" pitchFamily="49" charset="0"/>
+              </a:rPr>
+              <a:t>// j 5            ==&gt; 1100 0000 0000 0101  // </a:t>
+            </a:r>
+            <a:r>
+              <a:rPr lang="en-US" dirty="0" err="1">
+                <a:effectLst/>
+                <a:latin typeface="Courier New" panose="02070309020205020404" pitchFamily="49" charset="0"/>
+                <a:cs typeface="Courier New" panose="02070309020205020404" pitchFamily="49" charset="0"/>
+              </a:rPr>
+              <a:t>goto</a:t>
+            </a:r>
+            <a:r>
+              <a:rPr lang="en-US" dirty="0">
+                <a:effectLst/>
+                <a:latin typeface="Courier New" panose="02070309020205020404" pitchFamily="49" charset="0"/>
+                <a:cs typeface="Courier New" panose="02070309020205020404" pitchFamily="49" charset="0"/>
+              </a:rPr>
+              <a:t> 5</a:t>
+            </a:r>
+          </a:p>
+          <a:p>
+            <a:endParaRPr lang="en-US" dirty="0"/>
+          </a:p>
+        </p:txBody>
+      </p:sp>
+    </p:spTree>
+    <p:extLst>
+      <p:ext uri="{BB962C8B-B14F-4D97-AF65-F5344CB8AC3E}">
+        <p14:creationId xmlns:p14="http://schemas.microsoft.com/office/powerpoint/2010/main" val="1210100422"/>
+      </p:ext>
+    </p:extLst>
+  </p:cSld>
+  <p:clrMapOvr>
+    <a:masterClrMapping/>
+  </p:clrMapOvr>
+</p:sld>
+</file>
+
+<file path=ppt/slides/slide11.xml><?xml version="1.0" encoding="utf-8"?>
+<p:sld xmlns:a="http://schemas.openxmlformats.org/drawingml/2006/main" xmlns:r="http://schemas.openxmlformats.org/officeDocument/2006/relationships" xmlns:p="http://schemas.openxmlformats.org/presentationml/2006/main">
+  <p:cSld>
+    <p:spTree>
+      <p:nvGrpSpPr>
+        <p:cNvPr id="1" name=""/>
+        <p:cNvGrpSpPr/>
+        <p:nvPr/>
+      </p:nvGrpSpPr>
+      <p:grpSpPr>
+        <a:xfrm>
+          <a:off x="0" y="0"/>
+          <a:ext cx="0" cy="0"/>
+          <a:chOff x="0" y="0"/>
+          <a:chExt cx="0" cy="0"/>
+        </a:xfrm>
+      </p:grpSpPr>
+      <p:pic>
+        <p:nvPicPr>
+          <p:cNvPr id="4" name="Picture 3"/>
+          <p:cNvPicPr/>
+          <p:nvPr/>
+        </p:nvPicPr>
+        <p:blipFill rotWithShape="1">
+          <a:blip r:embed="rId2">
+            <a:extLst>
+              <a:ext uri="{28A0092B-C50C-407E-A947-70E740481C1C}">
+                <a14:useLocalDpi xmlns:a14="http://schemas.microsoft.com/office/drawing/2010/main" val="0"/>
+              </a:ext>
+            </a:extLst>
+          </a:blip>
+          <a:srcRect b="44801"/>
+          <a:stretch/>
+        </p:blipFill>
+        <p:spPr bwMode="auto">
+          <a:xfrm>
+            <a:off x="380325" y="1"/>
+            <a:ext cx="11502374" cy="6857999"/>
+          </a:xfrm>
+          <a:prstGeom prst="rect">
+            <a:avLst/>
+          </a:prstGeom>
+          <a:noFill/>
+          <a:ln>
+            <a:noFill/>
+          </a:ln>
+        </p:spPr>
+      </p:pic>
+    </p:spTree>
+    <p:extLst>
+      <p:ext uri="{BB962C8B-B14F-4D97-AF65-F5344CB8AC3E}">
+        <p14:creationId xmlns:p14="http://schemas.microsoft.com/office/powerpoint/2010/main" val="3026986053"/>
+      </p:ext>
+    </p:extLst>
+  </p:cSld>
+  <p:clrMapOvr>
+    <a:masterClrMapping/>
+  </p:clrMapOvr>
+</p:sld>
+</file>
+
 <file path=ppt/slides/slide2.xml><?xml version="1.0" encoding="utf-8"?>
 <p:sld xmlns:a="http://schemas.openxmlformats.org/drawingml/2006/main" xmlns:r="http://schemas.openxmlformats.org/officeDocument/2006/relationships" xmlns:p="http://schemas.openxmlformats.org/presentationml/2006/main">
   <p:cSld>
@@ -10003,7 +10595,7 @@
           <a:p>
             <a:r>
               <a:rPr lang="en-US" dirty="0" smtClean="0"/>
-              <a:t>Test Program</a:t>
+              <a:t>SLL</a:t>
             </a:r>
             <a:endParaRPr lang="en-US" dirty="0"/>
           </a:p>
@@ -10019,10 +10611,15 @@
             <p:ph idx="1"/>
           </p:nvPr>
         </p:nvSpPr>
-        <p:spPr/>
+        <p:spPr>
+          <a:xfrm>
+            <a:off x="913795" y="2096063"/>
+            <a:ext cx="10353762" cy="4523221"/>
+          </a:xfrm>
+        </p:spPr>
         <p:txBody>
           <a:bodyPr>
-            <a:normAutofit/>
+            <a:normAutofit fontScale="70000" lnSpcReduction="20000"/>
           </a:bodyPr>
           <a:lstStyle/>
           <a:p>
@@ -10030,102 +10627,206 @@
               <a:buNone/>
             </a:pPr>
             <a:r>
-              <a:rPr lang="en-US" dirty="0" err="1" smtClean="0"/>
-              <a:t>Input.hex</a:t>
-            </a:r>
-            <a:r>
-              <a:rPr lang="en-US" dirty="0" smtClean="0"/>
-              <a:t> – a 40 instruction peasant multiplication algorithm (including </a:t>
-            </a:r>
-            <a:r>
-              <a:rPr lang="en-US" dirty="0" err="1" smtClean="0"/>
-              <a:t>nops</a:t>
-            </a:r>
-            <a:r>
-              <a:rPr lang="en-US" dirty="0" smtClean="0"/>
-              <a:t>) that demonstrates the usability of our mini MIPS machine. It utilizes </a:t>
-            </a:r>
-            <a:r>
-              <a:rPr lang="en-US" dirty="0" err="1" smtClean="0"/>
-              <a:t>lw</a:t>
-            </a:r>
-            <a:r>
-              <a:rPr lang="en-US" dirty="0" smtClean="0"/>
-              <a:t>, </a:t>
-            </a:r>
-            <a:r>
-              <a:rPr lang="en-US" dirty="0" err="1" smtClean="0"/>
-              <a:t>sw</a:t>
-            </a:r>
-            <a:r>
-              <a:rPr lang="en-US" dirty="0" smtClean="0"/>
-              <a:t>, </a:t>
-            </a:r>
-            <a:r>
-              <a:rPr lang="en-US" dirty="0" err="1" smtClean="0"/>
-              <a:t>addi</a:t>
-            </a:r>
-            <a:r>
-              <a:rPr lang="en-US" dirty="0" smtClean="0"/>
-              <a:t>, </a:t>
-            </a:r>
-            <a:r>
-              <a:rPr lang="en-US" dirty="0" err="1" smtClean="0"/>
-              <a:t>beq</a:t>
-            </a:r>
-            <a:r>
-              <a:rPr lang="en-US" dirty="0" smtClean="0"/>
-              <a:t>, </a:t>
-            </a:r>
-            <a:r>
-              <a:rPr lang="en-US" dirty="0" err="1" smtClean="0"/>
-              <a:t>sq</a:t>
-            </a:r>
-            <a:r>
-              <a:rPr lang="en-US" dirty="0" smtClean="0"/>
-              <a:t>, </a:t>
-            </a:r>
-            <a:r>
-              <a:rPr lang="en-US" dirty="0" err="1" smtClean="0"/>
-              <a:t>addi</a:t>
-            </a:r>
-            <a:r>
-              <a:rPr lang="en-US" dirty="0" smtClean="0"/>
-              <a:t>, and, add, </a:t>
-            </a:r>
-            <a:r>
-              <a:rPr lang="en-US" dirty="0" err="1" smtClean="0"/>
-              <a:t>sll</a:t>
-            </a:r>
-            <a:r>
-              <a:rPr lang="en-US" dirty="0" smtClean="0"/>
-              <a:t>, </a:t>
-            </a:r>
-            <a:r>
-              <a:rPr lang="en-US" dirty="0" err="1" smtClean="0"/>
-              <a:t>srl</a:t>
-            </a:r>
-            <a:r>
-              <a:rPr lang="en-US" dirty="0" smtClean="0"/>
-              <a:t>, and j instructions.  The code snippet on the following slide does not contain </a:t>
-            </a:r>
-            <a:r>
-              <a:rPr lang="en-US" dirty="0" err="1" smtClean="0"/>
-              <a:t>nops</a:t>
-            </a:r>
-            <a:r>
-              <a:rPr lang="en-US" dirty="0" smtClean="0"/>
-              <a:t>, to demonstrate more of the actual logic. </a:t>
-            </a:r>
-            <a:endParaRPr lang="en-US" dirty="0">
-              <a:effectLst/>
-            </a:endParaRPr>
-          </a:p>
-          <a:p>
-            <a:pPr marL="457200" indent="-457200">
-              <a:buAutoNum type="arabicPlain" startAt="6302"/>
+              <a:rPr lang="en-US" sz="2500" b="1" dirty="0">
+                <a:effectLst/>
+              </a:rPr>
+              <a:t>module </a:t>
+            </a:r>
+            <a:r>
+              <a:rPr lang="en-US" sz="2500" b="1" dirty="0" err="1">
+                <a:effectLst/>
+              </a:rPr>
+              <a:t>shift_left_logical</a:t>
+            </a:r>
+            <a:r>
+              <a:rPr lang="en-US" sz="2500" b="1" dirty="0">
+                <a:effectLst/>
+              </a:rPr>
+              <a:t>(out, in, </a:t>
+            </a:r>
+            <a:r>
+              <a:rPr lang="en-US" sz="2500" b="1" dirty="0" err="1">
+                <a:effectLst/>
+              </a:rPr>
+              <a:t>shift_amount</a:t>
+            </a:r>
+            <a:r>
+              <a:rPr lang="en-US" sz="2500" b="1" dirty="0">
+                <a:effectLst/>
+              </a:rPr>
+              <a:t>); </a:t>
+            </a:r>
+          </a:p>
+          <a:p>
+            <a:pPr marL="0" indent="0">
+              <a:buNone/>
             </a:pPr>
-            <a:endParaRPr lang="en-US" dirty="0">
+            <a:r>
+              <a:rPr lang="en-US" sz="2500" dirty="0">
+                <a:effectLst/>
+              </a:rPr>
+              <a:t>    input [15:0] in; </a:t>
+            </a:r>
+          </a:p>
+          <a:p>
+            <a:pPr marL="0" indent="0">
+              <a:buNone/>
+            </a:pPr>
+            <a:r>
+              <a:rPr lang="en-US" sz="2500" dirty="0">
+                <a:effectLst/>
+              </a:rPr>
+              <a:t>    input [3:0] </a:t>
+            </a:r>
+            <a:r>
+              <a:rPr lang="en-US" sz="2500" dirty="0" err="1">
+                <a:effectLst/>
+              </a:rPr>
+              <a:t>shift_amount</a:t>
+            </a:r>
+            <a:r>
+              <a:rPr lang="en-US" sz="2500" dirty="0">
+                <a:effectLst/>
+              </a:rPr>
+              <a:t>;</a:t>
+            </a:r>
+          </a:p>
+          <a:p>
+            <a:pPr marL="0" indent="0">
+              <a:buNone/>
+            </a:pPr>
+            <a:r>
+              <a:rPr lang="en-US" sz="2500" dirty="0">
+                <a:effectLst/>
+              </a:rPr>
+              <a:t>    output [15:0] out; </a:t>
+            </a:r>
+          </a:p>
+          <a:p>
+            <a:pPr marL="0" indent="0">
+              <a:buNone/>
+            </a:pPr>
+            <a:r>
+              <a:rPr lang="en-US" sz="2500" dirty="0">
+                <a:effectLst/>
+              </a:rPr>
+              <a:t>    wire [15:0] p, q, r;</a:t>
+            </a:r>
+          </a:p>
+          <a:p>
+            <a:pPr marL="0" indent="0">
+              <a:buNone/>
+            </a:pPr>
+            <a:r>
+              <a:rPr lang="en-US" sz="2500" dirty="0">
+                <a:effectLst/>
+              </a:rPr>
+              <a:t> </a:t>
+            </a:r>
+          </a:p>
+          <a:p>
+            <a:pPr marL="0" indent="0">
+              <a:buNone/>
+            </a:pPr>
+            <a:r>
+              <a:rPr lang="en-US" sz="2500" dirty="0">
+                <a:effectLst/>
+              </a:rPr>
+              <a:t>    mux_32_to_16 mux1(p, in[15:0], {in[7:0],8'b0}, </a:t>
+            </a:r>
+            <a:r>
+              <a:rPr lang="en-US" sz="2500" dirty="0" err="1">
+                <a:effectLst/>
+              </a:rPr>
+              <a:t>shift_amount</a:t>
+            </a:r>
+            <a:r>
+              <a:rPr lang="en-US" sz="2500" dirty="0">
+                <a:effectLst/>
+              </a:rPr>
+              <a:t>[3]),</a:t>
+            </a:r>
+          </a:p>
+          <a:p>
+            <a:pPr marL="0" indent="0">
+              <a:buNone/>
+            </a:pPr>
+            <a:r>
+              <a:rPr lang="en-US" sz="2500" dirty="0">
+                <a:effectLst/>
+              </a:rPr>
+              <a:t>                 mux2(q, p, {p[11:0],4'b0}, </a:t>
+            </a:r>
+            <a:r>
+              <a:rPr lang="en-US" sz="2500" dirty="0" err="1">
+                <a:effectLst/>
+              </a:rPr>
+              <a:t>shift_amount</a:t>
+            </a:r>
+            <a:r>
+              <a:rPr lang="en-US" sz="2500" dirty="0">
+                <a:effectLst/>
+              </a:rPr>
+              <a:t>[2]),</a:t>
+            </a:r>
+          </a:p>
+          <a:p>
+            <a:pPr marL="0" indent="0">
+              <a:buNone/>
+            </a:pPr>
+            <a:r>
+              <a:rPr lang="en-US" sz="2500" dirty="0">
+                <a:effectLst/>
+              </a:rPr>
+              <a:t>                 mux3(r, q, {q[13:0],2'b0}, </a:t>
+            </a:r>
+            <a:r>
+              <a:rPr lang="en-US" sz="2500" dirty="0" err="1">
+                <a:effectLst/>
+              </a:rPr>
+              <a:t>shift_amount</a:t>
+            </a:r>
+            <a:r>
+              <a:rPr lang="en-US" sz="2500" dirty="0">
+                <a:effectLst/>
+              </a:rPr>
+              <a:t>[1]),</a:t>
+            </a:r>
+          </a:p>
+          <a:p>
+            <a:pPr marL="0" indent="0">
+              <a:buNone/>
+            </a:pPr>
+            <a:r>
+              <a:rPr lang="en-US" sz="2500" dirty="0">
+                <a:effectLst/>
+              </a:rPr>
+              <a:t>                 mux4(out, r, {r[14:0],1'b0}, </a:t>
+            </a:r>
+            <a:r>
+              <a:rPr lang="en-US" sz="2500" dirty="0" err="1">
+                <a:effectLst/>
+              </a:rPr>
+              <a:t>shift_amount</a:t>
+            </a:r>
+            <a:r>
+              <a:rPr lang="en-US" sz="2500" dirty="0">
+                <a:effectLst/>
+              </a:rPr>
+              <a:t>[0]);</a:t>
+            </a:r>
+          </a:p>
+          <a:p>
+            <a:pPr marL="0" indent="0">
+              <a:buNone/>
+            </a:pPr>
+            <a:r>
+              <a:rPr lang="en-US" sz="2500" dirty="0" err="1">
+                <a:effectLst/>
+              </a:rPr>
+              <a:t>endmodule</a:t>
+            </a:r>
+            <a:endParaRPr lang="en-US" sz="2500" dirty="0">
               <a:effectLst/>
             </a:endParaRPr>
           </a:p>
@@ -10140,7 +10841,7 @@
     </p:spTree>
     <p:extLst>
       <p:ext uri="{BB962C8B-B14F-4D97-AF65-F5344CB8AC3E}">
-        <p14:creationId xmlns:p14="http://schemas.microsoft.com/office/powerpoint/2010/main" val="1065799466"/>
+        <p14:creationId xmlns:p14="http://schemas.microsoft.com/office/powerpoint/2010/main" val="2297179962"/>
       </p:ext>
     </p:extLst>
   </p:cSld>
@@ -10183,8 +10884,8 @@
           <a:lstStyle/>
           <a:p>
             <a:r>
-              <a:rPr lang="en-US" dirty="0" smtClean="0"/>
-              <a:t>Code snippet</a:t>
+              <a:rPr lang="en-US" dirty="0" err="1" smtClean="0"/>
+              <a:t>Main_control</a:t>
             </a:r>
             <a:endParaRPr lang="en-US" dirty="0"/>
           </a:p>
@@ -10197,487 +10898,513 @@
             <a:spLocks noGrp="1"/>
           </p:cNvSpPr>
           <p:nvPr>
-            <p:ph idx="1"/>
+            <p:ph sz="half" idx="1"/>
           </p:nvPr>
         </p:nvSpPr>
         <p:spPr>
           <a:xfrm>
-            <a:off x="913795" y="2096063"/>
-            <a:ext cx="10353762" cy="4571773"/>
+            <a:off x="913795" y="2088319"/>
+            <a:ext cx="5106004" cy="4263929"/>
           </a:xfrm>
         </p:spPr>
         <p:txBody>
           <a:bodyPr>
-            <a:normAutofit fontScale="70000" lnSpcReduction="20000"/>
+            <a:noAutofit/>
           </a:bodyPr>
           <a:lstStyle/>
           <a:p>
-            <a:r>
-              <a:rPr lang="en-US" dirty="0">
-                <a:effectLst/>
-                <a:latin typeface="Courier New" panose="02070309020205020404" pitchFamily="49" charset="0"/>
-                <a:cs typeface="Courier New" panose="02070309020205020404" pitchFamily="49" charset="0"/>
-              </a:rPr>
-              <a:t>5100    // </a:t>
-            </a:r>
-            <a:r>
-              <a:rPr lang="en-US" dirty="0" err="1">
-                <a:effectLst/>
-                <a:latin typeface="Courier New" panose="02070309020205020404" pitchFamily="49" charset="0"/>
-                <a:cs typeface="Courier New" panose="02070309020205020404" pitchFamily="49" charset="0"/>
+            <a:pPr marL="0" indent="0">
+              <a:buNone/>
+            </a:pPr>
+            <a:r>
+              <a:rPr lang="en-US" sz="1400" b="1" dirty="0">
+                <a:effectLst/>
+              </a:rPr>
+              <a:t>module </a:t>
+            </a:r>
+            <a:r>
+              <a:rPr lang="en-US" sz="1400" b="1" dirty="0" err="1">
+                <a:effectLst/>
+              </a:rPr>
+              <a:t>main_control</a:t>
+            </a:r>
+            <a:r>
+              <a:rPr lang="en-US" sz="1400" b="1" dirty="0">
+                <a:effectLst/>
+              </a:rPr>
+              <a:t>(</a:t>
+            </a:r>
+            <a:r>
+              <a:rPr lang="en-US" sz="1400" b="1" dirty="0" err="1">
+                <a:effectLst/>
+              </a:rPr>
+              <a:t>Op,Control</a:t>
+            </a:r>
+            <a:r>
+              <a:rPr lang="en-US" sz="1400" b="1" dirty="0">
+                <a:effectLst/>
+              </a:rPr>
+              <a:t>); </a:t>
+            </a:r>
+          </a:p>
+          <a:p>
+            <a:pPr marL="0" indent="0">
+              <a:buNone/>
+            </a:pPr>
+            <a:r>
+              <a:rPr lang="en-US" sz="1400" dirty="0">
+                <a:effectLst/>
+              </a:rPr>
+              <a:t>    input [3:0] Op;</a:t>
+            </a:r>
+          </a:p>
+          <a:p>
+            <a:pPr marL="0" indent="0">
+              <a:buNone/>
+            </a:pPr>
+            <a:r>
+              <a:rPr lang="en-US" sz="1400" dirty="0">
+                <a:effectLst/>
+              </a:rPr>
+              <a:t>    output </a:t>
+            </a:r>
+            <a:r>
+              <a:rPr lang="en-US" sz="1400" dirty="0" err="1">
+                <a:effectLst/>
+              </a:rPr>
+              <a:t>reg</a:t>
+            </a:r>
+            <a:r>
+              <a:rPr lang="en-US" sz="1400" dirty="0">
+                <a:effectLst/>
+              </a:rPr>
+              <a:t> [11:0] Control;</a:t>
+            </a:r>
+          </a:p>
+          <a:p>
+            <a:pPr marL="0" indent="0">
+              <a:buNone/>
+            </a:pPr>
+            <a:r>
+              <a:rPr lang="en-US" sz="1400" dirty="0">
+                <a:effectLst/>
+              </a:rPr>
+              <a:t> </a:t>
+            </a:r>
+          </a:p>
+          <a:p>
+            <a:pPr marL="0" indent="0">
+              <a:buNone/>
+            </a:pPr>
+            <a:r>
+              <a:rPr lang="en-US" sz="1400" dirty="0">
+                <a:effectLst/>
+              </a:rPr>
+              <a:t>    always @(Op) case (Op)</a:t>
+            </a:r>
+          </a:p>
+          <a:p>
+            <a:pPr marL="0" indent="0">
+              <a:buNone/>
+            </a:pPr>
+            <a:r>
+              <a:rPr lang="en-US" sz="1400" dirty="0">
+                <a:effectLst/>
+              </a:rPr>
+              <a:t>        // {</a:t>
+            </a:r>
+            <a:r>
+              <a:rPr lang="en-US" sz="1400" dirty="0" err="1">
+                <a:effectLst/>
+              </a:rPr>
+              <a:t>RegDst</a:t>
+            </a:r>
+            <a:r>
+              <a:rPr lang="en-US" sz="1400" dirty="0">
+                <a:effectLst/>
+              </a:rPr>
+              <a:t>, BEQ, BNE, </a:t>
+            </a:r>
+            <a:r>
+              <a:rPr lang="en-US" sz="1400" dirty="0" err="1">
+                <a:effectLst/>
+              </a:rPr>
+              <a:t>MemtoReg</a:t>
+            </a:r>
+            <a:r>
+              <a:rPr lang="en-US" sz="1400" dirty="0">
+                <a:effectLst/>
+              </a:rPr>
+              <a:t>, </a:t>
+            </a:r>
+            <a:r>
+              <a:rPr lang="en-US" sz="1400" dirty="0" err="1">
+                <a:effectLst/>
+              </a:rPr>
+              <a:t>MemWrite</a:t>
+            </a:r>
+            <a:r>
+              <a:rPr lang="en-US" sz="1400" dirty="0">
+                <a:effectLst/>
+              </a:rPr>
+              <a:t>, </a:t>
+            </a:r>
+            <a:r>
+              <a:rPr lang="en-US" sz="1400" dirty="0" err="1">
+                <a:effectLst/>
+              </a:rPr>
+              <a:t>ALUSrc</a:t>
+            </a:r>
+            <a:r>
+              <a:rPr lang="en-US" sz="1400" dirty="0">
+                <a:effectLst/>
+              </a:rPr>
+              <a:t>, </a:t>
+            </a:r>
+            <a:r>
+              <a:rPr lang="en-US" sz="1400" dirty="0" err="1">
+                <a:effectLst/>
+              </a:rPr>
+              <a:t>RegWrite</a:t>
+            </a:r>
+            <a:r>
+              <a:rPr lang="en-US" sz="1400" dirty="0">
+                <a:effectLst/>
+              </a:rPr>
+              <a:t>, SLL, SRL, </a:t>
+            </a:r>
+            <a:r>
+              <a:rPr lang="en-US" sz="1400" dirty="0" err="1">
+                <a:effectLst/>
+              </a:rPr>
+              <a:t>ALUctl</a:t>
+            </a:r>
+            <a:r>
+              <a:rPr lang="en-US" sz="1400" dirty="0">
+                <a:effectLst/>
+              </a:rPr>
+              <a:t>[2], </a:t>
+            </a:r>
+            <a:r>
+              <a:rPr lang="en-US" sz="1400" dirty="0" err="1">
+                <a:effectLst/>
+              </a:rPr>
+              <a:t>ALUctl</a:t>
+            </a:r>
+            <a:r>
+              <a:rPr lang="en-US" sz="1400" dirty="0">
+                <a:effectLst/>
+              </a:rPr>
+              <a:t>[1], </a:t>
+            </a:r>
+            <a:r>
+              <a:rPr lang="en-US" sz="1400" dirty="0" err="1">
+                <a:effectLst/>
+              </a:rPr>
+              <a:t>ALUctl</a:t>
+            </a:r>
+            <a:r>
+              <a:rPr lang="en-US" sz="1400" dirty="0">
+                <a:effectLst/>
+              </a:rPr>
+              <a:t>[0]}</a:t>
+            </a:r>
+          </a:p>
+          <a:p>
+            <a:pPr marL="0" indent="0">
+              <a:buNone/>
+            </a:pPr>
+            <a:r>
+              <a:rPr lang="en-US" sz="1400" dirty="0">
+                <a:effectLst/>
+              </a:rPr>
+              <a:t>        4'b0000: Control &lt;= 12'b100000100010; // add</a:t>
+            </a:r>
+          </a:p>
+          <a:p>
+            <a:pPr marL="0" indent="0">
+              <a:buNone/>
+            </a:pPr>
+            <a:r>
+              <a:rPr lang="en-US" sz="1400" dirty="0">
+                <a:effectLst/>
+              </a:rPr>
+              <a:t>        4'b0001: Control &lt;= 12'b100000100110; // sub </a:t>
+            </a:r>
+          </a:p>
+          <a:p>
+            <a:pPr marL="0" indent="0">
+              <a:buNone/>
+            </a:pPr>
+            <a:r>
+              <a:rPr lang="en-US" sz="1400" dirty="0">
+                <a:effectLst/>
+              </a:rPr>
+              <a:t>        4'b0010: Control &lt;= 12'b100000100000; // and  </a:t>
+            </a:r>
+          </a:p>
+          <a:p>
+            <a:pPr marL="0" indent="0">
+              <a:buNone/>
+            </a:pPr>
+            <a:r>
+              <a:rPr lang="en-US" sz="1400" dirty="0">
+                <a:effectLst/>
+              </a:rPr>
+              <a:t>        4'b0011: Control &lt;= 12'b100000100001; // or   </a:t>
+            </a:r>
+          </a:p>
+        </p:txBody>
+      </p:sp>
+      <p:sp>
+        <p:nvSpPr>
+          <p:cNvPr id="5" name="Content Placeholder 4"/>
+          <p:cNvSpPr>
+            <a:spLocks noGrp="1"/>
+          </p:cNvSpPr>
+          <p:nvPr>
+            <p:ph sz="half" idx="2"/>
+          </p:nvPr>
+        </p:nvSpPr>
+        <p:spPr/>
+        <p:txBody>
+          <a:bodyPr>
+            <a:noAutofit/>
+          </a:bodyPr>
+          <a:lstStyle/>
+          <a:p>
+            <a:pPr marL="0" indent="0">
+              <a:buNone/>
+            </a:pPr>
+            <a:r>
+              <a:rPr lang="en-US" sz="1400" dirty="0" smtClean="0">
+                <a:effectLst/>
+              </a:rPr>
+              <a:t>        4'b0100</a:t>
+            </a:r>
+            <a:r>
+              <a:rPr lang="en-US" sz="1400" dirty="0">
+                <a:effectLst/>
+              </a:rPr>
+              <a:t>: Control &lt;= 12'b000001100010; // </a:t>
+            </a:r>
+            <a:r>
+              <a:rPr lang="en-US" sz="1400" dirty="0" err="1">
+                <a:effectLst/>
+              </a:rPr>
+              <a:t>addi</a:t>
+            </a:r>
+            <a:r>
+              <a:rPr lang="en-US" sz="1400" dirty="0" smtClean="0">
+                <a:effectLst/>
+              </a:rPr>
+              <a:t>       </a:t>
+            </a:r>
+          </a:p>
+          <a:p>
+            <a:pPr marL="0" indent="0">
+              <a:buNone/>
+            </a:pPr>
+            <a:r>
+              <a:rPr lang="en-US" sz="1400" dirty="0" smtClean="0">
+                <a:effectLst/>
+              </a:rPr>
+              <a:t>        4'b0101</a:t>
+            </a:r>
+            <a:r>
+              <a:rPr lang="en-US" sz="1400" dirty="0">
+                <a:effectLst/>
+              </a:rPr>
+              <a:t>: Control &lt;= 12'b000111100010; // </a:t>
+            </a:r>
+            <a:r>
+              <a:rPr lang="en-US" sz="1400" dirty="0" err="1">
+                <a:effectLst/>
               </a:rPr>
               <a:t>lw</a:t>
             </a:r>
             <a:r>
-              <a:rPr lang="en-US" dirty="0">
-                <a:effectLst/>
-                <a:latin typeface="Courier New" panose="02070309020205020404" pitchFamily="49" charset="0"/>
-                <a:cs typeface="Courier New" panose="02070309020205020404" pitchFamily="49" charset="0"/>
-              </a:rPr>
-              <a:t> $1, 0($0)   ==&gt; 0101 0001 0000 0000	</a:t>
-            </a:r>
-            <a:r>
-              <a:rPr lang="en-US" dirty="0" smtClean="0">
-                <a:effectLst/>
-                <a:latin typeface="Courier New" panose="02070309020205020404" pitchFamily="49" charset="0"/>
-                <a:cs typeface="Courier New" panose="02070309020205020404" pitchFamily="49" charset="0"/>
-              </a:rPr>
-              <a:t> // </a:t>
-            </a:r>
-            <a:r>
-              <a:rPr lang="en-US" dirty="0">
-                <a:effectLst/>
-                <a:latin typeface="Courier New" panose="02070309020205020404" pitchFamily="49" charset="0"/>
-                <a:cs typeface="Courier New" panose="02070309020205020404" pitchFamily="49" charset="0"/>
-              </a:rPr>
-              <a:t>$1 &lt;- x</a:t>
-            </a:r>
-          </a:p>
-          <a:p>
-            <a:r>
-              <a:rPr lang="en-US" dirty="0">
-                <a:effectLst/>
-                <a:latin typeface="Courier New" panose="02070309020205020404" pitchFamily="49" charset="0"/>
-                <a:cs typeface="Courier New" panose="02070309020205020404" pitchFamily="49" charset="0"/>
-              </a:rPr>
-              <a:t>5201    // </a:t>
-            </a:r>
-            <a:r>
-              <a:rPr lang="en-US" dirty="0" err="1">
-                <a:effectLst/>
-                <a:latin typeface="Courier New" panose="02070309020205020404" pitchFamily="49" charset="0"/>
-                <a:cs typeface="Courier New" panose="02070309020205020404" pitchFamily="49" charset="0"/>
-              </a:rPr>
-              <a:t>lw</a:t>
-            </a:r>
-            <a:r>
-              <a:rPr lang="en-US" dirty="0">
-                <a:effectLst/>
-                <a:latin typeface="Courier New" panose="02070309020205020404" pitchFamily="49" charset="0"/>
-                <a:cs typeface="Courier New" panose="02070309020205020404" pitchFamily="49" charset="0"/>
-              </a:rPr>
-              <a:t> $2, 1($0)   ==&gt; 0101 0010 0000 0001	</a:t>
-            </a:r>
-            <a:r>
-              <a:rPr lang="en-US" dirty="0" smtClean="0">
-                <a:effectLst/>
-                <a:latin typeface="Courier New" panose="02070309020205020404" pitchFamily="49" charset="0"/>
-                <a:cs typeface="Courier New" panose="02070309020205020404" pitchFamily="49" charset="0"/>
-              </a:rPr>
-              <a:t> // </a:t>
-            </a:r>
-            <a:r>
-              <a:rPr lang="en-US" dirty="0">
-                <a:effectLst/>
-                <a:latin typeface="Courier New" panose="02070309020205020404" pitchFamily="49" charset="0"/>
-                <a:cs typeface="Courier New" panose="02070309020205020404" pitchFamily="49" charset="0"/>
-              </a:rPr>
-              <a:t>$2 &lt;- y</a:t>
-            </a:r>
-          </a:p>
-          <a:p>
-            <a:r>
-              <a:rPr lang="en-US" dirty="0">
-                <a:effectLst/>
-                <a:latin typeface="Courier New" panose="02070309020205020404" pitchFamily="49" charset="0"/>
-                <a:cs typeface="Courier New" panose="02070309020205020404" pitchFamily="49" charset="0"/>
-              </a:rPr>
-              <a:t>4300    // </a:t>
-            </a:r>
-            <a:r>
-              <a:rPr lang="en-US" dirty="0" err="1">
-                <a:effectLst/>
-                <a:latin typeface="Courier New" panose="02070309020205020404" pitchFamily="49" charset="0"/>
-                <a:cs typeface="Courier New" panose="02070309020205020404" pitchFamily="49" charset="0"/>
-              </a:rPr>
-              <a:t>addi</a:t>
-            </a:r>
-            <a:r>
-              <a:rPr lang="en-US" dirty="0">
-                <a:effectLst/>
-                <a:latin typeface="Courier New" panose="02070309020205020404" pitchFamily="49" charset="0"/>
-                <a:cs typeface="Courier New" panose="02070309020205020404" pitchFamily="49" charset="0"/>
-              </a:rPr>
-              <a:t> $3, $0, 0 ==&gt; 0100 0011 0000 0000	</a:t>
-            </a:r>
-            <a:r>
-              <a:rPr lang="en-US" dirty="0">
-                <a:effectLst/>
-                <a:latin typeface="Courier New" panose="02070309020205020404" pitchFamily="49" charset="0"/>
-                <a:cs typeface="Courier New" panose="02070309020205020404" pitchFamily="49" charset="0"/>
-              </a:rPr>
-              <a:t> </a:t>
-            </a:r>
-            <a:r>
-              <a:rPr lang="en-US" dirty="0" smtClean="0">
-                <a:effectLst/>
-                <a:latin typeface="Courier New" panose="02070309020205020404" pitchFamily="49" charset="0"/>
-                <a:cs typeface="Courier New" panose="02070309020205020404" pitchFamily="49" charset="0"/>
-              </a:rPr>
-              <a:t>// </a:t>
-            </a:r>
-            <a:r>
-              <a:rPr lang="en-US" dirty="0">
-                <a:effectLst/>
-                <a:latin typeface="Courier New" panose="02070309020205020404" pitchFamily="49" charset="0"/>
-                <a:cs typeface="Courier New" panose="02070309020205020404" pitchFamily="49" charset="0"/>
-              </a:rPr>
-              <a:t>$3 &lt;- 0 </a:t>
-            </a:r>
-          </a:p>
-          <a:p>
-            <a:r>
-              <a:rPr lang="en-US" dirty="0" smtClean="0">
-                <a:effectLst/>
-                <a:latin typeface="Courier New" panose="02070309020205020404" pitchFamily="49" charset="0"/>
-                <a:cs typeface="Courier New" panose="02070309020205020404" pitchFamily="49" charset="0"/>
-              </a:rPr>
-              <a:t>8827    </a:t>
-            </a:r>
-            <a:r>
-              <a:rPr lang="en-US" dirty="0">
-                <a:effectLst/>
-                <a:latin typeface="Courier New" panose="02070309020205020404" pitchFamily="49" charset="0"/>
-                <a:cs typeface="Courier New" panose="02070309020205020404" pitchFamily="49" charset="0"/>
-              </a:rPr>
-              <a:t>// </a:t>
-            </a:r>
-            <a:r>
-              <a:rPr lang="en-US" dirty="0" err="1">
-                <a:effectLst/>
-                <a:latin typeface="Courier New" panose="02070309020205020404" pitchFamily="49" charset="0"/>
-                <a:cs typeface="Courier New" panose="02070309020205020404" pitchFamily="49" charset="0"/>
+              <a:rPr lang="en-US" sz="1400" dirty="0">
+                <a:effectLst/>
+              </a:rPr>
+              <a:t>    </a:t>
+            </a:r>
+          </a:p>
+          <a:p>
+            <a:pPr marL="0" indent="0">
+              <a:buNone/>
+            </a:pPr>
+            <a:r>
+              <a:rPr lang="en-US" sz="1400" dirty="0">
+                <a:effectLst/>
+              </a:rPr>
+              <a:t>        4'b0110: Control &lt;= 12'b000011000010; // </a:t>
+            </a:r>
+            <a:r>
+              <a:rPr lang="en-US" sz="1400" dirty="0" err="1">
+                <a:effectLst/>
+              </a:rPr>
+              <a:t>sw</a:t>
+            </a:r>
+            <a:r>
+              <a:rPr lang="en-US" sz="1400" dirty="0">
+                <a:effectLst/>
+              </a:rPr>
+              <a:t>    </a:t>
+            </a:r>
+          </a:p>
+          <a:p>
+            <a:pPr marL="0" indent="0">
+              <a:buNone/>
+            </a:pPr>
+            <a:r>
+              <a:rPr lang="en-US" sz="1400" dirty="0">
+                <a:effectLst/>
+              </a:rPr>
+              <a:t>        4'b0111: Control &lt;= 12'b100000100111; // </a:t>
+            </a:r>
+            <a:r>
+              <a:rPr lang="en-US" sz="1400" dirty="0" err="1">
+                <a:effectLst/>
+              </a:rPr>
+              <a:t>slt</a:t>
+            </a:r>
+            <a:r>
+              <a:rPr lang="en-US" sz="1400" dirty="0">
+                <a:effectLst/>
+              </a:rPr>
+              <a:t>    </a:t>
+            </a:r>
+          </a:p>
+          <a:p>
+            <a:pPr marL="0" indent="0">
+              <a:buNone/>
+            </a:pPr>
+            <a:r>
+              <a:rPr lang="en-US" sz="1400" dirty="0">
+                <a:effectLst/>
+              </a:rPr>
+              <a:t>        4'b1000: Control &lt;= 12'b010000000110; // </a:t>
+            </a:r>
+            <a:r>
+              <a:rPr lang="en-US" sz="1400" dirty="0" err="1">
+                <a:effectLst/>
               </a:rPr>
               <a:t>beq</a:t>
             </a:r>
-            <a:r>
-              <a:rPr lang="en-US" dirty="0">
-                <a:effectLst/>
-                <a:latin typeface="Courier New" panose="02070309020205020404" pitchFamily="49" charset="0"/>
-                <a:cs typeface="Courier New" panose="02070309020205020404" pitchFamily="49" charset="0"/>
-              </a:rPr>
-              <a:t> $2, $0, 39 ==&gt; 1000 1000 0010 0111  // if y == 0 </a:t>
-            </a:r>
-            <a:r>
-              <a:rPr lang="en-US" dirty="0" err="1">
-                <a:effectLst/>
-                <a:latin typeface="Courier New" panose="02070309020205020404" pitchFamily="49" charset="0"/>
-                <a:cs typeface="Courier New" panose="02070309020205020404" pitchFamily="49" charset="0"/>
-              </a:rPr>
-              <a:t>goto</a:t>
-            </a:r>
-            <a:r>
-              <a:rPr lang="en-US" dirty="0">
-                <a:effectLst/>
-                <a:latin typeface="Courier New" panose="02070309020205020404" pitchFamily="49" charset="0"/>
-                <a:cs typeface="Courier New" panose="02070309020205020404" pitchFamily="49" charset="0"/>
-              </a:rPr>
-              <a:t> 39</a:t>
-            </a:r>
-          </a:p>
-          <a:p>
-            <a:r>
-              <a:rPr lang="en-US" dirty="0" smtClean="0">
-                <a:effectLst/>
-                <a:latin typeface="Courier New" panose="02070309020205020404" pitchFamily="49" charset="0"/>
-                <a:cs typeface="Courier New" panose="02070309020205020404" pitchFamily="49" charset="0"/>
-              </a:rPr>
-              <a:t>6302    </a:t>
-            </a:r>
-            <a:r>
-              <a:rPr lang="en-US" dirty="0">
-                <a:effectLst/>
-                <a:latin typeface="Courier New" panose="02070309020205020404" pitchFamily="49" charset="0"/>
-                <a:cs typeface="Courier New" panose="02070309020205020404" pitchFamily="49" charset="0"/>
-              </a:rPr>
-              <a:t>// </a:t>
-            </a:r>
-            <a:r>
-              <a:rPr lang="en-US" dirty="0" err="1">
-                <a:effectLst/>
-                <a:latin typeface="Courier New" panose="02070309020205020404" pitchFamily="49" charset="0"/>
-                <a:cs typeface="Courier New" panose="02070309020205020404" pitchFamily="49" charset="0"/>
-              </a:rPr>
-              <a:t>sw</a:t>
-            </a:r>
-            <a:r>
-              <a:rPr lang="en-US" dirty="0">
-                <a:effectLst/>
-                <a:latin typeface="Courier New" panose="02070309020205020404" pitchFamily="49" charset="0"/>
-                <a:cs typeface="Courier New" panose="02070309020205020404" pitchFamily="49" charset="0"/>
-              </a:rPr>
-              <a:t> $3, 2($0)   ==&gt; 0110 0011 0000 0010  // a &lt;- $3</a:t>
-            </a:r>
-          </a:p>
-          <a:p>
-            <a:r>
-              <a:rPr lang="en-US" dirty="0" smtClean="0">
-                <a:effectLst/>
-                <a:latin typeface="Courier New" panose="02070309020205020404" pitchFamily="49" charset="0"/>
-                <a:cs typeface="Courier New" panose="02070309020205020404" pitchFamily="49" charset="0"/>
-              </a:rPr>
-              <a:t>4301    </a:t>
-            </a:r>
-            <a:r>
-              <a:rPr lang="en-US" dirty="0">
-                <a:effectLst/>
-                <a:latin typeface="Courier New" panose="02070309020205020404" pitchFamily="49" charset="0"/>
-                <a:cs typeface="Courier New" panose="02070309020205020404" pitchFamily="49" charset="0"/>
-              </a:rPr>
-              <a:t>// </a:t>
-            </a:r>
-            <a:r>
-              <a:rPr lang="en-US" dirty="0" err="1">
-                <a:effectLst/>
-                <a:latin typeface="Courier New" panose="02070309020205020404" pitchFamily="49" charset="0"/>
-                <a:cs typeface="Courier New" panose="02070309020205020404" pitchFamily="49" charset="0"/>
-              </a:rPr>
-              <a:t>addi</a:t>
-            </a:r>
-            <a:r>
-              <a:rPr lang="en-US" dirty="0">
-                <a:effectLst/>
-                <a:latin typeface="Courier New" panose="02070309020205020404" pitchFamily="49" charset="0"/>
-                <a:cs typeface="Courier New" panose="02070309020205020404" pitchFamily="49" charset="0"/>
-              </a:rPr>
-              <a:t> $3, $0, 1 ==&gt; 0100 0011 0000 0001  // $3 &lt;- 1</a:t>
-            </a:r>
-          </a:p>
-          <a:p>
-            <a:r>
-              <a:rPr lang="en-US" dirty="0" smtClean="0">
-                <a:effectLst/>
-                <a:latin typeface="Courier New" panose="02070309020205020404" pitchFamily="49" charset="0"/>
-                <a:cs typeface="Courier New" panose="02070309020205020404" pitchFamily="49" charset="0"/>
-              </a:rPr>
-              <a:t>2bc0    </a:t>
-            </a:r>
-            <a:r>
-              <a:rPr lang="en-US" dirty="0">
-                <a:effectLst/>
-                <a:latin typeface="Courier New" panose="02070309020205020404" pitchFamily="49" charset="0"/>
-                <a:cs typeface="Courier New" panose="02070309020205020404" pitchFamily="49" charset="0"/>
-              </a:rPr>
-              <a:t>// and $3, $2, $3 ==&gt; 0010 1011 1100 0000  // $3 &lt;- y &amp;&amp; 1</a:t>
-            </a:r>
-          </a:p>
-          <a:p>
-            <a:r>
-              <a:rPr lang="en-US" dirty="0" smtClean="0">
-                <a:effectLst/>
-                <a:latin typeface="Courier New" panose="02070309020205020404" pitchFamily="49" charset="0"/>
-                <a:cs typeface="Courier New" panose="02070309020205020404" pitchFamily="49" charset="0"/>
-              </a:rPr>
-              <a:t>8c1e    </a:t>
-            </a:r>
-            <a:r>
-              <a:rPr lang="en-US" dirty="0">
-                <a:effectLst/>
-                <a:latin typeface="Courier New" panose="02070309020205020404" pitchFamily="49" charset="0"/>
-                <a:cs typeface="Courier New" panose="02070309020205020404" pitchFamily="49" charset="0"/>
-              </a:rPr>
-              <a:t>// </a:t>
-            </a:r>
-            <a:r>
-              <a:rPr lang="en-US" dirty="0" err="1">
-                <a:effectLst/>
-                <a:latin typeface="Courier New" panose="02070309020205020404" pitchFamily="49" charset="0"/>
-                <a:cs typeface="Courier New" panose="02070309020205020404" pitchFamily="49" charset="0"/>
-              </a:rPr>
-              <a:t>beq</a:t>
-            </a:r>
-            <a:r>
-              <a:rPr lang="en-US" dirty="0">
-                <a:effectLst/>
-                <a:latin typeface="Courier New" panose="02070309020205020404" pitchFamily="49" charset="0"/>
-                <a:cs typeface="Courier New" panose="02070309020205020404" pitchFamily="49" charset="0"/>
-              </a:rPr>
-              <a:t> $3, $0, 30 ==&gt; 1000 1100 0001 1110  // if $3 == 0 </a:t>
-            </a:r>
-            <a:r>
-              <a:rPr lang="en-US" dirty="0" err="1">
-                <a:effectLst/>
-                <a:latin typeface="Courier New" panose="02070309020205020404" pitchFamily="49" charset="0"/>
-                <a:cs typeface="Courier New" panose="02070309020205020404" pitchFamily="49" charset="0"/>
-              </a:rPr>
-              <a:t>goto</a:t>
-            </a:r>
-            <a:r>
-              <a:rPr lang="en-US" dirty="0">
-                <a:effectLst/>
-                <a:latin typeface="Courier New" panose="02070309020205020404" pitchFamily="49" charset="0"/>
-                <a:cs typeface="Courier New" panose="02070309020205020404" pitchFamily="49" charset="0"/>
-              </a:rPr>
-              <a:t> 30</a:t>
-            </a:r>
-          </a:p>
-          <a:p>
-            <a:r>
-              <a:rPr lang="en-US" dirty="0" smtClean="0">
-                <a:effectLst/>
-                <a:latin typeface="Courier New" panose="02070309020205020404" pitchFamily="49" charset="0"/>
-                <a:cs typeface="Courier New" panose="02070309020205020404" pitchFamily="49" charset="0"/>
-              </a:rPr>
-              <a:t>5302    </a:t>
-            </a:r>
-            <a:r>
-              <a:rPr lang="en-US" dirty="0">
-                <a:effectLst/>
-                <a:latin typeface="Courier New" panose="02070309020205020404" pitchFamily="49" charset="0"/>
-                <a:cs typeface="Courier New" panose="02070309020205020404" pitchFamily="49" charset="0"/>
-              </a:rPr>
-              <a:t>// </a:t>
-            </a:r>
-            <a:r>
-              <a:rPr lang="en-US" dirty="0" err="1">
-                <a:effectLst/>
-                <a:latin typeface="Courier New" panose="02070309020205020404" pitchFamily="49" charset="0"/>
-                <a:cs typeface="Courier New" panose="02070309020205020404" pitchFamily="49" charset="0"/>
-              </a:rPr>
-              <a:t>lw</a:t>
-            </a:r>
-            <a:r>
-              <a:rPr lang="en-US" dirty="0">
-                <a:effectLst/>
-                <a:latin typeface="Courier New" panose="02070309020205020404" pitchFamily="49" charset="0"/>
-                <a:cs typeface="Courier New" panose="02070309020205020404" pitchFamily="49" charset="0"/>
-              </a:rPr>
-              <a:t> $3, 2($0)   ==&gt; 0101 0011 0000 0010  // $3 &lt;- a</a:t>
-            </a:r>
-          </a:p>
-          <a:p>
-            <a:r>
-              <a:rPr lang="en-US" dirty="0" smtClean="0">
-                <a:effectLst/>
-                <a:latin typeface="Courier New" panose="02070309020205020404" pitchFamily="49" charset="0"/>
-                <a:cs typeface="Courier New" panose="02070309020205020404" pitchFamily="49" charset="0"/>
-              </a:rPr>
-              <a:t>0dc0    </a:t>
-            </a:r>
-            <a:r>
-              <a:rPr lang="en-US" dirty="0">
-                <a:effectLst/>
-                <a:latin typeface="Courier New" panose="02070309020205020404" pitchFamily="49" charset="0"/>
-                <a:cs typeface="Courier New" panose="02070309020205020404" pitchFamily="49" charset="0"/>
-              </a:rPr>
-              <a:t>// add $3, $3, $1 ==&gt; 0000 1101 1100 0000  // $3 &lt;- a + x</a:t>
-            </a:r>
-          </a:p>
-          <a:p>
-            <a:r>
-              <a:rPr lang="en-US" dirty="0">
-                <a:effectLst/>
-                <a:latin typeface="Courier New" panose="02070309020205020404" pitchFamily="49" charset="0"/>
-                <a:cs typeface="Courier New" panose="02070309020205020404" pitchFamily="49" charset="0"/>
-              </a:rPr>
-              <a:t>a144    // </a:t>
-            </a:r>
-            <a:r>
-              <a:rPr lang="en-US" dirty="0" err="1">
-                <a:effectLst/>
-                <a:latin typeface="Courier New" panose="02070309020205020404" pitchFamily="49" charset="0"/>
-                <a:cs typeface="Courier New" panose="02070309020205020404" pitchFamily="49" charset="0"/>
+            <a:endParaRPr lang="en-US" sz="1400" dirty="0">
+              <a:effectLst/>
+            </a:endParaRPr>
+          </a:p>
+          <a:p>
+            <a:pPr marL="0" indent="0">
+              <a:buNone/>
+            </a:pPr>
+            <a:r>
+              <a:rPr lang="en-US" sz="1400" dirty="0">
+                <a:effectLst/>
+              </a:rPr>
+              <a:t>        4'b1001: Control &lt;= 12'b001000000110; // </a:t>
+            </a:r>
+            <a:r>
+              <a:rPr lang="en-US" sz="1400" dirty="0" err="1">
+                <a:effectLst/>
+              </a:rPr>
+              <a:t>bne</a:t>
+            </a:r>
+            <a:endParaRPr lang="en-US" sz="1400" dirty="0">
+              <a:effectLst/>
+            </a:endParaRPr>
+          </a:p>
+          <a:p>
+            <a:pPr marL="0" indent="0">
+              <a:buNone/>
+            </a:pPr>
+            <a:r>
+              <a:rPr lang="en-US" sz="1400" dirty="0">
+                <a:effectLst/>
+              </a:rPr>
+              <a:t>        4'b1010: Control &lt;= 12'b100000110000; // </a:t>
+            </a:r>
+            <a:r>
+              <a:rPr lang="en-US" sz="1400" dirty="0" err="1">
+                <a:effectLst/>
               </a:rPr>
               <a:t>sll</a:t>
             </a:r>
-            <a:r>
-              <a:rPr lang="en-US" dirty="0">
-                <a:effectLst/>
-                <a:latin typeface="Courier New" panose="02070309020205020404" pitchFamily="49" charset="0"/>
-                <a:cs typeface="Courier New" panose="02070309020205020404" pitchFamily="49" charset="0"/>
-              </a:rPr>
-              <a:t> $1, $1, 1  ==&gt; 1010 0001 0100 0100  // x *= 2</a:t>
-            </a:r>
-          </a:p>
-          <a:p>
-            <a:r>
-              <a:rPr lang="en-US" dirty="0">
-                <a:effectLst/>
-                <a:latin typeface="Courier New" panose="02070309020205020404" pitchFamily="49" charset="0"/>
-                <a:cs typeface="Courier New" panose="02070309020205020404" pitchFamily="49" charset="0"/>
-              </a:rPr>
-              <a:t>b286    // </a:t>
-            </a:r>
-            <a:r>
-              <a:rPr lang="en-US" dirty="0" err="1">
-                <a:effectLst/>
-                <a:latin typeface="Courier New" panose="02070309020205020404" pitchFamily="49" charset="0"/>
-                <a:cs typeface="Courier New" panose="02070309020205020404" pitchFamily="49" charset="0"/>
+            <a:endParaRPr lang="en-US" sz="1400" dirty="0">
+              <a:effectLst/>
+            </a:endParaRPr>
+          </a:p>
+          <a:p>
+            <a:pPr marL="0" indent="0">
+              <a:buNone/>
+            </a:pPr>
+            <a:r>
+              <a:rPr lang="en-US" sz="1400" dirty="0">
+                <a:effectLst/>
+              </a:rPr>
+              <a:t>        4'b1011: Control &lt;= 12'b100000101000; // </a:t>
+            </a:r>
+            <a:r>
+              <a:rPr lang="en-US" sz="1400" dirty="0" err="1">
+                <a:effectLst/>
               </a:rPr>
               <a:t>srl</a:t>
             </a:r>
-            <a:r>
-              <a:rPr lang="en-US" dirty="0">
-                <a:effectLst/>
-                <a:latin typeface="Courier New" panose="02070309020205020404" pitchFamily="49" charset="0"/>
-                <a:cs typeface="Courier New" panose="02070309020205020404" pitchFamily="49" charset="0"/>
-              </a:rPr>
-              <a:t> $2, $2, 1  ==&gt; 1011 0010 1000 0100  // y //= 2</a:t>
-            </a:r>
-          </a:p>
-          <a:p>
-            <a:r>
-              <a:rPr lang="en-US" dirty="0" smtClean="0">
-                <a:effectLst/>
-                <a:latin typeface="Courier New" panose="02070309020205020404" pitchFamily="49" charset="0"/>
-                <a:cs typeface="Courier New" panose="02070309020205020404" pitchFamily="49" charset="0"/>
-              </a:rPr>
-              <a:t>c005    </a:t>
-            </a:r>
-            <a:r>
-              <a:rPr lang="en-US" dirty="0">
-                <a:effectLst/>
-                <a:latin typeface="Courier New" panose="02070309020205020404" pitchFamily="49" charset="0"/>
-                <a:cs typeface="Courier New" panose="02070309020205020404" pitchFamily="49" charset="0"/>
-              </a:rPr>
-              <a:t>// j 5            ==&gt; 1100 0000 0000 0101  // </a:t>
-            </a:r>
-            <a:r>
-              <a:rPr lang="en-US" dirty="0" err="1">
-                <a:effectLst/>
-                <a:latin typeface="Courier New" panose="02070309020205020404" pitchFamily="49" charset="0"/>
-                <a:cs typeface="Courier New" panose="02070309020205020404" pitchFamily="49" charset="0"/>
-              </a:rPr>
-              <a:t>goto</a:t>
-            </a:r>
-            <a:r>
-              <a:rPr lang="en-US" dirty="0">
-                <a:effectLst/>
-                <a:latin typeface="Courier New" panose="02070309020205020404" pitchFamily="49" charset="0"/>
-                <a:cs typeface="Courier New" panose="02070309020205020404" pitchFamily="49" charset="0"/>
-              </a:rPr>
-              <a:t> 5</a:t>
-            </a:r>
-          </a:p>
-          <a:p>
-            <a:endParaRPr lang="en-US" dirty="0"/>
+            <a:endParaRPr lang="en-US" sz="1400" dirty="0">
+              <a:effectLst/>
+            </a:endParaRPr>
+          </a:p>
+          <a:p>
+            <a:pPr marL="0" indent="0">
+              <a:buNone/>
+            </a:pPr>
+            <a:r>
+              <a:rPr lang="en-US" sz="1400" dirty="0">
+                <a:effectLst/>
+              </a:rPr>
+              <a:t>        4'b1100: Control &lt;= 12'b011000000110; // j</a:t>
+            </a:r>
+          </a:p>
+          <a:p>
+            <a:pPr marL="0" indent="0">
+              <a:buNone/>
+            </a:pPr>
+            <a:r>
+              <a:rPr lang="en-US" sz="1400" dirty="0">
+                <a:effectLst/>
+              </a:rPr>
+              <a:t>    </a:t>
+            </a:r>
+            <a:r>
+              <a:rPr lang="en-US" sz="1400" dirty="0" err="1">
+                <a:effectLst/>
+              </a:rPr>
+              <a:t>endcase</a:t>
+            </a:r>
+            <a:endParaRPr lang="en-US" sz="1400" dirty="0">
+              <a:effectLst/>
+            </a:endParaRPr>
+          </a:p>
+          <a:p>
+            <a:pPr marL="0" indent="0">
+              <a:buNone/>
+            </a:pPr>
+            <a:r>
+              <a:rPr lang="en-US" sz="1400" dirty="0" err="1">
+                <a:effectLst/>
+              </a:rPr>
+              <a:t>endmodule</a:t>
+            </a:r>
+            <a:endParaRPr lang="en-US" sz="1400" dirty="0"/>
           </a:p>
         </p:txBody>
       </p:sp>
     </p:spTree>
     <p:extLst>
       <p:ext uri="{BB962C8B-B14F-4D97-AF65-F5344CB8AC3E}">
-        <p14:creationId xmlns:p14="http://schemas.microsoft.com/office/powerpoint/2010/main" val="1210100422"/>
+        <p14:creationId xmlns:p14="http://schemas.microsoft.com/office/powerpoint/2010/main" val="3186285845"/>
       </p:ext>
     </p:extLst>
   </p:cSld>
@@ -10704,41 +11431,161 @@
           <a:chExt cx="0" cy="0"/>
         </a:xfrm>
       </p:grpSpPr>
-      <p:pic>
-        <p:nvPicPr>
-          <p:cNvPr id="4" name="Picture 3"/>
-          <p:cNvPicPr/>
-          <p:nvPr/>
-        </p:nvPicPr>
-        <p:blipFill rotWithShape="1">
-          <a:blip r:embed="rId2">
-            <a:extLst>
-              <a:ext uri="{28A0092B-C50C-407E-A947-70E740481C1C}">
-                <a14:useLocalDpi xmlns:a14="http://schemas.microsoft.com/office/drawing/2010/main" val="0"/>
-              </a:ext>
-            </a:extLst>
-          </a:blip>
-          <a:srcRect b="44801"/>
-          <a:stretch/>
-        </p:blipFill>
-        <p:spPr bwMode="auto">
-          <a:xfrm>
-            <a:off x="380325" y="1"/>
-            <a:ext cx="11502374" cy="6857999"/>
-          </a:xfrm>
-          <a:prstGeom prst="rect">
-            <a:avLst/>
-          </a:prstGeom>
-          <a:noFill/>
-          <a:ln>
-            <a:noFill/>
-          </a:ln>
-        </p:spPr>
-      </p:pic>
+      <p:sp>
+        <p:nvSpPr>
+          <p:cNvPr id="2" name="Title 1"/>
+          <p:cNvSpPr>
+            <a:spLocks noGrp="1"/>
+          </p:cNvSpPr>
+          <p:nvPr>
+            <p:ph type="title"/>
+          </p:nvPr>
+        </p:nvSpPr>
+        <p:spPr/>
+        <p:txBody>
+          <a:bodyPr/>
+          <a:lstStyle/>
+          <a:p>
+            <a:r>
+              <a:rPr lang="en-US" dirty="0" smtClean="0"/>
+              <a:t>Test Program</a:t>
+            </a:r>
+            <a:endParaRPr lang="en-US" dirty="0"/>
+          </a:p>
+        </p:txBody>
+      </p:sp>
+      <p:sp>
+        <p:nvSpPr>
+          <p:cNvPr id="3" name="Content Placeholder 2"/>
+          <p:cNvSpPr>
+            <a:spLocks noGrp="1"/>
+          </p:cNvSpPr>
+          <p:nvPr>
+            <p:ph idx="1"/>
+          </p:nvPr>
+        </p:nvSpPr>
+        <p:spPr/>
+        <p:txBody>
+          <a:bodyPr>
+            <a:normAutofit/>
+          </a:bodyPr>
+          <a:lstStyle/>
+          <a:p>
+            <a:pPr marL="0" indent="0">
+              <a:buNone/>
+            </a:pPr>
+            <a:r>
+              <a:rPr lang="en-US" dirty="0" err="1" smtClean="0"/>
+              <a:t>Input.hex</a:t>
+            </a:r>
+            <a:r>
+              <a:rPr lang="en-US" dirty="0" smtClean="0"/>
+              <a:t> – a 40 instruction peasant multiplication algorithm (including </a:t>
+            </a:r>
+            <a:r>
+              <a:rPr lang="en-US" dirty="0" err="1" smtClean="0"/>
+              <a:t>nops</a:t>
+            </a:r>
+            <a:r>
+              <a:rPr lang="en-US" dirty="0" smtClean="0"/>
+              <a:t>) that demonstrates the usability of our mini MIPS machine. It utilizes </a:t>
+            </a:r>
+            <a:r>
+              <a:rPr lang="en-US" dirty="0" err="1" smtClean="0"/>
+              <a:t>lw</a:t>
+            </a:r>
+            <a:r>
+              <a:rPr lang="en-US" dirty="0" smtClean="0"/>
+              <a:t>, </a:t>
+            </a:r>
+            <a:r>
+              <a:rPr lang="en-US" dirty="0" err="1" smtClean="0"/>
+              <a:t>sw</a:t>
+            </a:r>
+            <a:r>
+              <a:rPr lang="en-US" dirty="0" smtClean="0"/>
+              <a:t>, </a:t>
+            </a:r>
+            <a:r>
+              <a:rPr lang="en-US" dirty="0" err="1" smtClean="0"/>
+              <a:t>addi</a:t>
+            </a:r>
+            <a:r>
+              <a:rPr lang="en-US" dirty="0" smtClean="0"/>
+              <a:t>, </a:t>
+            </a:r>
+            <a:r>
+              <a:rPr lang="en-US" dirty="0" err="1" smtClean="0"/>
+              <a:t>beq</a:t>
+            </a:r>
+            <a:r>
+              <a:rPr lang="en-US" dirty="0" smtClean="0"/>
+              <a:t>, </a:t>
+            </a:r>
+            <a:r>
+              <a:rPr lang="en-US" dirty="0" err="1" smtClean="0"/>
+              <a:t>sq</a:t>
+            </a:r>
+            <a:r>
+              <a:rPr lang="en-US" dirty="0" smtClean="0"/>
+              <a:t>, </a:t>
+            </a:r>
+            <a:r>
+              <a:rPr lang="en-US" dirty="0" err="1" smtClean="0"/>
+              <a:t>addi</a:t>
+            </a:r>
+            <a:r>
+              <a:rPr lang="en-US" dirty="0" smtClean="0"/>
+              <a:t>, and, add, </a:t>
+            </a:r>
+            <a:r>
+              <a:rPr lang="en-US" dirty="0" err="1" smtClean="0"/>
+              <a:t>sll</a:t>
+            </a:r>
+            <a:r>
+              <a:rPr lang="en-US" dirty="0" smtClean="0"/>
+              <a:t>, </a:t>
+            </a:r>
+            <a:r>
+              <a:rPr lang="en-US" dirty="0" err="1" smtClean="0"/>
+              <a:t>srl</a:t>
+            </a:r>
+            <a:r>
+              <a:rPr lang="en-US" dirty="0" smtClean="0"/>
+              <a:t>, and j instructions.  The code snippet on the following slide does not contain </a:t>
+            </a:r>
+            <a:r>
+              <a:rPr lang="en-US" dirty="0" err="1" smtClean="0"/>
+              <a:t>nops</a:t>
+            </a:r>
+            <a:r>
+              <a:rPr lang="en-US" dirty="0" smtClean="0"/>
+              <a:t>, to demonstrate more of the actual logic. </a:t>
+            </a:r>
+            <a:endParaRPr lang="en-US" dirty="0">
+              <a:effectLst/>
+            </a:endParaRPr>
+          </a:p>
+          <a:p>
+            <a:pPr marL="457200" indent="-457200">
+              <a:buAutoNum type="arabicPlain" startAt="6302"/>
+            </a:pPr>
+            <a:endParaRPr lang="en-US" dirty="0">
+              <a:effectLst/>
+            </a:endParaRPr>
+          </a:p>
+          <a:p>
+            <a:pPr marL="0" indent="0">
+              <a:buNone/>
+            </a:pPr>
+            <a:endParaRPr lang="en-US" dirty="0"/>
+          </a:p>
+        </p:txBody>
+      </p:sp>
     </p:spTree>
     <p:extLst>
       <p:ext uri="{BB962C8B-B14F-4D97-AF65-F5344CB8AC3E}">
-        <p14:creationId xmlns:p14="http://schemas.microsoft.com/office/powerpoint/2010/main" val="3026986053"/>
+        <p14:creationId xmlns:p14="http://schemas.microsoft.com/office/powerpoint/2010/main" val="1065799466"/>
       </p:ext>
     </p:extLst>
   </p:cSld>
